--- a/计算机组成原理/实验/lab1/lab1_运算器及其应用.pptx
+++ b/计算机组成原理/实验/lab1/lab1_运算器及其应用.pptx
@@ -23,6 +23,9 @@
   </p:sldIdLst>
   <p:sldSz cx="9144000" cy="6858000" type="screen4x3"/>
   <p:notesSz cx="6858000" cy="9144000"/>
+  <p:custDataLst>
+    <p:tags r:id="rId19"/>
+  </p:custDataLst>
   <p:defaultTextStyle>
     <a:defPPr>
       <a:defRPr lang="en-US"/>
@@ -10852,10 +10855,10 @@
         </p:nvGrpSpPr>
         <p:grpSpPr bwMode="auto">
           <a:xfrm>
-            <a:off x="6259513" y="1600200"/>
-            <a:ext cx="2108200" cy="1536700"/>
-            <a:chOff x="6164262" y="1993186"/>
-            <a:chExt cx="2674938" cy="1920002"/>
+            <a:off x="6054408" y="1520825"/>
+            <a:ext cx="2385695" cy="1616075"/>
+            <a:chOff x="5904020" y="1894012"/>
+            <a:chExt cx="3027031" cy="2019176"/>
           </a:xfrm>
         </p:grpSpPr>
         <p:cxnSp>
@@ -11181,7 +11184,7 @@
           </p:nvSpPr>
           <p:spPr bwMode="auto">
             <a:xfrm>
-              <a:off x="6164262" y="2538195"/>
+              <a:off x="5904020" y="2568344"/>
               <a:ext cx="384792" cy="307697"/>
             </a:xfrm>
             <a:prstGeom prst="rect">
@@ -11366,7 +11369,7 @@
                   <a:latin typeface="Arial" panose="020B0604020202020204" pitchFamily="34" charset="0"/>
                   <a:cs typeface="Arial" panose="020B0604020202020204" pitchFamily="34" charset="0"/>
                 </a:rPr>
-                <a:t>a</a:t>
+                <a:t>num1</a:t>
               </a:r>
               <a:endParaRPr lang="zh-CN" altLang="en-US" sz="1800" b="0">
                 <a:latin typeface="Arial" panose="020B0604020202020204" pitchFamily="34" charset="0"/>
@@ -11385,7 +11388,7 @@
           </p:nvSpPr>
           <p:spPr bwMode="auto">
             <a:xfrm>
-              <a:off x="6164262" y="3466648"/>
+              <a:off x="5918523" y="3480136"/>
               <a:ext cx="370363" cy="307697"/>
             </a:xfrm>
             <a:prstGeom prst="rect">
@@ -11570,9 +11573,9 @@
                   <a:latin typeface="Arial" panose="020B0604020202020204" pitchFamily="34" charset="0"/>
                   <a:cs typeface="Arial" panose="020B0604020202020204" pitchFamily="34" charset="0"/>
                 </a:rPr>
-                <a:t>b</a:t>
+                <a:t>num2</a:t>
               </a:r>
-              <a:endParaRPr lang="zh-CN" altLang="en-US" sz="1800" b="0">
+              <a:endParaRPr lang="en-US" altLang="zh-CN" sz="1800" b="0">
                 <a:latin typeface="Arial" panose="020B0604020202020204" pitchFamily="34" charset="0"/>
                 <a:cs typeface="Arial" panose="020B0604020202020204" pitchFamily="34" charset="0"/>
               </a:endParaRPr>
@@ -11589,7 +11592,7 @@
           </p:nvSpPr>
           <p:spPr bwMode="auto">
             <a:xfrm>
-              <a:off x="8454408" y="2823872"/>
+              <a:off x="8546257" y="2793723"/>
               <a:ext cx="384792" cy="307697"/>
             </a:xfrm>
             <a:prstGeom prst="rect">
@@ -11774,9 +11777,9 @@
                   <a:latin typeface="Arial" panose="020B0604020202020204" pitchFamily="34" charset="0"/>
                   <a:cs typeface="Arial" panose="020B0604020202020204" pitchFamily="34" charset="0"/>
                 </a:rPr>
-                <a:t>f</a:t>
+                <a:t>flag</a:t>
               </a:r>
-              <a:endParaRPr lang="zh-CN" altLang="en-US" sz="1800" b="0" dirty="0">
+              <a:endParaRPr lang="en-US" altLang="zh-CN" sz="1800" b="0" dirty="0">
                 <a:latin typeface="Arial" panose="020B0604020202020204" pitchFamily="34" charset="0"/>
                 <a:cs typeface="Arial" panose="020B0604020202020204" pitchFamily="34" charset="0"/>
               </a:endParaRPr>
@@ -11793,7 +11796,7 @@
           </p:nvSpPr>
           <p:spPr bwMode="auto">
             <a:xfrm>
-              <a:off x="7444848" y="1993186"/>
+              <a:off x="7586652" y="1894012"/>
               <a:ext cx="656164" cy="304522"/>
             </a:xfrm>
             <a:prstGeom prst="rect">
@@ -11978,9 +11981,9 @@
                   <a:latin typeface="Arial" panose="020B0604020202020204" pitchFamily="34" charset="0"/>
                   <a:cs typeface="Arial" panose="020B0604020202020204" pitchFamily="34" charset="0"/>
                 </a:rPr>
-                <a:t>s</a:t>
+                <a:t>mode</a:t>
               </a:r>
-              <a:endParaRPr lang="zh-CN" altLang="en-US" sz="1800" b="0" dirty="0">
+              <a:endParaRPr lang="en-US" altLang="zh-CN" sz="1800" b="0" dirty="0">
                 <a:latin typeface="Arial" panose="020B0604020202020204" pitchFamily="34" charset="0"/>
                 <a:cs typeface="Arial" panose="020B0604020202020204" pitchFamily="34" charset="0"/>
               </a:endParaRPr>
@@ -12032,7 +12035,7 @@
           </p:nvSpPr>
           <p:spPr bwMode="auto">
             <a:xfrm>
-              <a:off x="8454408" y="3253977"/>
+              <a:off x="8546259" y="3243663"/>
               <a:ext cx="384792" cy="307697"/>
             </a:xfrm>
             <a:prstGeom prst="rect">
@@ -12217,7 +12220,7 @@
                   <a:latin typeface="Arial" panose="020B0604020202020204" pitchFamily="34" charset="0"/>
                   <a:cs typeface="Arial" panose="020B0604020202020204" pitchFamily="34" charset="0"/>
                 </a:rPr>
-                <a:t>y</a:t>
+                <a:t>ans</a:t>
               </a:r>
               <a:endParaRPr lang="zh-CN" altLang="en-US" sz="1800" b="0">
                 <a:latin typeface="Arial" panose="020B0604020202020204" pitchFamily="34" charset="0"/>
@@ -43139,6 +43142,13 @@
 </p:sld>
 </file>
 
+<file path=ppt/tags/tag1.xml><?xml version="1.0" encoding="utf-8"?>
+<p:tagLst xmlns:p="http://schemas.openxmlformats.org/presentationml/2006/main">
+  <p:tag name="KSO_WPP_MARK_KEY" val="6ff6c91f-b622-47e7-bebc-f37462e786f9"/>
+  <p:tag name="COMMONDATA" val="eyJoZGlkIjoiMGQxOGEwMjk2MmJmMjQ5YjgxN2I0OTUwZGMwOGZiMTIifQ=="/>
+</p:tagLst>
+</file>
+
 <file path=ppt/theme/theme1.xml><?xml version="1.0" encoding="utf-8"?>
 <a:theme xmlns:a="http://schemas.openxmlformats.org/drawingml/2006/main" name="Office 主题">
   <a:themeElements>

--- a/计算机组成原理/实验/lab1/lab1_运算器及其应用.pptx
+++ b/计算机组成原理/实验/lab1/lab1_运算器及其应用.pptx
@@ -17,14 +17,15 @@
     <p:sldId id="753" r:id="rId10"/>
     <p:sldId id="755" r:id="rId11"/>
     <p:sldId id="748" r:id="rId12"/>
-    <p:sldId id="749" r:id="rId13"/>
-    <p:sldId id="745" r:id="rId14"/>
-    <p:sldId id="281" r:id="rId15"/>
+    <p:sldId id="780" r:id="rId13"/>
+    <p:sldId id="749" r:id="rId14"/>
+    <p:sldId id="745" r:id="rId15"/>
+    <p:sldId id="281" r:id="rId16"/>
   </p:sldIdLst>
   <p:sldSz cx="9144000" cy="6858000" type="screen4x3"/>
   <p:notesSz cx="6858000" cy="9144000"/>
   <p:custDataLst>
-    <p:tags r:id="rId19"/>
+    <p:tags r:id="rId20"/>
   </p:custDataLst>
   <p:defaultTextStyle>
     <a:defPPr>
@@ -151,6 +152,22 @@
       </a:defRPr>
     </a:lvl9pPr>
   </p:defaultTextStyle>
+  <p:extLst>
+    <p:ext uri="{EFAFB233-063F-42B5-8137-9DF3F51BA10A}">
+      <p15:sldGuideLst xmlns:p15="http://schemas.microsoft.com/office/powerpoint/2012/main">
+        <p15:guide id="1" orient="horz" pos="2160" userDrawn="1">
+          <p15:clr>
+            <a:srgbClr val="A4A3A4"/>
+          </p15:clr>
+        </p15:guide>
+        <p15:guide id="2" pos="2879" userDrawn="1">
+          <p15:clr>
+            <a:srgbClr val="A4A3A4"/>
+          </p15:clr>
+        </p15:guide>
+      </p15:sldGuideLst>
+    </p:ext>
+  </p:extLst>
 </p:presentation>
 </file>
 
@@ -2216,6 +2233,256 @@
 </file>
 
 <file path=ppt/notesSlides/notesSlide5.xml><?xml version="1.0" encoding="utf-8"?>
+<p:notes xmlns:a="http://schemas.openxmlformats.org/drawingml/2006/main" xmlns:r="http://schemas.openxmlformats.org/officeDocument/2006/relationships" xmlns:p="http://schemas.openxmlformats.org/presentationml/2006/main">
+  <p:cSld>
+    <p:spTree>
+      <p:nvGrpSpPr>
+        <p:cNvPr id="1" name=""/>
+        <p:cNvGrpSpPr/>
+        <p:nvPr/>
+      </p:nvGrpSpPr>
+      <p:grpSpPr>
+        <a:xfrm>
+          <a:off x="0" y="0"/>
+          <a:ext cx="0" cy="0"/>
+          <a:chOff x="0" y="0"/>
+          <a:chExt cx="0" cy="0"/>
+        </a:xfrm>
+      </p:grpSpPr>
+      <p:sp>
+        <p:nvSpPr>
+          <p:cNvPr id="10242" name="幻灯片图像占位符 1"/>
+          <p:cNvSpPr>
+            <a:spLocks noGrp="1" noRot="1" noChangeAspect="1" noChangeArrowheads="1" noTextEdit="1"/>
+          </p:cNvSpPr>
+          <p:nvPr>
+            <p:ph type="sldImg"/>
+          </p:nvPr>
+        </p:nvSpPr>
+        <p:spPr bwMode="auto">
+          <a:noFill/>
+          <a:ln>
+            <a:solidFill>
+              <a:srgbClr val="000000"/>
+            </a:solidFill>
+            <a:miter lim="800000"/>
+          </a:ln>
+          <a:extLst>
+            <a:ext uri="{909E8E84-426E-40DD-AFC4-6F175D3DCCD1}">
+              <a14:hiddenFill xmlns:a14="http://schemas.microsoft.com/office/drawing/2010/main">
+                <a:solidFill>
+                  <a:srgbClr val="FFFFFF"/>
+                </a:solidFill>
+              </a14:hiddenFill>
+            </a:ext>
+          </a:extLst>
+        </p:spPr>
+      </p:sp>
+      <p:sp>
+        <p:nvSpPr>
+          <p:cNvPr id="10243" name="备注占位符 2"/>
+          <p:cNvSpPr>
+            <a:spLocks noGrp="1" noChangeArrowheads="1"/>
+          </p:cNvSpPr>
+          <p:nvPr>
+            <p:ph type="body" idx="1"/>
+          </p:nvPr>
+        </p:nvSpPr>
+        <p:spPr bwMode="auto">
+          <a:noFill/>
+          <a:extLst>
+            <a:ext uri="{909E8E84-426E-40DD-AFC4-6F175D3DCCD1}">
+              <a14:hiddenFill xmlns:a14="http://schemas.microsoft.com/office/drawing/2010/main">
+                <a:solidFill>
+                  <a:srgbClr val="FFFFFF"/>
+                </a:solidFill>
+              </a14:hiddenFill>
+            </a:ext>
+            <a:ext uri="{91240B29-F687-4F45-9708-019B960494DF}">
+              <a14:hiddenLine xmlns:a14="http://schemas.microsoft.com/office/drawing/2010/main" w="9525">
+                <a:solidFill>
+                  <a:srgbClr val="000000"/>
+                </a:solidFill>
+                <a:miter lim="800000"/>
+                <a:headEnd/>
+                <a:tailEnd/>
+              </a14:hiddenLine>
+            </a:ext>
+          </a:extLst>
+        </p:spPr>
+        <p:txBody>
+          <a:bodyPr wrap="square" numCol="1" anchor="t" anchorCtr="0" compatLnSpc="1"/>
+          <a:lstStyle/>
+          <a:p>
+            <a:pPr eaLnBrk="1" hangingPunct="1">
+              <a:spcBef>
+                <a:spcPct val="0"/>
+              </a:spcBef>
+            </a:pPr>
+            <a:endParaRPr lang="zh-CN" altLang="en-US">
+              <a:ea typeface="宋体" panose="02010600030101010101" pitchFamily="2" charset="-122"/>
+            </a:endParaRPr>
+          </a:p>
+        </p:txBody>
+      </p:sp>
+      <p:sp>
+        <p:nvSpPr>
+          <p:cNvPr id="10244" name="灯片编号占位符 3"/>
+          <p:cNvSpPr>
+            <a:spLocks noGrp="1" noChangeArrowheads="1"/>
+          </p:cNvSpPr>
+          <p:nvPr>
+            <p:ph type="sldNum" sz="quarter" idx="5"/>
+          </p:nvPr>
+        </p:nvSpPr>
+        <p:spPr bwMode="auto">
+          <a:noFill/>
+          <a:extLst>
+            <a:ext uri="{909E8E84-426E-40DD-AFC4-6F175D3DCCD1}">
+              <a14:hiddenFill xmlns:a14="http://schemas.microsoft.com/office/drawing/2010/main">
+                <a:solidFill>
+                  <a:srgbClr val="FFFFFF"/>
+                </a:solidFill>
+              </a14:hiddenFill>
+            </a:ext>
+            <a:ext uri="{91240B29-F687-4F45-9708-019B960494DF}">
+              <a14:hiddenLine xmlns:a14="http://schemas.microsoft.com/office/drawing/2010/main" w="9525">
+                <a:solidFill>
+                  <a:srgbClr val="000000"/>
+                </a:solidFill>
+                <a:miter lim="800000"/>
+                <a:headEnd/>
+                <a:tailEnd/>
+              </a14:hiddenLine>
+            </a:ext>
+          </a:extLst>
+        </p:spPr>
+        <p:txBody>
+          <a:bodyPr wrap="square" numCol="1" anchorCtr="0" compatLnSpc="1"/>
+          <a:lstStyle>
+            <a:lvl1pPr>
+              <a:defRPr>
+                <a:solidFill>
+                  <a:schemeClr val="tx1"/>
+                </a:solidFill>
+                <a:latin typeface="Arial" panose="020B0604020202020204" pitchFamily="34" charset="0"/>
+                <a:ea typeface="宋体" panose="02010600030101010101" pitchFamily="2" charset="-122"/>
+              </a:defRPr>
+            </a:lvl1pPr>
+            <a:lvl2pPr marL="742950" indent="-285750">
+              <a:defRPr>
+                <a:solidFill>
+                  <a:schemeClr val="tx1"/>
+                </a:solidFill>
+                <a:latin typeface="Arial" panose="020B0604020202020204" pitchFamily="34" charset="0"/>
+                <a:ea typeface="宋体" panose="02010600030101010101" pitchFamily="2" charset="-122"/>
+              </a:defRPr>
+            </a:lvl2pPr>
+            <a:lvl3pPr marL="1143000" indent="-228600">
+              <a:defRPr>
+                <a:solidFill>
+                  <a:schemeClr val="tx1"/>
+                </a:solidFill>
+                <a:latin typeface="Arial" panose="020B0604020202020204" pitchFamily="34" charset="0"/>
+                <a:ea typeface="宋体" panose="02010600030101010101" pitchFamily="2" charset="-122"/>
+              </a:defRPr>
+            </a:lvl3pPr>
+            <a:lvl4pPr marL="1600200" indent="-228600">
+              <a:defRPr>
+                <a:solidFill>
+                  <a:schemeClr val="tx1"/>
+                </a:solidFill>
+                <a:latin typeface="Arial" panose="020B0604020202020204" pitchFamily="34" charset="0"/>
+                <a:ea typeface="宋体" panose="02010600030101010101" pitchFamily="2" charset="-122"/>
+              </a:defRPr>
+            </a:lvl4pPr>
+            <a:lvl5pPr marL="2057400" indent="-228600">
+              <a:defRPr>
+                <a:solidFill>
+                  <a:schemeClr val="tx1"/>
+                </a:solidFill>
+                <a:latin typeface="Arial" panose="020B0604020202020204" pitchFamily="34" charset="0"/>
+                <a:ea typeface="宋体" panose="02010600030101010101" pitchFamily="2" charset="-122"/>
+              </a:defRPr>
+            </a:lvl5pPr>
+            <a:lvl6pPr marL="2514600" indent="-228600" eaLnBrk="0" fontAlgn="base" hangingPunct="0">
+              <a:spcBef>
+                <a:spcPct val="0"/>
+              </a:spcBef>
+              <a:spcAft>
+                <a:spcPct val="0"/>
+              </a:spcAft>
+              <a:defRPr>
+                <a:solidFill>
+                  <a:schemeClr val="tx1"/>
+                </a:solidFill>
+                <a:latin typeface="Arial" panose="020B0604020202020204" pitchFamily="34" charset="0"/>
+                <a:ea typeface="宋体" panose="02010600030101010101" pitchFamily="2" charset="-122"/>
+              </a:defRPr>
+            </a:lvl6pPr>
+            <a:lvl7pPr marL="2971800" indent="-228600" eaLnBrk="0" fontAlgn="base" hangingPunct="0">
+              <a:spcBef>
+                <a:spcPct val="0"/>
+              </a:spcBef>
+              <a:spcAft>
+                <a:spcPct val="0"/>
+              </a:spcAft>
+              <a:defRPr>
+                <a:solidFill>
+                  <a:schemeClr val="tx1"/>
+                </a:solidFill>
+                <a:latin typeface="Arial" panose="020B0604020202020204" pitchFamily="34" charset="0"/>
+                <a:ea typeface="宋体" panose="02010600030101010101" pitchFamily="2" charset="-122"/>
+              </a:defRPr>
+            </a:lvl7pPr>
+            <a:lvl8pPr marL="3429000" indent="-228600" eaLnBrk="0" fontAlgn="base" hangingPunct="0">
+              <a:spcBef>
+                <a:spcPct val="0"/>
+              </a:spcBef>
+              <a:spcAft>
+                <a:spcPct val="0"/>
+              </a:spcAft>
+              <a:defRPr>
+                <a:solidFill>
+                  <a:schemeClr val="tx1"/>
+                </a:solidFill>
+                <a:latin typeface="Arial" panose="020B0604020202020204" pitchFamily="34" charset="0"/>
+                <a:ea typeface="宋体" panose="02010600030101010101" pitchFamily="2" charset="-122"/>
+              </a:defRPr>
+            </a:lvl8pPr>
+            <a:lvl9pPr marL="3886200" indent="-228600" eaLnBrk="0" fontAlgn="base" hangingPunct="0">
+              <a:spcBef>
+                <a:spcPct val="0"/>
+              </a:spcBef>
+              <a:spcAft>
+                <a:spcPct val="0"/>
+              </a:spcAft>
+              <a:defRPr>
+                <a:solidFill>
+                  <a:schemeClr val="tx1"/>
+                </a:solidFill>
+                <a:latin typeface="Arial" panose="020B0604020202020204" pitchFamily="34" charset="0"/>
+                <a:ea typeface="宋体" panose="02010600030101010101" pitchFamily="2" charset="-122"/>
+              </a:defRPr>
+            </a:lvl9pPr>
+          </a:lstStyle>
+          <a:p>
+            <a:fld id="{41B182B0-4A80-4F39-A985-65AB9B2D1FF8}" type="slidenum">
+              <a:rPr lang="zh-CN" altLang="en-US" smtClean="0"/>
+            </a:fld>
+            <a:endParaRPr lang="zh-CN" altLang="en-US"/>
+          </a:p>
+        </p:txBody>
+      </p:sp>
+    </p:spTree>
+  </p:cSld>
+  <p:clrMapOvr>
+    <a:masterClrMapping/>
+  </p:clrMapOvr>
+</p:notes>
+</file>
+
+<file path=ppt/notesSlides/notesSlide6.xml><?xml version="1.0" encoding="utf-8"?>
 <p:notes xmlns:a="http://schemas.openxmlformats.org/drawingml/2006/main" xmlns:r="http://schemas.openxmlformats.org/officeDocument/2006/relationships" xmlns:p="http://schemas.openxmlformats.org/presentationml/2006/main">
   <p:cSld>
     <p:spTree>
@@ -4540,6 +4807,5157 @@
       </p:grpSpPr>
       <p:sp>
         <p:nvSpPr>
+          <p:cNvPr id="9218" name="标题 1"/>
+          <p:cNvSpPr>
+            <a:spLocks noGrp="1" noChangeArrowheads="1"/>
+          </p:cNvSpPr>
+          <p:nvPr>
+            <p:ph type="title"/>
+          </p:nvPr>
+        </p:nvSpPr>
+        <p:spPr/>
+        <p:txBody>
+          <a:bodyPr/>
+          <a:lstStyle/>
+          <a:p>
+            <a:pPr eaLnBrk="1" hangingPunct="1"/>
+            <a:r>
+              <a:rPr lang="en-US" altLang="zh-CN"/>
+              <a:t>FLS</a:t>
+            </a:r>
+            <a:r>
+              <a:rPr lang="zh-CN" altLang="en-US"/>
+              <a:t>模块</a:t>
+            </a:r>
+            <a:endParaRPr lang="zh-CN" altLang="en-US"/>
+          </a:p>
+        </p:txBody>
+      </p:sp>
+      <p:grpSp>
+        <p:nvGrpSpPr>
+          <p:cNvPr id="9225" name="组合 109"/>
+          <p:cNvGrpSpPr/>
+          <p:nvPr/>
+        </p:nvGrpSpPr>
+        <p:grpSpPr bwMode="auto">
+          <a:xfrm>
+            <a:off x="971338" y="1305203"/>
+            <a:ext cx="2302008" cy="1446659"/>
+            <a:chOff x="5993559" y="4364037"/>
+            <a:chExt cx="2596614" cy="1274763"/>
+          </a:xfrm>
+        </p:grpSpPr>
+        <p:sp>
+          <p:nvSpPr>
+            <p:cNvPr id="9320" name="TextBox 32"/>
+            <p:cNvSpPr txBox="1">
+              <a:spLocks noChangeArrowheads="1"/>
+            </p:cNvSpPr>
+            <p:nvPr/>
+          </p:nvSpPr>
+          <p:spPr bwMode="auto">
+            <a:xfrm>
+              <a:off x="6226012" y="4440896"/>
+              <a:ext cx="142668" cy="241353"/>
+            </a:xfrm>
+            <a:prstGeom prst="rect">
+              <a:avLst/>
+            </a:prstGeom>
+            <a:noFill/>
+            <a:ln>
+              <a:noFill/>
+            </a:ln>
+            <a:extLst>
+              <a:ext uri="{909E8E84-426E-40DD-AFC4-6F175D3DCCD1}">
+                <a14:hiddenFill xmlns:a14="http://schemas.microsoft.com/office/drawing/2010/main">
+                  <a:solidFill>
+                    <a:srgbClr val="FFFFFF"/>
+                  </a:solidFill>
+                </a14:hiddenFill>
+              </a:ext>
+              <a:ext uri="{91240B29-F687-4F45-9708-019B960494DF}">
+                <a14:hiddenLine xmlns:a14="http://schemas.microsoft.com/office/drawing/2010/main" w="9525">
+                  <a:solidFill>
+                    <a:srgbClr val="000000"/>
+                  </a:solidFill>
+                  <a:miter lim="800000"/>
+                  <a:headEnd/>
+                  <a:tailEnd/>
+                </a14:hiddenLine>
+              </a:ext>
+            </a:extLst>
+          </p:spPr>
+          <p:txBody>
+            <a:bodyPr wrap="none" lIns="0" tIns="0" rIns="0" bIns="0" anchor="ctr" anchorCtr="1">
+              <a:spAutoFit/>
+            </a:bodyPr>
+            <a:lstStyle>
+              <a:lvl1pPr>
+                <a:spcBef>
+                  <a:spcPct val="20000"/>
+                </a:spcBef>
+                <a:buChar char="•"/>
+                <a:defRPr sz="2800">
+                  <a:solidFill>
+                    <a:schemeClr val="tx1"/>
+                  </a:solidFill>
+                  <a:latin typeface="Times New Roman" panose="02020603050405020304" pitchFamily="18" charset="0"/>
+                  <a:ea typeface="宋体" panose="02010600030101010101" pitchFamily="2" charset="-122"/>
+                  <a:cs typeface="Times New Roman" panose="02020603050405020304" pitchFamily="18" charset="0"/>
+                </a:defRPr>
+              </a:lvl1pPr>
+              <a:lvl2pPr marL="742950" indent="-285750">
+                <a:spcBef>
+                  <a:spcPct val="20000"/>
+                </a:spcBef>
+                <a:buChar char="–"/>
+                <a:defRPr sz="2400">
+                  <a:solidFill>
+                    <a:schemeClr val="tx1"/>
+                  </a:solidFill>
+                  <a:latin typeface="Times New Roman" panose="02020603050405020304" pitchFamily="18" charset="0"/>
+                  <a:ea typeface="宋体" panose="02010600030101010101" pitchFamily="2" charset="-122"/>
+                  <a:cs typeface="Times New Roman" panose="02020603050405020304" pitchFamily="18" charset="0"/>
+                </a:defRPr>
+              </a:lvl2pPr>
+              <a:lvl3pPr marL="1143000" indent="-228600">
+                <a:spcBef>
+                  <a:spcPct val="20000"/>
+                </a:spcBef>
+                <a:buChar char="•"/>
+                <a:defRPr sz="2000">
+                  <a:solidFill>
+                    <a:schemeClr val="tx1"/>
+                  </a:solidFill>
+                  <a:latin typeface="Times New Roman" panose="02020603050405020304" pitchFamily="18" charset="0"/>
+                  <a:ea typeface="宋体" panose="02010600030101010101" pitchFamily="2" charset="-122"/>
+                  <a:cs typeface="Times New Roman" panose="02020603050405020304" pitchFamily="18" charset="0"/>
+                </a:defRPr>
+              </a:lvl3pPr>
+              <a:lvl4pPr marL="1600200" indent="-228600">
+                <a:spcBef>
+                  <a:spcPct val="20000"/>
+                </a:spcBef>
+                <a:buChar char="–"/>
+                <a:defRPr>
+                  <a:solidFill>
+                    <a:schemeClr val="tx1"/>
+                  </a:solidFill>
+                  <a:latin typeface="Times New Roman" panose="02020603050405020304" pitchFamily="18" charset="0"/>
+                  <a:ea typeface="宋体" panose="02010600030101010101" pitchFamily="2" charset="-122"/>
+                  <a:cs typeface="Times New Roman" panose="02020603050405020304" pitchFamily="18" charset="0"/>
+                </a:defRPr>
+              </a:lvl4pPr>
+              <a:lvl5pPr marL="2057400" indent="-228600">
+                <a:spcBef>
+                  <a:spcPct val="20000"/>
+                </a:spcBef>
+                <a:buChar char="»"/>
+                <a:defRPr>
+                  <a:solidFill>
+                    <a:schemeClr val="tx1"/>
+                  </a:solidFill>
+                  <a:latin typeface="Times New Roman" panose="02020603050405020304" pitchFamily="18" charset="0"/>
+                  <a:ea typeface="宋体" panose="02010600030101010101" pitchFamily="2" charset="-122"/>
+                  <a:cs typeface="Times New Roman" panose="02020603050405020304" pitchFamily="18" charset="0"/>
+                </a:defRPr>
+              </a:lvl5pPr>
+              <a:lvl6pPr marL="2514600" indent="-228600" eaLnBrk="0" fontAlgn="base" hangingPunct="0">
+                <a:spcBef>
+                  <a:spcPct val="20000"/>
+                </a:spcBef>
+                <a:spcAft>
+                  <a:spcPct val="0"/>
+                </a:spcAft>
+                <a:buChar char="»"/>
+                <a:defRPr>
+                  <a:solidFill>
+                    <a:schemeClr val="tx1"/>
+                  </a:solidFill>
+                  <a:latin typeface="Times New Roman" panose="02020603050405020304" pitchFamily="18" charset="0"/>
+                  <a:ea typeface="宋体" panose="02010600030101010101" pitchFamily="2" charset="-122"/>
+                  <a:cs typeface="Times New Roman" panose="02020603050405020304" pitchFamily="18" charset="0"/>
+                </a:defRPr>
+              </a:lvl6pPr>
+              <a:lvl7pPr marL="2971800" indent="-228600" eaLnBrk="0" fontAlgn="base" hangingPunct="0">
+                <a:spcBef>
+                  <a:spcPct val="20000"/>
+                </a:spcBef>
+                <a:spcAft>
+                  <a:spcPct val="0"/>
+                </a:spcAft>
+                <a:buChar char="»"/>
+                <a:defRPr>
+                  <a:solidFill>
+                    <a:schemeClr val="tx1"/>
+                  </a:solidFill>
+                  <a:latin typeface="Times New Roman" panose="02020603050405020304" pitchFamily="18" charset="0"/>
+                  <a:ea typeface="宋体" panose="02010600030101010101" pitchFamily="2" charset="-122"/>
+                  <a:cs typeface="Times New Roman" panose="02020603050405020304" pitchFamily="18" charset="0"/>
+                </a:defRPr>
+              </a:lvl7pPr>
+              <a:lvl8pPr marL="3429000" indent="-228600" eaLnBrk="0" fontAlgn="base" hangingPunct="0">
+                <a:spcBef>
+                  <a:spcPct val="20000"/>
+                </a:spcBef>
+                <a:spcAft>
+                  <a:spcPct val="0"/>
+                </a:spcAft>
+                <a:buChar char="»"/>
+                <a:defRPr>
+                  <a:solidFill>
+                    <a:schemeClr val="tx1"/>
+                  </a:solidFill>
+                  <a:latin typeface="Times New Roman" panose="02020603050405020304" pitchFamily="18" charset="0"/>
+                  <a:ea typeface="宋体" panose="02010600030101010101" pitchFamily="2" charset="-122"/>
+                  <a:cs typeface="Times New Roman" panose="02020603050405020304" pitchFamily="18" charset="0"/>
+                </a:defRPr>
+              </a:lvl8pPr>
+              <a:lvl9pPr marL="3886200" indent="-228600" eaLnBrk="0" fontAlgn="base" hangingPunct="0">
+                <a:spcBef>
+                  <a:spcPct val="20000"/>
+                </a:spcBef>
+                <a:spcAft>
+                  <a:spcPct val="0"/>
+                </a:spcAft>
+                <a:buChar char="»"/>
+                <a:defRPr>
+                  <a:solidFill>
+                    <a:schemeClr val="tx1"/>
+                  </a:solidFill>
+                  <a:latin typeface="Times New Roman" panose="02020603050405020304" pitchFamily="18" charset="0"/>
+                  <a:ea typeface="宋体" panose="02010600030101010101" pitchFamily="2" charset="-122"/>
+                  <a:cs typeface="Times New Roman" panose="02020603050405020304" pitchFamily="18" charset="0"/>
+                </a:defRPr>
+              </a:lvl9pPr>
+            </a:lstStyle>
+            <a:p>
+              <a:pPr eaLnBrk="1" hangingPunct="1">
+                <a:spcBef>
+                  <a:spcPct val="0"/>
+                </a:spcBef>
+                <a:buFontTx/>
+                <a:buNone/>
+              </a:pPr>
+              <a:r>
+                <a:rPr lang="en-US" altLang="zh-CN" sz="2000">
+                  <a:latin typeface="Arial" panose="020B0604020202020204" pitchFamily="34" charset="0"/>
+                  <a:cs typeface="Arial" panose="020B0604020202020204" pitchFamily="34" charset="0"/>
+                </a:rPr>
+                <a:t>d</a:t>
+              </a:r>
+              <a:endParaRPr lang="zh-CN" altLang="en-US" sz="2000">
+                <a:latin typeface="Arial" panose="020B0604020202020204" pitchFamily="34" charset="0"/>
+                <a:cs typeface="Arial" panose="020B0604020202020204" pitchFamily="34" charset="0"/>
+              </a:endParaRPr>
+            </a:p>
+          </p:txBody>
+        </p:sp>
+        <p:cxnSp>
+          <p:nvCxnSpPr>
+            <p:cNvPr id="112" name="直接连接符 111"/>
+            <p:cNvCxnSpPr/>
+            <p:nvPr/>
+          </p:nvCxnSpPr>
+          <p:spPr bwMode="auto">
+            <a:xfrm>
+              <a:off x="6502032" y="4567404"/>
+              <a:ext cx="500017" cy="0"/>
+            </a:xfrm>
+            <a:prstGeom prst="line">
+              <a:avLst/>
+            </a:prstGeom>
+            <a:ln w="28575">
+              <a:solidFill>
+                <a:schemeClr val="tx1"/>
+              </a:solidFill>
+            </a:ln>
+          </p:spPr>
+          <p:style>
+            <a:lnRef idx="1">
+              <a:schemeClr val="accent1"/>
+            </a:lnRef>
+            <a:fillRef idx="0">
+              <a:schemeClr val="accent1"/>
+            </a:fillRef>
+            <a:effectRef idx="0">
+              <a:schemeClr val="accent1"/>
+            </a:effectRef>
+            <a:fontRef idx="minor">
+              <a:schemeClr val="tx1"/>
+            </a:fontRef>
+          </p:style>
+        </p:cxnSp>
+        <p:cxnSp>
+          <p:nvCxnSpPr>
+            <p:cNvPr id="113" name="直接连接符 112"/>
+            <p:cNvCxnSpPr/>
+            <p:nvPr/>
+          </p:nvCxnSpPr>
+          <p:spPr bwMode="auto">
+            <a:xfrm>
+              <a:off x="7690961" y="5004282"/>
+              <a:ext cx="500016" cy="0"/>
+            </a:xfrm>
+            <a:prstGeom prst="line">
+              <a:avLst/>
+            </a:prstGeom>
+            <a:ln w="28575">
+              <a:solidFill>
+                <a:schemeClr val="tx1"/>
+              </a:solidFill>
+            </a:ln>
+          </p:spPr>
+          <p:style>
+            <a:lnRef idx="1">
+              <a:schemeClr val="accent1"/>
+            </a:lnRef>
+            <a:fillRef idx="0">
+              <a:schemeClr val="accent1"/>
+            </a:fillRef>
+            <a:effectRef idx="0">
+              <a:schemeClr val="accent1"/>
+            </a:effectRef>
+            <a:fontRef idx="minor">
+              <a:schemeClr val="tx1"/>
+            </a:fontRef>
+          </p:style>
+        </p:cxnSp>
+        <p:sp>
+          <p:nvSpPr>
+            <p:cNvPr id="9323" name="TextBox 34"/>
+            <p:cNvSpPr txBox="1">
+              <a:spLocks noChangeArrowheads="1"/>
+            </p:cNvSpPr>
+            <p:nvPr/>
+          </p:nvSpPr>
+          <p:spPr bwMode="auto">
+            <a:xfrm>
+              <a:off x="8219723" y="4839144"/>
+              <a:ext cx="370450" cy="324137"/>
+            </a:xfrm>
+            <a:prstGeom prst="rect">
+              <a:avLst/>
+            </a:prstGeom>
+            <a:noFill/>
+            <a:ln>
+              <a:noFill/>
+            </a:ln>
+            <a:extLst>
+              <a:ext uri="{909E8E84-426E-40DD-AFC4-6F175D3DCCD1}">
+                <a14:hiddenFill xmlns:a14="http://schemas.microsoft.com/office/drawing/2010/main">
+                  <a:solidFill>
+                    <a:srgbClr val="FFFFFF"/>
+                  </a:solidFill>
+                </a14:hiddenFill>
+              </a:ext>
+              <a:ext uri="{91240B29-F687-4F45-9708-019B960494DF}">
+                <a14:hiddenLine xmlns:a14="http://schemas.microsoft.com/office/drawing/2010/main" w="9525">
+                  <a:solidFill>
+                    <a:srgbClr val="000000"/>
+                  </a:solidFill>
+                  <a:miter lim="800000"/>
+                  <a:headEnd/>
+                  <a:tailEnd/>
+                </a14:hiddenLine>
+              </a:ext>
+            </a:extLst>
+          </p:spPr>
+          <p:txBody>
+            <a:bodyPr wrap="none" lIns="0" tIns="0" rIns="0" bIns="0" anchor="ctr" anchorCtr="1"/>
+            <a:lstStyle>
+              <a:lvl1pPr>
+                <a:spcBef>
+                  <a:spcPct val="20000"/>
+                </a:spcBef>
+                <a:buChar char="•"/>
+                <a:defRPr sz="2800">
+                  <a:solidFill>
+                    <a:schemeClr val="tx1"/>
+                  </a:solidFill>
+                  <a:latin typeface="Times New Roman" panose="02020603050405020304" pitchFamily="18" charset="0"/>
+                  <a:ea typeface="宋体" panose="02010600030101010101" pitchFamily="2" charset="-122"/>
+                  <a:cs typeface="Times New Roman" panose="02020603050405020304" pitchFamily="18" charset="0"/>
+                </a:defRPr>
+              </a:lvl1pPr>
+              <a:lvl2pPr marL="742950" indent="-285750">
+                <a:spcBef>
+                  <a:spcPct val="20000"/>
+                </a:spcBef>
+                <a:buChar char="–"/>
+                <a:defRPr sz="2400">
+                  <a:solidFill>
+                    <a:schemeClr val="tx1"/>
+                  </a:solidFill>
+                  <a:latin typeface="Times New Roman" panose="02020603050405020304" pitchFamily="18" charset="0"/>
+                  <a:ea typeface="宋体" panose="02010600030101010101" pitchFamily="2" charset="-122"/>
+                  <a:cs typeface="Times New Roman" panose="02020603050405020304" pitchFamily="18" charset="0"/>
+                </a:defRPr>
+              </a:lvl2pPr>
+              <a:lvl3pPr marL="1143000" indent="-228600">
+                <a:spcBef>
+                  <a:spcPct val="20000"/>
+                </a:spcBef>
+                <a:buChar char="•"/>
+                <a:defRPr sz="2000">
+                  <a:solidFill>
+                    <a:schemeClr val="tx1"/>
+                  </a:solidFill>
+                  <a:latin typeface="Times New Roman" panose="02020603050405020304" pitchFamily="18" charset="0"/>
+                  <a:ea typeface="宋体" panose="02010600030101010101" pitchFamily="2" charset="-122"/>
+                  <a:cs typeface="Times New Roman" panose="02020603050405020304" pitchFamily="18" charset="0"/>
+                </a:defRPr>
+              </a:lvl3pPr>
+              <a:lvl4pPr marL="1600200" indent="-228600">
+                <a:spcBef>
+                  <a:spcPct val="20000"/>
+                </a:spcBef>
+                <a:buChar char="–"/>
+                <a:defRPr>
+                  <a:solidFill>
+                    <a:schemeClr val="tx1"/>
+                  </a:solidFill>
+                  <a:latin typeface="Times New Roman" panose="02020603050405020304" pitchFamily="18" charset="0"/>
+                  <a:ea typeface="宋体" panose="02010600030101010101" pitchFamily="2" charset="-122"/>
+                  <a:cs typeface="Times New Roman" panose="02020603050405020304" pitchFamily="18" charset="0"/>
+                </a:defRPr>
+              </a:lvl4pPr>
+              <a:lvl5pPr marL="2057400" indent="-228600">
+                <a:spcBef>
+                  <a:spcPct val="20000"/>
+                </a:spcBef>
+                <a:buChar char="»"/>
+                <a:defRPr>
+                  <a:solidFill>
+                    <a:schemeClr val="tx1"/>
+                  </a:solidFill>
+                  <a:latin typeface="Times New Roman" panose="02020603050405020304" pitchFamily="18" charset="0"/>
+                  <a:ea typeface="宋体" panose="02010600030101010101" pitchFamily="2" charset="-122"/>
+                  <a:cs typeface="Times New Roman" panose="02020603050405020304" pitchFamily="18" charset="0"/>
+                </a:defRPr>
+              </a:lvl5pPr>
+              <a:lvl6pPr marL="2514600" indent="-228600" eaLnBrk="0" fontAlgn="base" hangingPunct="0">
+                <a:spcBef>
+                  <a:spcPct val="20000"/>
+                </a:spcBef>
+                <a:spcAft>
+                  <a:spcPct val="0"/>
+                </a:spcAft>
+                <a:buChar char="»"/>
+                <a:defRPr>
+                  <a:solidFill>
+                    <a:schemeClr val="tx1"/>
+                  </a:solidFill>
+                  <a:latin typeface="Times New Roman" panose="02020603050405020304" pitchFamily="18" charset="0"/>
+                  <a:ea typeface="宋体" panose="02010600030101010101" pitchFamily="2" charset="-122"/>
+                  <a:cs typeface="Times New Roman" panose="02020603050405020304" pitchFamily="18" charset="0"/>
+                </a:defRPr>
+              </a:lvl6pPr>
+              <a:lvl7pPr marL="2971800" indent="-228600" eaLnBrk="0" fontAlgn="base" hangingPunct="0">
+                <a:spcBef>
+                  <a:spcPct val="20000"/>
+                </a:spcBef>
+                <a:spcAft>
+                  <a:spcPct val="0"/>
+                </a:spcAft>
+                <a:buChar char="»"/>
+                <a:defRPr>
+                  <a:solidFill>
+                    <a:schemeClr val="tx1"/>
+                  </a:solidFill>
+                  <a:latin typeface="Times New Roman" panose="02020603050405020304" pitchFamily="18" charset="0"/>
+                  <a:ea typeface="宋体" panose="02010600030101010101" pitchFamily="2" charset="-122"/>
+                  <a:cs typeface="Times New Roman" panose="02020603050405020304" pitchFamily="18" charset="0"/>
+                </a:defRPr>
+              </a:lvl7pPr>
+              <a:lvl8pPr marL="3429000" indent="-228600" eaLnBrk="0" fontAlgn="base" hangingPunct="0">
+                <a:spcBef>
+                  <a:spcPct val="20000"/>
+                </a:spcBef>
+                <a:spcAft>
+                  <a:spcPct val="0"/>
+                </a:spcAft>
+                <a:buChar char="»"/>
+                <a:defRPr>
+                  <a:solidFill>
+                    <a:schemeClr val="tx1"/>
+                  </a:solidFill>
+                  <a:latin typeface="Times New Roman" panose="02020603050405020304" pitchFamily="18" charset="0"/>
+                  <a:ea typeface="宋体" panose="02010600030101010101" pitchFamily="2" charset="-122"/>
+                  <a:cs typeface="Times New Roman" panose="02020603050405020304" pitchFamily="18" charset="0"/>
+                </a:defRPr>
+              </a:lvl8pPr>
+              <a:lvl9pPr marL="3886200" indent="-228600" eaLnBrk="0" fontAlgn="base" hangingPunct="0">
+                <a:spcBef>
+                  <a:spcPct val="20000"/>
+                </a:spcBef>
+                <a:spcAft>
+                  <a:spcPct val="0"/>
+                </a:spcAft>
+                <a:buChar char="»"/>
+                <a:defRPr>
+                  <a:solidFill>
+                    <a:schemeClr val="tx1"/>
+                  </a:solidFill>
+                  <a:latin typeface="Times New Roman" panose="02020603050405020304" pitchFamily="18" charset="0"/>
+                  <a:ea typeface="宋体" panose="02010600030101010101" pitchFamily="2" charset="-122"/>
+                  <a:cs typeface="Times New Roman" panose="02020603050405020304" pitchFamily="18" charset="0"/>
+                </a:defRPr>
+              </a:lvl9pPr>
+            </a:lstStyle>
+            <a:p>
+              <a:pPr eaLnBrk="1" hangingPunct="1">
+                <a:spcBef>
+                  <a:spcPct val="0"/>
+                </a:spcBef>
+                <a:buFontTx/>
+                <a:buNone/>
+              </a:pPr>
+              <a:r>
+                <a:rPr lang="en-US" altLang="zh-CN" sz="2000">
+                  <a:latin typeface="Arial" panose="020B0604020202020204" pitchFamily="34" charset="0"/>
+                  <a:cs typeface="Arial" panose="020B0604020202020204" pitchFamily="34" charset="0"/>
+                </a:rPr>
+                <a:t>f</a:t>
+              </a:r>
+              <a:endParaRPr lang="zh-CN" altLang="en-US" sz="2000">
+                <a:latin typeface="Arial" panose="020B0604020202020204" pitchFamily="34" charset="0"/>
+                <a:cs typeface="Arial" panose="020B0604020202020204" pitchFamily="34" charset="0"/>
+              </a:endParaRPr>
+            </a:p>
+          </p:txBody>
+        </p:sp>
+        <p:cxnSp>
+          <p:nvCxnSpPr>
+            <p:cNvPr id="115" name="直接连接符 114"/>
+            <p:cNvCxnSpPr/>
+            <p:nvPr/>
+          </p:nvCxnSpPr>
+          <p:spPr bwMode="auto">
+            <a:xfrm>
+              <a:off x="6502032" y="5152704"/>
+              <a:ext cx="500017" cy="0"/>
+            </a:xfrm>
+            <a:prstGeom prst="line">
+              <a:avLst/>
+            </a:prstGeom>
+            <a:ln w="19050">
+              <a:solidFill>
+                <a:schemeClr val="tx1"/>
+              </a:solidFill>
+            </a:ln>
+          </p:spPr>
+          <p:style>
+            <a:lnRef idx="1">
+              <a:schemeClr val="accent1"/>
+            </a:lnRef>
+            <a:fillRef idx="0">
+              <a:schemeClr val="accent1"/>
+            </a:fillRef>
+            <a:effectRef idx="0">
+              <a:schemeClr val="accent1"/>
+            </a:effectRef>
+            <a:fontRef idx="minor">
+              <a:schemeClr val="tx1"/>
+            </a:fontRef>
+          </p:style>
+        </p:cxnSp>
+        <p:sp>
+          <p:nvSpPr>
+            <p:cNvPr id="9325" name="TextBox 34"/>
+            <p:cNvSpPr txBox="1">
+              <a:spLocks noChangeArrowheads="1"/>
+            </p:cNvSpPr>
+            <p:nvPr/>
+          </p:nvSpPr>
+          <p:spPr bwMode="auto">
+            <a:xfrm>
+              <a:off x="5993559" y="4966346"/>
+              <a:ext cx="370450" cy="324137"/>
+            </a:xfrm>
+            <a:prstGeom prst="rect">
+              <a:avLst/>
+            </a:prstGeom>
+            <a:noFill/>
+            <a:ln>
+              <a:noFill/>
+            </a:ln>
+            <a:extLst>
+              <a:ext uri="{909E8E84-426E-40DD-AFC4-6F175D3DCCD1}">
+                <a14:hiddenFill xmlns:a14="http://schemas.microsoft.com/office/drawing/2010/main">
+                  <a:solidFill>
+                    <a:srgbClr val="FFFFFF"/>
+                  </a:solidFill>
+                </a14:hiddenFill>
+              </a:ext>
+              <a:ext uri="{91240B29-F687-4F45-9708-019B960494DF}">
+                <a14:hiddenLine xmlns:a14="http://schemas.microsoft.com/office/drawing/2010/main" w="9525">
+                  <a:solidFill>
+                    <a:srgbClr val="000000"/>
+                  </a:solidFill>
+                  <a:miter lim="800000"/>
+                  <a:headEnd/>
+                  <a:tailEnd/>
+                </a14:hiddenLine>
+              </a:ext>
+            </a:extLst>
+          </p:spPr>
+          <p:txBody>
+            <a:bodyPr wrap="none" lIns="0" tIns="0" rIns="0" bIns="0" anchor="ctr" anchorCtr="1"/>
+            <a:lstStyle>
+              <a:lvl1pPr>
+                <a:spcBef>
+                  <a:spcPct val="20000"/>
+                </a:spcBef>
+                <a:buChar char="•"/>
+                <a:defRPr sz="2800">
+                  <a:solidFill>
+                    <a:schemeClr val="tx1"/>
+                  </a:solidFill>
+                  <a:latin typeface="Times New Roman" panose="02020603050405020304" pitchFamily="18" charset="0"/>
+                  <a:ea typeface="宋体" panose="02010600030101010101" pitchFamily="2" charset="-122"/>
+                  <a:cs typeface="Times New Roman" panose="02020603050405020304" pitchFamily="18" charset="0"/>
+                </a:defRPr>
+              </a:lvl1pPr>
+              <a:lvl2pPr marL="742950" indent="-285750">
+                <a:spcBef>
+                  <a:spcPct val="20000"/>
+                </a:spcBef>
+                <a:buChar char="–"/>
+                <a:defRPr sz="2400">
+                  <a:solidFill>
+                    <a:schemeClr val="tx1"/>
+                  </a:solidFill>
+                  <a:latin typeface="Times New Roman" panose="02020603050405020304" pitchFamily="18" charset="0"/>
+                  <a:ea typeface="宋体" panose="02010600030101010101" pitchFamily="2" charset="-122"/>
+                  <a:cs typeface="Times New Roman" panose="02020603050405020304" pitchFamily="18" charset="0"/>
+                </a:defRPr>
+              </a:lvl2pPr>
+              <a:lvl3pPr marL="1143000" indent="-228600">
+                <a:spcBef>
+                  <a:spcPct val="20000"/>
+                </a:spcBef>
+                <a:buChar char="•"/>
+                <a:defRPr sz="2000">
+                  <a:solidFill>
+                    <a:schemeClr val="tx1"/>
+                  </a:solidFill>
+                  <a:latin typeface="Times New Roman" panose="02020603050405020304" pitchFamily="18" charset="0"/>
+                  <a:ea typeface="宋体" panose="02010600030101010101" pitchFamily="2" charset="-122"/>
+                  <a:cs typeface="Times New Roman" panose="02020603050405020304" pitchFamily="18" charset="0"/>
+                </a:defRPr>
+              </a:lvl3pPr>
+              <a:lvl4pPr marL="1600200" indent="-228600">
+                <a:spcBef>
+                  <a:spcPct val="20000"/>
+                </a:spcBef>
+                <a:buChar char="–"/>
+                <a:defRPr>
+                  <a:solidFill>
+                    <a:schemeClr val="tx1"/>
+                  </a:solidFill>
+                  <a:latin typeface="Times New Roman" panose="02020603050405020304" pitchFamily="18" charset="0"/>
+                  <a:ea typeface="宋体" panose="02010600030101010101" pitchFamily="2" charset="-122"/>
+                  <a:cs typeface="Times New Roman" panose="02020603050405020304" pitchFamily="18" charset="0"/>
+                </a:defRPr>
+              </a:lvl4pPr>
+              <a:lvl5pPr marL="2057400" indent="-228600">
+                <a:spcBef>
+                  <a:spcPct val="20000"/>
+                </a:spcBef>
+                <a:buChar char="»"/>
+                <a:defRPr>
+                  <a:solidFill>
+                    <a:schemeClr val="tx1"/>
+                  </a:solidFill>
+                  <a:latin typeface="Times New Roman" panose="02020603050405020304" pitchFamily="18" charset="0"/>
+                  <a:ea typeface="宋体" panose="02010600030101010101" pitchFamily="2" charset="-122"/>
+                  <a:cs typeface="Times New Roman" panose="02020603050405020304" pitchFamily="18" charset="0"/>
+                </a:defRPr>
+              </a:lvl5pPr>
+              <a:lvl6pPr marL="2514600" indent="-228600" eaLnBrk="0" fontAlgn="base" hangingPunct="0">
+                <a:spcBef>
+                  <a:spcPct val="20000"/>
+                </a:spcBef>
+                <a:spcAft>
+                  <a:spcPct val="0"/>
+                </a:spcAft>
+                <a:buChar char="»"/>
+                <a:defRPr>
+                  <a:solidFill>
+                    <a:schemeClr val="tx1"/>
+                  </a:solidFill>
+                  <a:latin typeface="Times New Roman" panose="02020603050405020304" pitchFamily="18" charset="0"/>
+                  <a:ea typeface="宋体" panose="02010600030101010101" pitchFamily="2" charset="-122"/>
+                  <a:cs typeface="Times New Roman" panose="02020603050405020304" pitchFamily="18" charset="0"/>
+                </a:defRPr>
+              </a:lvl6pPr>
+              <a:lvl7pPr marL="2971800" indent="-228600" eaLnBrk="0" fontAlgn="base" hangingPunct="0">
+                <a:spcBef>
+                  <a:spcPct val="20000"/>
+                </a:spcBef>
+                <a:spcAft>
+                  <a:spcPct val="0"/>
+                </a:spcAft>
+                <a:buChar char="»"/>
+                <a:defRPr>
+                  <a:solidFill>
+                    <a:schemeClr val="tx1"/>
+                  </a:solidFill>
+                  <a:latin typeface="Times New Roman" panose="02020603050405020304" pitchFamily="18" charset="0"/>
+                  <a:ea typeface="宋体" panose="02010600030101010101" pitchFamily="2" charset="-122"/>
+                  <a:cs typeface="Times New Roman" panose="02020603050405020304" pitchFamily="18" charset="0"/>
+                </a:defRPr>
+              </a:lvl7pPr>
+              <a:lvl8pPr marL="3429000" indent="-228600" eaLnBrk="0" fontAlgn="base" hangingPunct="0">
+                <a:spcBef>
+                  <a:spcPct val="20000"/>
+                </a:spcBef>
+                <a:spcAft>
+                  <a:spcPct val="0"/>
+                </a:spcAft>
+                <a:buChar char="»"/>
+                <a:defRPr>
+                  <a:solidFill>
+                    <a:schemeClr val="tx1"/>
+                  </a:solidFill>
+                  <a:latin typeface="Times New Roman" panose="02020603050405020304" pitchFamily="18" charset="0"/>
+                  <a:ea typeface="宋体" panose="02010600030101010101" pitchFamily="2" charset="-122"/>
+                  <a:cs typeface="Times New Roman" panose="02020603050405020304" pitchFamily="18" charset="0"/>
+                </a:defRPr>
+              </a:lvl8pPr>
+              <a:lvl9pPr marL="3886200" indent="-228600" eaLnBrk="0" fontAlgn="base" hangingPunct="0">
+                <a:spcBef>
+                  <a:spcPct val="20000"/>
+                </a:spcBef>
+                <a:spcAft>
+                  <a:spcPct val="0"/>
+                </a:spcAft>
+                <a:buChar char="»"/>
+                <a:defRPr>
+                  <a:solidFill>
+                    <a:schemeClr val="tx1"/>
+                  </a:solidFill>
+                  <a:latin typeface="Times New Roman" panose="02020603050405020304" pitchFamily="18" charset="0"/>
+                  <a:ea typeface="宋体" panose="02010600030101010101" pitchFamily="2" charset="-122"/>
+                  <a:cs typeface="Times New Roman" panose="02020603050405020304" pitchFamily="18" charset="0"/>
+                </a:defRPr>
+              </a:lvl9pPr>
+            </a:lstStyle>
+            <a:p>
+              <a:pPr algn="r" eaLnBrk="1" hangingPunct="1">
+                <a:spcBef>
+                  <a:spcPct val="0"/>
+                </a:spcBef>
+                <a:buFontTx/>
+                <a:buNone/>
+              </a:pPr>
+              <a:r>
+                <a:rPr lang="en-US" altLang="zh-CN" sz="2000" dirty="0" err="1">
+                  <a:latin typeface="Arial" panose="020B0604020202020204" pitchFamily="34" charset="0"/>
+                  <a:cs typeface="Arial" panose="020B0604020202020204" pitchFamily="34" charset="0"/>
+                </a:rPr>
+                <a:t>rstn</a:t>
+              </a:r>
+              <a:endParaRPr lang="zh-CN" altLang="en-US" sz="2000" dirty="0">
+                <a:latin typeface="Arial" panose="020B0604020202020204" pitchFamily="34" charset="0"/>
+                <a:cs typeface="Arial" panose="020B0604020202020204" pitchFamily="34" charset="0"/>
+              </a:endParaRPr>
+            </a:p>
+          </p:txBody>
+        </p:sp>
+        <p:cxnSp>
+          <p:nvCxnSpPr>
+            <p:cNvPr id="117" name="直接连接符 116"/>
+            <p:cNvCxnSpPr/>
+            <p:nvPr/>
+          </p:nvCxnSpPr>
+          <p:spPr bwMode="auto">
+            <a:xfrm>
+              <a:off x="6492508" y="5440393"/>
+              <a:ext cx="500017" cy="0"/>
+            </a:xfrm>
+            <a:prstGeom prst="line">
+              <a:avLst/>
+            </a:prstGeom>
+            <a:ln w="19050">
+              <a:solidFill>
+                <a:schemeClr val="tx1"/>
+              </a:solidFill>
+            </a:ln>
+          </p:spPr>
+          <p:style>
+            <a:lnRef idx="1">
+              <a:schemeClr val="accent1"/>
+            </a:lnRef>
+            <a:fillRef idx="0">
+              <a:schemeClr val="accent1"/>
+            </a:fillRef>
+            <a:effectRef idx="0">
+              <a:schemeClr val="accent1"/>
+            </a:effectRef>
+            <a:fontRef idx="minor">
+              <a:schemeClr val="tx1"/>
+            </a:fontRef>
+          </p:style>
+        </p:cxnSp>
+        <p:sp>
+          <p:nvSpPr>
+            <p:cNvPr id="9327" name="TextBox 34"/>
+            <p:cNvSpPr txBox="1">
+              <a:spLocks noChangeArrowheads="1"/>
+            </p:cNvSpPr>
+            <p:nvPr/>
+          </p:nvSpPr>
+          <p:spPr bwMode="auto">
+            <a:xfrm>
+              <a:off x="6073593" y="5250969"/>
+              <a:ext cx="370450" cy="324137"/>
+            </a:xfrm>
+            <a:prstGeom prst="rect">
+              <a:avLst/>
+            </a:prstGeom>
+            <a:noFill/>
+            <a:ln>
+              <a:noFill/>
+            </a:ln>
+            <a:extLst>
+              <a:ext uri="{909E8E84-426E-40DD-AFC4-6F175D3DCCD1}">
+                <a14:hiddenFill xmlns:a14="http://schemas.microsoft.com/office/drawing/2010/main">
+                  <a:solidFill>
+                    <a:srgbClr val="FFFFFF"/>
+                  </a:solidFill>
+                </a14:hiddenFill>
+              </a:ext>
+              <a:ext uri="{91240B29-F687-4F45-9708-019B960494DF}">
+                <a14:hiddenLine xmlns:a14="http://schemas.microsoft.com/office/drawing/2010/main" w="9525">
+                  <a:solidFill>
+                    <a:srgbClr val="000000"/>
+                  </a:solidFill>
+                  <a:miter lim="800000"/>
+                  <a:headEnd/>
+                  <a:tailEnd/>
+                </a14:hiddenLine>
+              </a:ext>
+            </a:extLst>
+          </p:spPr>
+          <p:txBody>
+            <a:bodyPr wrap="none" lIns="0" tIns="0" rIns="0" bIns="0" anchor="ctr" anchorCtr="1"/>
+            <a:lstStyle>
+              <a:lvl1pPr>
+                <a:spcBef>
+                  <a:spcPct val="20000"/>
+                </a:spcBef>
+                <a:buChar char="•"/>
+                <a:defRPr sz="2800">
+                  <a:solidFill>
+                    <a:schemeClr val="tx1"/>
+                  </a:solidFill>
+                  <a:latin typeface="Times New Roman" panose="02020603050405020304" pitchFamily="18" charset="0"/>
+                  <a:ea typeface="宋体" panose="02010600030101010101" pitchFamily="2" charset="-122"/>
+                  <a:cs typeface="Times New Roman" panose="02020603050405020304" pitchFamily="18" charset="0"/>
+                </a:defRPr>
+              </a:lvl1pPr>
+              <a:lvl2pPr marL="742950" indent="-285750">
+                <a:spcBef>
+                  <a:spcPct val="20000"/>
+                </a:spcBef>
+                <a:buChar char="–"/>
+                <a:defRPr sz="2400">
+                  <a:solidFill>
+                    <a:schemeClr val="tx1"/>
+                  </a:solidFill>
+                  <a:latin typeface="Times New Roman" panose="02020603050405020304" pitchFamily="18" charset="0"/>
+                  <a:ea typeface="宋体" panose="02010600030101010101" pitchFamily="2" charset="-122"/>
+                  <a:cs typeface="Times New Roman" panose="02020603050405020304" pitchFamily="18" charset="0"/>
+                </a:defRPr>
+              </a:lvl2pPr>
+              <a:lvl3pPr marL="1143000" indent="-228600">
+                <a:spcBef>
+                  <a:spcPct val="20000"/>
+                </a:spcBef>
+                <a:buChar char="•"/>
+                <a:defRPr sz="2000">
+                  <a:solidFill>
+                    <a:schemeClr val="tx1"/>
+                  </a:solidFill>
+                  <a:latin typeface="Times New Roman" panose="02020603050405020304" pitchFamily="18" charset="0"/>
+                  <a:ea typeface="宋体" panose="02010600030101010101" pitchFamily="2" charset="-122"/>
+                  <a:cs typeface="Times New Roman" panose="02020603050405020304" pitchFamily="18" charset="0"/>
+                </a:defRPr>
+              </a:lvl3pPr>
+              <a:lvl4pPr marL="1600200" indent="-228600">
+                <a:spcBef>
+                  <a:spcPct val="20000"/>
+                </a:spcBef>
+                <a:buChar char="–"/>
+                <a:defRPr>
+                  <a:solidFill>
+                    <a:schemeClr val="tx1"/>
+                  </a:solidFill>
+                  <a:latin typeface="Times New Roman" panose="02020603050405020304" pitchFamily="18" charset="0"/>
+                  <a:ea typeface="宋体" panose="02010600030101010101" pitchFamily="2" charset="-122"/>
+                  <a:cs typeface="Times New Roman" panose="02020603050405020304" pitchFamily="18" charset="0"/>
+                </a:defRPr>
+              </a:lvl4pPr>
+              <a:lvl5pPr marL="2057400" indent="-228600">
+                <a:spcBef>
+                  <a:spcPct val="20000"/>
+                </a:spcBef>
+                <a:buChar char="»"/>
+                <a:defRPr>
+                  <a:solidFill>
+                    <a:schemeClr val="tx1"/>
+                  </a:solidFill>
+                  <a:latin typeface="Times New Roman" panose="02020603050405020304" pitchFamily="18" charset="0"/>
+                  <a:ea typeface="宋体" panose="02010600030101010101" pitchFamily="2" charset="-122"/>
+                  <a:cs typeface="Times New Roman" panose="02020603050405020304" pitchFamily="18" charset="0"/>
+                </a:defRPr>
+              </a:lvl5pPr>
+              <a:lvl6pPr marL="2514600" indent="-228600" eaLnBrk="0" fontAlgn="base" hangingPunct="0">
+                <a:spcBef>
+                  <a:spcPct val="20000"/>
+                </a:spcBef>
+                <a:spcAft>
+                  <a:spcPct val="0"/>
+                </a:spcAft>
+                <a:buChar char="»"/>
+                <a:defRPr>
+                  <a:solidFill>
+                    <a:schemeClr val="tx1"/>
+                  </a:solidFill>
+                  <a:latin typeface="Times New Roman" panose="02020603050405020304" pitchFamily="18" charset="0"/>
+                  <a:ea typeface="宋体" panose="02010600030101010101" pitchFamily="2" charset="-122"/>
+                  <a:cs typeface="Times New Roman" panose="02020603050405020304" pitchFamily="18" charset="0"/>
+                </a:defRPr>
+              </a:lvl6pPr>
+              <a:lvl7pPr marL="2971800" indent="-228600" eaLnBrk="0" fontAlgn="base" hangingPunct="0">
+                <a:spcBef>
+                  <a:spcPct val="20000"/>
+                </a:spcBef>
+                <a:spcAft>
+                  <a:spcPct val="0"/>
+                </a:spcAft>
+                <a:buChar char="»"/>
+                <a:defRPr>
+                  <a:solidFill>
+                    <a:schemeClr val="tx1"/>
+                  </a:solidFill>
+                  <a:latin typeface="Times New Roman" panose="02020603050405020304" pitchFamily="18" charset="0"/>
+                  <a:ea typeface="宋体" panose="02010600030101010101" pitchFamily="2" charset="-122"/>
+                  <a:cs typeface="Times New Roman" panose="02020603050405020304" pitchFamily="18" charset="0"/>
+                </a:defRPr>
+              </a:lvl7pPr>
+              <a:lvl8pPr marL="3429000" indent="-228600" eaLnBrk="0" fontAlgn="base" hangingPunct="0">
+                <a:spcBef>
+                  <a:spcPct val="20000"/>
+                </a:spcBef>
+                <a:spcAft>
+                  <a:spcPct val="0"/>
+                </a:spcAft>
+                <a:buChar char="»"/>
+                <a:defRPr>
+                  <a:solidFill>
+                    <a:schemeClr val="tx1"/>
+                  </a:solidFill>
+                  <a:latin typeface="Times New Roman" panose="02020603050405020304" pitchFamily="18" charset="0"/>
+                  <a:ea typeface="宋体" panose="02010600030101010101" pitchFamily="2" charset="-122"/>
+                  <a:cs typeface="Times New Roman" panose="02020603050405020304" pitchFamily="18" charset="0"/>
+                </a:defRPr>
+              </a:lvl8pPr>
+              <a:lvl9pPr marL="3886200" indent="-228600" eaLnBrk="0" fontAlgn="base" hangingPunct="0">
+                <a:spcBef>
+                  <a:spcPct val="20000"/>
+                </a:spcBef>
+                <a:spcAft>
+                  <a:spcPct val="0"/>
+                </a:spcAft>
+                <a:buChar char="»"/>
+                <a:defRPr>
+                  <a:solidFill>
+                    <a:schemeClr val="tx1"/>
+                  </a:solidFill>
+                  <a:latin typeface="Times New Roman" panose="02020603050405020304" pitchFamily="18" charset="0"/>
+                  <a:ea typeface="宋体" panose="02010600030101010101" pitchFamily="2" charset="-122"/>
+                  <a:cs typeface="Times New Roman" panose="02020603050405020304" pitchFamily="18" charset="0"/>
+                </a:defRPr>
+              </a:lvl9pPr>
+            </a:lstStyle>
+            <a:p>
+              <a:pPr eaLnBrk="1" hangingPunct="1">
+                <a:spcBef>
+                  <a:spcPct val="0"/>
+                </a:spcBef>
+                <a:buFontTx/>
+                <a:buNone/>
+              </a:pPr>
+              <a:r>
+                <a:rPr lang="en-US" altLang="zh-CN" sz="2000">
+                  <a:latin typeface="Arial" panose="020B0604020202020204" pitchFamily="34" charset="0"/>
+                  <a:cs typeface="Arial" panose="020B0604020202020204" pitchFamily="34" charset="0"/>
+                </a:rPr>
+                <a:t>clk</a:t>
+              </a:r>
+              <a:endParaRPr lang="zh-CN" altLang="en-US" sz="2000">
+                <a:latin typeface="Arial" panose="020B0604020202020204" pitchFamily="34" charset="0"/>
+                <a:cs typeface="Arial" panose="020B0604020202020204" pitchFamily="34" charset="0"/>
+              </a:endParaRPr>
+            </a:p>
+          </p:txBody>
+        </p:sp>
+        <p:sp>
+          <p:nvSpPr>
+            <p:cNvPr id="9328" name="矩形 1"/>
+            <p:cNvSpPr>
+              <a:spLocks noChangeArrowheads="1"/>
+            </p:cNvSpPr>
+            <p:nvPr/>
+          </p:nvSpPr>
+          <p:spPr bwMode="auto">
+            <a:xfrm>
+              <a:off x="6996530" y="4364037"/>
+              <a:ext cx="694629" cy="1274763"/>
+            </a:xfrm>
+            <a:prstGeom prst="rect">
+              <a:avLst/>
+            </a:prstGeom>
+            <a:noFill/>
+            <a:ln w="28575" algn="ctr">
+              <a:solidFill>
+                <a:schemeClr val="tx1"/>
+              </a:solidFill>
+              <a:round/>
+            </a:ln>
+            <a:extLst>
+              <a:ext uri="{909E8E84-426E-40DD-AFC4-6F175D3DCCD1}">
+                <a14:hiddenFill xmlns:a14="http://schemas.microsoft.com/office/drawing/2010/main">
+                  <a:solidFill>
+                    <a:srgbClr val="FFFFFF"/>
+                  </a:solidFill>
+                </a14:hiddenFill>
+              </a:ext>
+            </a:extLst>
+          </p:spPr>
+          <p:txBody>
+            <a:bodyPr/>
+            <a:lstStyle>
+              <a:lvl1pPr>
+                <a:spcBef>
+                  <a:spcPct val="20000"/>
+                </a:spcBef>
+                <a:buChar char="•"/>
+                <a:defRPr sz="2800">
+                  <a:solidFill>
+                    <a:schemeClr val="tx1"/>
+                  </a:solidFill>
+                  <a:latin typeface="Times New Roman" panose="02020603050405020304" pitchFamily="18" charset="0"/>
+                  <a:ea typeface="宋体" panose="02010600030101010101" pitchFamily="2" charset="-122"/>
+                  <a:cs typeface="Times New Roman" panose="02020603050405020304" pitchFamily="18" charset="0"/>
+                </a:defRPr>
+              </a:lvl1pPr>
+              <a:lvl2pPr marL="742950" indent="-285750">
+                <a:spcBef>
+                  <a:spcPct val="20000"/>
+                </a:spcBef>
+                <a:buChar char="–"/>
+                <a:defRPr sz="2400">
+                  <a:solidFill>
+                    <a:schemeClr val="tx1"/>
+                  </a:solidFill>
+                  <a:latin typeface="Times New Roman" panose="02020603050405020304" pitchFamily="18" charset="0"/>
+                  <a:ea typeface="宋体" panose="02010600030101010101" pitchFamily="2" charset="-122"/>
+                  <a:cs typeface="Times New Roman" panose="02020603050405020304" pitchFamily="18" charset="0"/>
+                </a:defRPr>
+              </a:lvl2pPr>
+              <a:lvl3pPr marL="1143000" indent="-228600">
+                <a:spcBef>
+                  <a:spcPct val="20000"/>
+                </a:spcBef>
+                <a:buChar char="•"/>
+                <a:defRPr sz="2000">
+                  <a:solidFill>
+                    <a:schemeClr val="tx1"/>
+                  </a:solidFill>
+                  <a:latin typeface="Times New Roman" panose="02020603050405020304" pitchFamily="18" charset="0"/>
+                  <a:ea typeface="宋体" panose="02010600030101010101" pitchFamily="2" charset="-122"/>
+                  <a:cs typeface="Times New Roman" panose="02020603050405020304" pitchFamily="18" charset="0"/>
+                </a:defRPr>
+              </a:lvl3pPr>
+              <a:lvl4pPr marL="1600200" indent="-228600">
+                <a:spcBef>
+                  <a:spcPct val="20000"/>
+                </a:spcBef>
+                <a:buChar char="–"/>
+                <a:defRPr>
+                  <a:solidFill>
+                    <a:schemeClr val="tx1"/>
+                  </a:solidFill>
+                  <a:latin typeface="Times New Roman" panose="02020603050405020304" pitchFamily="18" charset="0"/>
+                  <a:ea typeface="宋体" panose="02010600030101010101" pitchFamily="2" charset="-122"/>
+                  <a:cs typeface="Times New Roman" panose="02020603050405020304" pitchFamily="18" charset="0"/>
+                </a:defRPr>
+              </a:lvl4pPr>
+              <a:lvl5pPr marL="2057400" indent="-228600">
+                <a:spcBef>
+                  <a:spcPct val="20000"/>
+                </a:spcBef>
+                <a:buChar char="»"/>
+                <a:defRPr>
+                  <a:solidFill>
+                    <a:schemeClr val="tx1"/>
+                  </a:solidFill>
+                  <a:latin typeface="Times New Roman" panose="02020603050405020304" pitchFamily="18" charset="0"/>
+                  <a:ea typeface="宋体" panose="02010600030101010101" pitchFamily="2" charset="-122"/>
+                  <a:cs typeface="Times New Roman" panose="02020603050405020304" pitchFamily="18" charset="0"/>
+                </a:defRPr>
+              </a:lvl5pPr>
+              <a:lvl6pPr marL="2514600" indent="-228600" eaLnBrk="0" fontAlgn="base" hangingPunct="0">
+                <a:spcBef>
+                  <a:spcPct val="20000"/>
+                </a:spcBef>
+                <a:spcAft>
+                  <a:spcPct val="0"/>
+                </a:spcAft>
+                <a:buChar char="»"/>
+                <a:defRPr>
+                  <a:solidFill>
+                    <a:schemeClr val="tx1"/>
+                  </a:solidFill>
+                  <a:latin typeface="Times New Roman" panose="02020603050405020304" pitchFamily="18" charset="0"/>
+                  <a:ea typeface="宋体" panose="02010600030101010101" pitchFamily="2" charset="-122"/>
+                  <a:cs typeface="Times New Roman" panose="02020603050405020304" pitchFamily="18" charset="0"/>
+                </a:defRPr>
+              </a:lvl6pPr>
+              <a:lvl7pPr marL="2971800" indent="-228600" eaLnBrk="0" fontAlgn="base" hangingPunct="0">
+                <a:spcBef>
+                  <a:spcPct val="20000"/>
+                </a:spcBef>
+                <a:spcAft>
+                  <a:spcPct val="0"/>
+                </a:spcAft>
+                <a:buChar char="»"/>
+                <a:defRPr>
+                  <a:solidFill>
+                    <a:schemeClr val="tx1"/>
+                  </a:solidFill>
+                  <a:latin typeface="Times New Roman" panose="02020603050405020304" pitchFamily="18" charset="0"/>
+                  <a:ea typeface="宋体" panose="02010600030101010101" pitchFamily="2" charset="-122"/>
+                  <a:cs typeface="Times New Roman" panose="02020603050405020304" pitchFamily="18" charset="0"/>
+                </a:defRPr>
+              </a:lvl7pPr>
+              <a:lvl8pPr marL="3429000" indent="-228600" eaLnBrk="0" fontAlgn="base" hangingPunct="0">
+                <a:spcBef>
+                  <a:spcPct val="20000"/>
+                </a:spcBef>
+                <a:spcAft>
+                  <a:spcPct val="0"/>
+                </a:spcAft>
+                <a:buChar char="»"/>
+                <a:defRPr>
+                  <a:solidFill>
+                    <a:schemeClr val="tx1"/>
+                  </a:solidFill>
+                  <a:latin typeface="Times New Roman" panose="02020603050405020304" pitchFamily="18" charset="0"/>
+                  <a:ea typeface="宋体" panose="02010600030101010101" pitchFamily="2" charset="-122"/>
+                  <a:cs typeface="Times New Roman" panose="02020603050405020304" pitchFamily="18" charset="0"/>
+                </a:defRPr>
+              </a:lvl8pPr>
+              <a:lvl9pPr marL="3886200" indent="-228600" eaLnBrk="0" fontAlgn="base" hangingPunct="0">
+                <a:spcBef>
+                  <a:spcPct val="20000"/>
+                </a:spcBef>
+                <a:spcAft>
+                  <a:spcPct val="0"/>
+                </a:spcAft>
+                <a:buChar char="»"/>
+                <a:defRPr>
+                  <a:solidFill>
+                    <a:schemeClr val="tx1"/>
+                  </a:solidFill>
+                  <a:latin typeface="Times New Roman" panose="02020603050405020304" pitchFamily="18" charset="0"/>
+                  <a:ea typeface="宋体" panose="02010600030101010101" pitchFamily="2" charset="-122"/>
+                  <a:cs typeface="Times New Roman" panose="02020603050405020304" pitchFamily="18" charset="0"/>
+                </a:defRPr>
+              </a:lvl9pPr>
+            </a:lstStyle>
+            <a:p>
+              <a:pPr>
+                <a:spcBef>
+                  <a:spcPct val="0"/>
+                </a:spcBef>
+                <a:buFontTx/>
+                <a:buNone/>
+              </a:pPr>
+              <a:endParaRPr lang="zh-CN" altLang="en-US" sz="2000">
+                <a:latin typeface="Arial" panose="020B0604020202020204" pitchFamily="34" charset="0"/>
+              </a:endParaRPr>
+            </a:p>
+          </p:txBody>
+        </p:sp>
+        <p:sp>
+          <p:nvSpPr>
+            <p:cNvPr id="120" name="文本框 119"/>
+            <p:cNvSpPr txBox="1"/>
+            <p:nvPr/>
+          </p:nvSpPr>
+          <p:spPr bwMode="auto">
+            <a:xfrm rot="5400000">
+              <a:off x="7118820" y="4729786"/>
+              <a:ext cx="461665" cy="543264"/>
+            </a:xfrm>
+            <a:prstGeom prst="rect">
+              <a:avLst/>
+            </a:prstGeom>
+            <a:noFill/>
+          </p:spPr>
+          <p:txBody>
+            <a:bodyPr vert="vert270" wrap="none">
+              <a:spAutoFit/>
+            </a:bodyPr>
+            <a:lstStyle/>
+            <a:p>
+              <a:pPr eaLnBrk="1" hangingPunct="1">
+                <a:defRPr/>
+              </a:pPr>
+              <a:r>
+                <a:rPr lang="en-US" altLang="zh-CN" dirty="0"/>
+                <a:t>FLS</a:t>
+              </a:r>
+              <a:endParaRPr lang="zh-CN" altLang="en-US" dirty="0"/>
+            </a:p>
+          </p:txBody>
+        </p:sp>
+        <p:cxnSp>
+          <p:nvCxnSpPr>
+            <p:cNvPr id="121" name="直接连接符 120"/>
+            <p:cNvCxnSpPr/>
+            <p:nvPr/>
+          </p:nvCxnSpPr>
+          <p:spPr bwMode="auto">
+            <a:xfrm>
+              <a:off x="6502032" y="4851374"/>
+              <a:ext cx="500017" cy="0"/>
+            </a:xfrm>
+            <a:prstGeom prst="line">
+              <a:avLst/>
+            </a:prstGeom>
+            <a:ln w="19050">
+              <a:solidFill>
+                <a:schemeClr val="tx1"/>
+              </a:solidFill>
+            </a:ln>
+          </p:spPr>
+          <p:style>
+            <a:lnRef idx="1">
+              <a:schemeClr val="accent1"/>
+            </a:lnRef>
+            <a:fillRef idx="0">
+              <a:schemeClr val="accent1"/>
+            </a:fillRef>
+            <a:effectRef idx="0">
+              <a:schemeClr val="accent1"/>
+            </a:effectRef>
+            <a:fontRef idx="minor">
+              <a:schemeClr val="tx1"/>
+            </a:fontRef>
+          </p:style>
+        </p:cxnSp>
+        <p:sp>
+          <p:nvSpPr>
+            <p:cNvPr id="9331" name="TextBox 34"/>
+            <p:cNvSpPr txBox="1">
+              <a:spLocks noChangeArrowheads="1"/>
+            </p:cNvSpPr>
+            <p:nvPr/>
+          </p:nvSpPr>
+          <p:spPr bwMode="auto">
+            <a:xfrm>
+              <a:off x="6082414" y="4663521"/>
+              <a:ext cx="370450" cy="324137"/>
+            </a:xfrm>
+            <a:prstGeom prst="rect">
+              <a:avLst/>
+            </a:prstGeom>
+            <a:noFill/>
+            <a:ln>
+              <a:noFill/>
+            </a:ln>
+            <a:extLst>
+              <a:ext uri="{909E8E84-426E-40DD-AFC4-6F175D3DCCD1}">
+                <a14:hiddenFill xmlns:a14="http://schemas.microsoft.com/office/drawing/2010/main">
+                  <a:solidFill>
+                    <a:srgbClr val="FFFFFF"/>
+                  </a:solidFill>
+                </a14:hiddenFill>
+              </a:ext>
+              <a:ext uri="{91240B29-F687-4F45-9708-019B960494DF}">
+                <a14:hiddenLine xmlns:a14="http://schemas.microsoft.com/office/drawing/2010/main" w="9525">
+                  <a:solidFill>
+                    <a:srgbClr val="000000"/>
+                  </a:solidFill>
+                  <a:miter lim="800000"/>
+                  <a:headEnd/>
+                  <a:tailEnd/>
+                </a14:hiddenLine>
+              </a:ext>
+            </a:extLst>
+          </p:spPr>
+          <p:txBody>
+            <a:bodyPr wrap="none" lIns="0" tIns="0" rIns="0" bIns="0" anchor="ctr" anchorCtr="1"/>
+            <a:lstStyle>
+              <a:lvl1pPr>
+                <a:spcBef>
+                  <a:spcPct val="20000"/>
+                </a:spcBef>
+                <a:buChar char="•"/>
+                <a:defRPr sz="2800">
+                  <a:solidFill>
+                    <a:schemeClr val="tx1"/>
+                  </a:solidFill>
+                  <a:latin typeface="Times New Roman" panose="02020603050405020304" pitchFamily="18" charset="0"/>
+                  <a:ea typeface="宋体" panose="02010600030101010101" pitchFamily="2" charset="-122"/>
+                  <a:cs typeface="Times New Roman" panose="02020603050405020304" pitchFamily="18" charset="0"/>
+                </a:defRPr>
+              </a:lvl1pPr>
+              <a:lvl2pPr marL="742950" indent="-285750">
+                <a:spcBef>
+                  <a:spcPct val="20000"/>
+                </a:spcBef>
+                <a:buChar char="–"/>
+                <a:defRPr sz="2400">
+                  <a:solidFill>
+                    <a:schemeClr val="tx1"/>
+                  </a:solidFill>
+                  <a:latin typeface="Times New Roman" panose="02020603050405020304" pitchFamily="18" charset="0"/>
+                  <a:ea typeface="宋体" panose="02010600030101010101" pitchFamily="2" charset="-122"/>
+                  <a:cs typeface="Times New Roman" panose="02020603050405020304" pitchFamily="18" charset="0"/>
+                </a:defRPr>
+              </a:lvl2pPr>
+              <a:lvl3pPr marL="1143000" indent="-228600">
+                <a:spcBef>
+                  <a:spcPct val="20000"/>
+                </a:spcBef>
+                <a:buChar char="•"/>
+                <a:defRPr sz="2000">
+                  <a:solidFill>
+                    <a:schemeClr val="tx1"/>
+                  </a:solidFill>
+                  <a:latin typeface="Times New Roman" panose="02020603050405020304" pitchFamily="18" charset="0"/>
+                  <a:ea typeface="宋体" panose="02010600030101010101" pitchFamily="2" charset="-122"/>
+                  <a:cs typeface="Times New Roman" panose="02020603050405020304" pitchFamily="18" charset="0"/>
+                </a:defRPr>
+              </a:lvl3pPr>
+              <a:lvl4pPr marL="1600200" indent="-228600">
+                <a:spcBef>
+                  <a:spcPct val="20000"/>
+                </a:spcBef>
+                <a:buChar char="–"/>
+                <a:defRPr>
+                  <a:solidFill>
+                    <a:schemeClr val="tx1"/>
+                  </a:solidFill>
+                  <a:latin typeface="Times New Roman" panose="02020603050405020304" pitchFamily="18" charset="0"/>
+                  <a:ea typeface="宋体" panose="02010600030101010101" pitchFamily="2" charset="-122"/>
+                  <a:cs typeface="Times New Roman" panose="02020603050405020304" pitchFamily="18" charset="0"/>
+                </a:defRPr>
+              </a:lvl4pPr>
+              <a:lvl5pPr marL="2057400" indent="-228600">
+                <a:spcBef>
+                  <a:spcPct val="20000"/>
+                </a:spcBef>
+                <a:buChar char="»"/>
+                <a:defRPr>
+                  <a:solidFill>
+                    <a:schemeClr val="tx1"/>
+                  </a:solidFill>
+                  <a:latin typeface="Times New Roman" panose="02020603050405020304" pitchFamily="18" charset="0"/>
+                  <a:ea typeface="宋体" panose="02010600030101010101" pitchFamily="2" charset="-122"/>
+                  <a:cs typeface="Times New Roman" panose="02020603050405020304" pitchFamily="18" charset="0"/>
+                </a:defRPr>
+              </a:lvl5pPr>
+              <a:lvl6pPr marL="2514600" indent="-228600" eaLnBrk="0" fontAlgn="base" hangingPunct="0">
+                <a:spcBef>
+                  <a:spcPct val="20000"/>
+                </a:spcBef>
+                <a:spcAft>
+                  <a:spcPct val="0"/>
+                </a:spcAft>
+                <a:buChar char="»"/>
+                <a:defRPr>
+                  <a:solidFill>
+                    <a:schemeClr val="tx1"/>
+                  </a:solidFill>
+                  <a:latin typeface="Times New Roman" panose="02020603050405020304" pitchFamily="18" charset="0"/>
+                  <a:ea typeface="宋体" panose="02010600030101010101" pitchFamily="2" charset="-122"/>
+                  <a:cs typeface="Times New Roman" panose="02020603050405020304" pitchFamily="18" charset="0"/>
+                </a:defRPr>
+              </a:lvl6pPr>
+              <a:lvl7pPr marL="2971800" indent="-228600" eaLnBrk="0" fontAlgn="base" hangingPunct="0">
+                <a:spcBef>
+                  <a:spcPct val="20000"/>
+                </a:spcBef>
+                <a:spcAft>
+                  <a:spcPct val="0"/>
+                </a:spcAft>
+                <a:buChar char="»"/>
+                <a:defRPr>
+                  <a:solidFill>
+                    <a:schemeClr val="tx1"/>
+                  </a:solidFill>
+                  <a:latin typeface="Times New Roman" panose="02020603050405020304" pitchFamily="18" charset="0"/>
+                  <a:ea typeface="宋体" panose="02010600030101010101" pitchFamily="2" charset="-122"/>
+                  <a:cs typeface="Times New Roman" panose="02020603050405020304" pitchFamily="18" charset="0"/>
+                </a:defRPr>
+              </a:lvl7pPr>
+              <a:lvl8pPr marL="3429000" indent="-228600" eaLnBrk="0" fontAlgn="base" hangingPunct="0">
+                <a:spcBef>
+                  <a:spcPct val="20000"/>
+                </a:spcBef>
+                <a:spcAft>
+                  <a:spcPct val="0"/>
+                </a:spcAft>
+                <a:buChar char="»"/>
+                <a:defRPr>
+                  <a:solidFill>
+                    <a:schemeClr val="tx1"/>
+                  </a:solidFill>
+                  <a:latin typeface="Times New Roman" panose="02020603050405020304" pitchFamily="18" charset="0"/>
+                  <a:ea typeface="宋体" panose="02010600030101010101" pitchFamily="2" charset="-122"/>
+                  <a:cs typeface="Times New Roman" panose="02020603050405020304" pitchFamily="18" charset="0"/>
+                </a:defRPr>
+              </a:lvl8pPr>
+              <a:lvl9pPr marL="3886200" indent="-228600" eaLnBrk="0" fontAlgn="base" hangingPunct="0">
+                <a:spcBef>
+                  <a:spcPct val="20000"/>
+                </a:spcBef>
+                <a:spcAft>
+                  <a:spcPct val="0"/>
+                </a:spcAft>
+                <a:buChar char="»"/>
+                <a:defRPr>
+                  <a:solidFill>
+                    <a:schemeClr val="tx1"/>
+                  </a:solidFill>
+                  <a:latin typeface="Times New Roman" panose="02020603050405020304" pitchFamily="18" charset="0"/>
+                  <a:ea typeface="宋体" panose="02010600030101010101" pitchFamily="2" charset="-122"/>
+                  <a:cs typeface="Times New Roman" panose="02020603050405020304" pitchFamily="18" charset="0"/>
+                </a:defRPr>
+              </a:lvl9pPr>
+            </a:lstStyle>
+            <a:p>
+              <a:pPr eaLnBrk="1" hangingPunct="1">
+                <a:spcBef>
+                  <a:spcPct val="0"/>
+                </a:spcBef>
+                <a:buFontTx/>
+                <a:buNone/>
+              </a:pPr>
+              <a:r>
+                <a:rPr lang="en-US" altLang="zh-CN" sz="2000">
+                  <a:latin typeface="Arial" panose="020B0604020202020204" pitchFamily="34" charset="0"/>
+                  <a:cs typeface="Arial" panose="020B0604020202020204" pitchFamily="34" charset="0"/>
+                </a:rPr>
+                <a:t>en</a:t>
+              </a:r>
+              <a:endParaRPr lang="zh-CN" altLang="en-US" sz="2000">
+                <a:latin typeface="Arial" panose="020B0604020202020204" pitchFamily="34" charset="0"/>
+                <a:cs typeface="Arial" panose="020B0604020202020204" pitchFamily="34" charset="0"/>
+              </a:endParaRPr>
+            </a:p>
+          </p:txBody>
+        </p:sp>
+      </p:grpSp>
+      <p:sp>
+        <p:nvSpPr>
+          <p:cNvPr id="9228" name="灯片编号占位符 5"/>
+          <p:cNvSpPr>
+            <a:spLocks noGrp="1" noChangeArrowheads="1"/>
+          </p:cNvSpPr>
+          <p:nvPr>
+            <p:ph type="sldNum" sz="quarter" idx="12"/>
+          </p:nvPr>
+        </p:nvSpPr>
+        <p:spPr bwMode="auto">
+          <a:xfrm>
+            <a:off x="7086600" y="6245225"/>
+            <a:ext cx="1600200" cy="476250"/>
+          </a:xfrm>
+          <a:noFill/>
+          <a:extLst>
+            <a:ext uri="{909E8E84-426E-40DD-AFC4-6F175D3DCCD1}">
+              <a14:hiddenFill xmlns:a14="http://schemas.microsoft.com/office/drawing/2010/main">
+                <a:solidFill>
+                  <a:srgbClr val="FFFFFF"/>
+                </a:solidFill>
+              </a14:hiddenFill>
+            </a:ext>
+            <a:ext uri="{91240B29-F687-4F45-9708-019B960494DF}">
+              <a14:hiddenLine xmlns:a14="http://schemas.microsoft.com/office/drawing/2010/main" w="9525">
+                <a:solidFill>
+                  <a:srgbClr val="000000"/>
+                </a:solidFill>
+                <a:miter lim="800000"/>
+                <a:headEnd/>
+                <a:tailEnd/>
+              </a14:hiddenLine>
+            </a:ext>
+          </a:extLst>
+        </p:spPr>
+        <p:txBody>
+          <a:bodyPr vert="horz" wrap="square" lIns="91440" tIns="45720" rIns="91440" bIns="45720" numCol="1" anchorCtr="0" compatLnSpc="1"/>
+          <a:lstStyle>
+            <a:lvl1pPr>
+              <a:spcBef>
+                <a:spcPct val="20000"/>
+              </a:spcBef>
+              <a:buChar char="•"/>
+              <a:defRPr sz="2800">
+                <a:solidFill>
+                  <a:schemeClr val="tx1"/>
+                </a:solidFill>
+                <a:latin typeface="Times New Roman" panose="02020603050405020304" pitchFamily="18" charset="0"/>
+                <a:ea typeface="宋体" panose="02010600030101010101" pitchFamily="2" charset="-122"/>
+                <a:cs typeface="Times New Roman" panose="02020603050405020304" pitchFamily="18" charset="0"/>
+              </a:defRPr>
+            </a:lvl1pPr>
+            <a:lvl2pPr marL="742950" indent="-285750">
+              <a:spcBef>
+                <a:spcPct val="20000"/>
+              </a:spcBef>
+              <a:buChar char="–"/>
+              <a:defRPr sz="2400">
+                <a:solidFill>
+                  <a:schemeClr val="tx1"/>
+                </a:solidFill>
+                <a:latin typeface="Times New Roman" panose="02020603050405020304" pitchFamily="18" charset="0"/>
+                <a:ea typeface="宋体" panose="02010600030101010101" pitchFamily="2" charset="-122"/>
+                <a:cs typeface="Times New Roman" panose="02020603050405020304" pitchFamily="18" charset="0"/>
+              </a:defRPr>
+            </a:lvl2pPr>
+            <a:lvl3pPr marL="1143000" indent="-228600">
+              <a:spcBef>
+                <a:spcPct val="20000"/>
+              </a:spcBef>
+              <a:buChar char="•"/>
+              <a:defRPr sz="2000">
+                <a:solidFill>
+                  <a:schemeClr val="tx1"/>
+                </a:solidFill>
+                <a:latin typeface="Times New Roman" panose="02020603050405020304" pitchFamily="18" charset="0"/>
+                <a:ea typeface="宋体" panose="02010600030101010101" pitchFamily="2" charset="-122"/>
+                <a:cs typeface="Times New Roman" panose="02020603050405020304" pitchFamily="18" charset="0"/>
+              </a:defRPr>
+            </a:lvl3pPr>
+            <a:lvl4pPr marL="1600200" indent="-228600">
+              <a:spcBef>
+                <a:spcPct val="20000"/>
+              </a:spcBef>
+              <a:buChar char="–"/>
+              <a:defRPr>
+                <a:solidFill>
+                  <a:schemeClr val="tx1"/>
+                </a:solidFill>
+                <a:latin typeface="Times New Roman" panose="02020603050405020304" pitchFamily="18" charset="0"/>
+                <a:ea typeface="宋体" panose="02010600030101010101" pitchFamily="2" charset="-122"/>
+                <a:cs typeface="Times New Roman" panose="02020603050405020304" pitchFamily="18" charset="0"/>
+              </a:defRPr>
+            </a:lvl4pPr>
+            <a:lvl5pPr marL="2057400" indent="-228600">
+              <a:spcBef>
+                <a:spcPct val="20000"/>
+              </a:spcBef>
+              <a:buChar char="»"/>
+              <a:defRPr>
+                <a:solidFill>
+                  <a:schemeClr val="tx1"/>
+                </a:solidFill>
+                <a:latin typeface="Times New Roman" panose="02020603050405020304" pitchFamily="18" charset="0"/>
+                <a:ea typeface="宋体" panose="02010600030101010101" pitchFamily="2" charset="-122"/>
+                <a:cs typeface="Times New Roman" panose="02020603050405020304" pitchFamily="18" charset="0"/>
+              </a:defRPr>
+            </a:lvl5pPr>
+            <a:lvl6pPr marL="2514600" indent="-228600" eaLnBrk="0" fontAlgn="base" hangingPunct="0">
+              <a:spcBef>
+                <a:spcPct val="20000"/>
+              </a:spcBef>
+              <a:spcAft>
+                <a:spcPct val="0"/>
+              </a:spcAft>
+              <a:buChar char="»"/>
+              <a:defRPr>
+                <a:solidFill>
+                  <a:schemeClr val="tx1"/>
+                </a:solidFill>
+                <a:latin typeface="Times New Roman" panose="02020603050405020304" pitchFamily="18" charset="0"/>
+                <a:ea typeface="宋体" panose="02010600030101010101" pitchFamily="2" charset="-122"/>
+                <a:cs typeface="Times New Roman" panose="02020603050405020304" pitchFamily="18" charset="0"/>
+              </a:defRPr>
+            </a:lvl6pPr>
+            <a:lvl7pPr marL="2971800" indent="-228600" eaLnBrk="0" fontAlgn="base" hangingPunct="0">
+              <a:spcBef>
+                <a:spcPct val="20000"/>
+              </a:spcBef>
+              <a:spcAft>
+                <a:spcPct val="0"/>
+              </a:spcAft>
+              <a:buChar char="»"/>
+              <a:defRPr>
+                <a:solidFill>
+                  <a:schemeClr val="tx1"/>
+                </a:solidFill>
+                <a:latin typeface="Times New Roman" panose="02020603050405020304" pitchFamily="18" charset="0"/>
+                <a:ea typeface="宋体" panose="02010600030101010101" pitchFamily="2" charset="-122"/>
+                <a:cs typeface="Times New Roman" panose="02020603050405020304" pitchFamily="18" charset="0"/>
+              </a:defRPr>
+            </a:lvl7pPr>
+            <a:lvl8pPr marL="3429000" indent="-228600" eaLnBrk="0" fontAlgn="base" hangingPunct="0">
+              <a:spcBef>
+                <a:spcPct val="20000"/>
+              </a:spcBef>
+              <a:spcAft>
+                <a:spcPct val="0"/>
+              </a:spcAft>
+              <a:buChar char="»"/>
+              <a:defRPr>
+                <a:solidFill>
+                  <a:schemeClr val="tx1"/>
+                </a:solidFill>
+                <a:latin typeface="Times New Roman" panose="02020603050405020304" pitchFamily="18" charset="0"/>
+                <a:ea typeface="宋体" panose="02010600030101010101" pitchFamily="2" charset="-122"/>
+                <a:cs typeface="Times New Roman" panose="02020603050405020304" pitchFamily="18" charset="0"/>
+              </a:defRPr>
+            </a:lvl8pPr>
+            <a:lvl9pPr marL="3886200" indent="-228600" eaLnBrk="0" fontAlgn="base" hangingPunct="0">
+              <a:spcBef>
+                <a:spcPct val="20000"/>
+              </a:spcBef>
+              <a:spcAft>
+                <a:spcPct val="0"/>
+              </a:spcAft>
+              <a:buChar char="»"/>
+              <a:defRPr>
+                <a:solidFill>
+                  <a:schemeClr val="tx1"/>
+                </a:solidFill>
+                <a:latin typeface="Times New Roman" panose="02020603050405020304" pitchFamily="18" charset="0"/>
+                <a:ea typeface="宋体" panose="02010600030101010101" pitchFamily="2" charset="-122"/>
+                <a:cs typeface="Times New Roman" panose="02020603050405020304" pitchFamily="18" charset="0"/>
+              </a:defRPr>
+            </a:lvl9pPr>
+          </a:lstStyle>
+          <a:p>
+            <a:pPr>
+              <a:spcBef>
+                <a:spcPct val="0"/>
+              </a:spcBef>
+              <a:buFontTx/>
+              <a:buNone/>
+            </a:pPr>
+            <a:fld id="{62E79E9E-291B-4F30-8768-0FB1A6DF201D}" type="slidenum">
+              <a:rPr lang="en-US" altLang="zh-CN" sz="1600" smtClean="0">
+                <a:latin typeface="Arial" panose="020B0604020202020204" pitchFamily="34" charset="0"/>
+              </a:rPr>
+            </a:fld>
+            <a:endParaRPr lang="en-US" altLang="zh-CN" sz="1600">
+              <a:latin typeface="Arial" panose="020B0604020202020204" pitchFamily="34" charset="0"/>
+            </a:endParaRPr>
+          </a:p>
+        </p:txBody>
+      </p:sp>
+      <p:sp>
+        <p:nvSpPr>
+          <p:cNvPr id="114" name="页脚占位符 1"/>
+          <p:cNvSpPr>
+            <a:spLocks noGrp="1" noChangeArrowheads="1"/>
+          </p:cNvSpPr>
+          <p:nvPr>
+            <p:ph type="ftr" sz="quarter" idx="11"/>
+          </p:nvPr>
+        </p:nvSpPr>
+        <p:spPr>
+          <a:xfrm>
+            <a:off x="2590800" y="6245225"/>
+            <a:ext cx="4419600" cy="476250"/>
+          </a:xfrm>
+          <a:noFill/>
+          <a:extLst>
+            <a:ext uri="{909E8E84-426E-40DD-AFC4-6F175D3DCCD1}">
+              <a14:hiddenFill xmlns:a14="http://schemas.microsoft.com/office/drawing/2010/main">
+                <a:solidFill>
+                  <a:srgbClr val="FFFFFF"/>
+                </a:solidFill>
+              </a14:hiddenFill>
+            </a:ext>
+            <a:ext uri="{91240B29-F687-4F45-9708-019B960494DF}">
+              <a14:hiddenLine xmlns:a14="http://schemas.microsoft.com/office/drawing/2010/main" w="9525">
+                <a:solidFill>
+                  <a:srgbClr val="000000"/>
+                </a:solidFill>
+                <a:miter lim="800000"/>
+                <a:headEnd/>
+                <a:tailEnd/>
+              </a14:hiddenLine>
+            </a:ext>
+          </a:extLst>
+        </p:spPr>
+        <p:txBody>
+          <a:bodyPr/>
+          <a:lstStyle>
+            <a:lvl1pPr>
+              <a:spcBef>
+                <a:spcPct val="20000"/>
+              </a:spcBef>
+              <a:buChar char="•"/>
+              <a:defRPr sz="2800" b="1">
+                <a:solidFill>
+                  <a:schemeClr val="tx1"/>
+                </a:solidFill>
+                <a:latin typeface="Times New Roman" panose="02020603050405020304" pitchFamily="18" charset="0"/>
+                <a:ea typeface="宋体" panose="02010600030101010101" pitchFamily="2" charset="-122"/>
+                <a:cs typeface="Times New Roman" panose="02020603050405020304" pitchFamily="18" charset="0"/>
+              </a:defRPr>
+            </a:lvl1pPr>
+            <a:lvl2pPr marL="742950" indent="-285750">
+              <a:spcBef>
+                <a:spcPct val="20000"/>
+              </a:spcBef>
+              <a:buChar char="–"/>
+              <a:defRPr sz="2400">
+                <a:solidFill>
+                  <a:schemeClr val="tx1"/>
+                </a:solidFill>
+                <a:latin typeface="Times New Roman" panose="02020603050405020304" pitchFamily="18" charset="0"/>
+                <a:ea typeface="宋体" panose="02010600030101010101" pitchFamily="2" charset="-122"/>
+                <a:cs typeface="Times New Roman" panose="02020603050405020304" pitchFamily="18" charset="0"/>
+              </a:defRPr>
+            </a:lvl2pPr>
+            <a:lvl3pPr marL="1143000" indent="-228600">
+              <a:spcBef>
+                <a:spcPct val="20000"/>
+              </a:spcBef>
+              <a:buChar char="•"/>
+              <a:defRPr sz="2000">
+                <a:solidFill>
+                  <a:schemeClr val="tx1"/>
+                </a:solidFill>
+                <a:latin typeface="Times New Roman" panose="02020603050405020304" pitchFamily="18" charset="0"/>
+                <a:ea typeface="宋体" panose="02010600030101010101" pitchFamily="2" charset="-122"/>
+                <a:cs typeface="Times New Roman" panose="02020603050405020304" pitchFamily="18" charset="0"/>
+              </a:defRPr>
+            </a:lvl3pPr>
+            <a:lvl4pPr marL="1600200" indent="-228600">
+              <a:spcBef>
+                <a:spcPct val="20000"/>
+              </a:spcBef>
+              <a:buChar char="–"/>
+              <a:defRPr>
+                <a:solidFill>
+                  <a:schemeClr val="tx1"/>
+                </a:solidFill>
+                <a:latin typeface="Times New Roman" panose="02020603050405020304" pitchFamily="18" charset="0"/>
+                <a:ea typeface="宋体" panose="02010600030101010101" pitchFamily="2" charset="-122"/>
+                <a:cs typeface="Times New Roman" panose="02020603050405020304" pitchFamily="18" charset="0"/>
+              </a:defRPr>
+            </a:lvl4pPr>
+            <a:lvl5pPr marL="2057400" indent="-228600">
+              <a:spcBef>
+                <a:spcPct val="20000"/>
+              </a:spcBef>
+              <a:buChar char="»"/>
+              <a:defRPr>
+                <a:solidFill>
+                  <a:schemeClr val="tx1"/>
+                </a:solidFill>
+                <a:latin typeface="Times New Roman" panose="02020603050405020304" pitchFamily="18" charset="0"/>
+                <a:ea typeface="宋体" panose="02010600030101010101" pitchFamily="2" charset="-122"/>
+                <a:cs typeface="Times New Roman" panose="02020603050405020304" pitchFamily="18" charset="0"/>
+              </a:defRPr>
+            </a:lvl5pPr>
+            <a:lvl6pPr marL="2514600" indent="-228600" eaLnBrk="0" fontAlgn="base" hangingPunct="0">
+              <a:spcBef>
+                <a:spcPct val="20000"/>
+              </a:spcBef>
+              <a:spcAft>
+                <a:spcPct val="0"/>
+              </a:spcAft>
+              <a:buChar char="»"/>
+              <a:defRPr>
+                <a:solidFill>
+                  <a:schemeClr val="tx1"/>
+                </a:solidFill>
+                <a:latin typeface="Times New Roman" panose="02020603050405020304" pitchFamily="18" charset="0"/>
+                <a:ea typeface="宋体" panose="02010600030101010101" pitchFamily="2" charset="-122"/>
+                <a:cs typeface="Times New Roman" panose="02020603050405020304" pitchFamily="18" charset="0"/>
+              </a:defRPr>
+            </a:lvl6pPr>
+            <a:lvl7pPr marL="2971800" indent="-228600" eaLnBrk="0" fontAlgn="base" hangingPunct="0">
+              <a:spcBef>
+                <a:spcPct val="20000"/>
+              </a:spcBef>
+              <a:spcAft>
+                <a:spcPct val="0"/>
+              </a:spcAft>
+              <a:buChar char="»"/>
+              <a:defRPr>
+                <a:solidFill>
+                  <a:schemeClr val="tx1"/>
+                </a:solidFill>
+                <a:latin typeface="Times New Roman" panose="02020603050405020304" pitchFamily="18" charset="0"/>
+                <a:ea typeface="宋体" panose="02010600030101010101" pitchFamily="2" charset="-122"/>
+                <a:cs typeface="Times New Roman" panose="02020603050405020304" pitchFamily="18" charset="0"/>
+              </a:defRPr>
+            </a:lvl7pPr>
+            <a:lvl8pPr marL="3429000" indent="-228600" eaLnBrk="0" fontAlgn="base" hangingPunct="0">
+              <a:spcBef>
+                <a:spcPct val="20000"/>
+              </a:spcBef>
+              <a:spcAft>
+                <a:spcPct val="0"/>
+              </a:spcAft>
+              <a:buChar char="»"/>
+              <a:defRPr>
+                <a:solidFill>
+                  <a:schemeClr val="tx1"/>
+                </a:solidFill>
+                <a:latin typeface="Times New Roman" panose="02020603050405020304" pitchFamily="18" charset="0"/>
+                <a:ea typeface="宋体" panose="02010600030101010101" pitchFamily="2" charset="-122"/>
+                <a:cs typeface="Times New Roman" panose="02020603050405020304" pitchFamily="18" charset="0"/>
+              </a:defRPr>
+            </a:lvl8pPr>
+            <a:lvl9pPr marL="3886200" indent="-228600" eaLnBrk="0" fontAlgn="base" hangingPunct="0">
+              <a:spcBef>
+                <a:spcPct val="20000"/>
+              </a:spcBef>
+              <a:spcAft>
+                <a:spcPct val="0"/>
+              </a:spcAft>
+              <a:buChar char="»"/>
+              <a:defRPr>
+                <a:solidFill>
+                  <a:schemeClr val="tx1"/>
+                </a:solidFill>
+                <a:latin typeface="Times New Roman" panose="02020603050405020304" pitchFamily="18" charset="0"/>
+                <a:ea typeface="宋体" panose="02010600030101010101" pitchFamily="2" charset="-122"/>
+                <a:cs typeface="Times New Roman" panose="02020603050405020304" pitchFamily="18" charset="0"/>
+              </a:defRPr>
+            </a:lvl9pPr>
+          </a:lstStyle>
+          <a:p>
+            <a:pPr>
+              <a:spcBef>
+                <a:spcPct val="0"/>
+              </a:spcBef>
+              <a:buFontTx/>
+              <a:buNone/>
+            </a:pPr>
+            <a:r>
+              <a:rPr lang="en-US" altLang="zh-CN" sz="1600" b="0" dirty="0">
+                <a:latin typeface="Arial" panose="020B0604020202020204" pitchFamily="34" charset="0"/>
+              </a:rPr>
+              <a:t>2022</a:t>
+            </a:r>
+            <a:r>
+              <a:rPr lang="zh-CN" altLang="en-US" sz="1600" b="0" dirty="0">
+                <a:latin typeface="Arial" panose="020B0604020202020204" pitchFamily="34" charset="0"/>
+              </a:rPr>
+              <a:t>春</a:t>
+            </a:r>
+            <a:r>
+              <a:rPr lang="en-US" altLang="zh-CN" sz="1600" b="0" dirty="0">
+                <a:latin typeface="Arial" panose="020B0604020202020204" pitchFamily="34" charset="0"/>
+              </a:rPr>
+              <a:t>_</a:t>
+            </a:r>
+            <a:r>
+              <a:rPr lang="zh-CN" altLang="en-US" sz="1600" b="0" dirty="0">
+                <a:latin typeface="Arial" panose="020B0604020202020204" pitchFamily="34" charset="0"/>
+              </a:rPr>
+              <a:t>计算机组成原理</a:t>
+            </a:r>
+            <a:r>
+              <a:rPr lang="en-US" altLang="zh-CN" sz="1600" b="0" dirty="0">
+                <a:latin typeface="Arial" panose="020B0604020202020204" pitchFamily="34" charset="0"/>
+              </a:rPr>
+              <a:t>(H)</a:t>
+            </a:r>
+            <a:r>
+              <a:rPr lang="zh-CN" altLang="en-US" sz="1600" b="0" dirty="0">
+                <a:latin typeface="Arial" panose="020B0604020202020204" pitchFamily="34" charset="0"/>
+              </a:rPr>
+              <a:t>实验 </a:t>
+            </a:r>
+            <a:endParaRPr lang="zh-CN" altLang="en-US" sz="1600" b="0" dirty="0">
+              <a:latin typeface="Arial" panose="020B0604020202020204" pitchFamily="34" charset="0"/>
+            </a:endParaRPr>
+          </a:p>
+        </p:txBody>
+      </p:sp>
+      <p:sp>
+        <p:nvSpPr>
+          <p:cNvPr id="116" name="日期占位符 3"/>
+          <p:cNvSpPr>
+            <a:spLocks noGrp="1" noChangeArrowheads="1"/>
+          </p:cNvSpPr>
+          <p:nvPr>
+            <p:ph type="dt" sz="quarter" idx="10"/>
+          </p:nvPr>
+        </p:nvSpPr>
+        <p:spPr>
+          <a:xfrm>
+            <a:off x="457200" y="6245225"/>
+            <a:ext cx="2133600" cy="476250"/>
+          </a:xfrm>
+          <a:noFill/>
+          <a:extLst>
+            <a:ext uri="{909E8E84-426E-40DD-AFC4-6F175D3DCCD1}">
+              <a14:hiddenFill xmlns:a14="http://schemas.microsoft.com/office/drawing/2010/main">
+                <a:solidFill>
+                  <a:srgbClr val="FFFFFF"/>
+                </a:solidFill>
+              </a14:hiddenFill>
+            </a:ext>
+            <a:ext uri="{91240B29-F687-4F45-9708-019B960494DF}">
+              <a14:hiddenLine xmlns:a14="http://schemas.microsoft.com/office/drawing/2010/main" w="9525">
+                <a:solidFill>
+                  <a:srgbClr val="000000"/>
+                </a:solidFill>
+                <a:miter lim="800000"/>
+                <a:headEnd/>
+                <a:tailEnd/>
+              </a14:hiddenLine>
+            </a:ext>
+          </a:extLst>
+        </p:spPr>
+        <p:txBody>
+          <a:bodyPr/>
+          <a:lstStyle>
+            <a:lvl1pPr>
+              <a:spcBef>
+                <a:spcPct val="20000"/>
+              </a:spcBef>
+              <a:buChar char="•"/>
+              <a:defRPr sz="2800" b="1">
+                <a:solidFill>
+                  <a:schemeClr val="tx1"/>
+                </a:solidFill>
+                <a:latin typeface="Times New Roman" panose="02020603050405020304" pitchFamily="18" charset="0"/>
+                <a:ea typeface="宋体" panose="02010600030101010101" pitchFamily="2" charset="-122"/>
+                <a:cs typeface="Times New Roman" panose="02020603050405020304" pitchFamily="18" charset="0"/>
+              </a:defRPr>
+            </a:lvl1pPr>
+            <a:lvl2pPr marL="742950" indent="-285750">
+              <a:spcBef>
+                <a:spcPct val="20000"/>
+              </a:spcBef>
+              <a:buChar char="–"/>
+              <a:defRPr sz="2400">
+                <a:solidFill>
+                  <a:schemeClr val="tx1"/>
+                </a:solidFill>
+                <a:latin typeface="Times New Roman" panose="02020603050405020304" pitchFamily="18" charset="0"/>
+                <a:ea typeface="宋体" panose="02010600030101010101" pitchFamily="2" charset="-122"/>
+                <a:cs typeface="Times New Roman" panose="02020603050405020304" pitchFamily="18" charset="0"/>
+              </a:defRPr>
+            </a:lvl2pPr>
+            <a:lvl3pPr marL="1143000" indent="-228600">
+              <a:spcBef>
+                <a:spcPct val="20000"/>
+              </a:spcBef>
+              <a:buChar char="•"/>
+              <a:defRPr sz="2000">
+                <a:solidFill>
+                  <a:schemeClr val="tx1"/>
+                </a:solidFill>
+                <a:latin typeface="Times New Roman" panose="02020603050405020304" pitchFamily="18" charset="0"/>
+                <a:ea typeface="宋体" panose="02010600030101010101" pitchFamily="2" charset="-122"/>
+                <a:cs typeface="Times New Roman" panose="02020603050405020304" pitchFamily="18" charset="0"/>
+              </a:defRPr>
+            </a:lvl3pPr>
+            <a:lvl4pPr marL="1600200" indent="-228600">
+              <a:spcBef>
+                <a:spcPct val="20000"/>
+              </a:spcBef>
+              <a:buChar char="–"/>
+              <a:defRPr>
+                <a:solidFill>
+                  <a:schemeClr val="tx1"/>
+                </a:solidFill>
+                <a:latin typeface="Times New Roman" panose="02020603050405020304" pitchFamily="18" charset="0"/>
+                <a:ea typeface="宋体" panose="02010600030101010101" pitchFamily="2" charset="-122"/>
+                <a:cs typeface="Times New Roman" panose="02020603050405020304" pitchFamily="18" charset="0"/>
+              </a:defRPr>
+            </a:lvl4pPr>
+            <a:lvl5pPr marL="2057400" indent="-228600">
+              <a:spcBef>
+                <a:spcPct val="20000"/>
+              </a:spcBef>
+              <a:buChar char="»"/>
+              <a:defRPr>
+                <a:solidFill>
+                  <a:schemeClr val="tx1"/>
+                </a:solidFill>
+                <a:latin typeface="Times New Roman" panose="02020603050405020304" pitchFamily="18" charset="0"/>
+                <a:ea typeface="宋体" panose="02010600030101010101" pitchFamily="2" charset="-122"/>
+                <a:cs typeface="Times New Roman" panose="02020603050405020304" pitchFamily="18" charset="0"/>
+              </a:defRPr>
+            </a:lvl5pPr>
+            <a:lvl6pPr marL="2514600" indent="-228600" eaLnBrk="0" fontAlgn="base" hangingPunct="0">
+              <a:spcBef>
+                <a:spcPct val="20000"/>
+              </a:spcBef>
+              <a:spcAft>
+                <a:spcPct val="0"/>
+              </a:spcAft>
+              <a:buChar char="»"/>
+              <a:defRPr>
+                <a:solidFill>
+                  <a:schemeClr val="tx1"/>
+                </a:solidFill>
+                <a:latin typeface="Times New Roman" panose="02020603050405020304" pitchFamily="18" charset="0"/>
+                <a:ea typeface="宋体" panose="02010600030101010101" pitchFamily="2" charset="-122"/>
+                <a:cs typeface="Times New Roman" panose="02020603050405020304" pitchFamily="18" charset="0"/>
+              </a:defRPr>
+            </a:lvl6pPr>
+            <a:lvl7pPr marL="2971800" indent="-228600" eaLnBrk="0" fontAlgn="base" hangingPunct="0">
+              <a:spcBef>
+                <a:spcPct val="20000"/>
+              </a:spcBef>
+              <a:spcAft>
+                <a:spcPct val="0"/>
+              </a:spcAft>
+              <a:buChar char="»"/>
+              <a:defRPr>
+                <a:solidFill>
+                  <a:schemeClr val="tx1"/>
+                </a:solidFill>
+                <a:latin typeface="Times New Roman" panose="02020603050405020304" pitchFamily="18" charset="0"/>
+                <a:ea typeface="宋体" panose="02010600030101010101" pitchFamily="2" charset="-122"/>
+                <a:cs typeface="Times New Roman" panose="02020603050405020304" pitchFamily="18" charset="0"/>
+              </a:defRPr>
+            </a:lvl7pPr>
+            <a:lvl8pPr marL="3429000" indent="-228600" eaLnBrk="0" fontAlgn="base" hangingPunct="0">
+              <a:spcBef>
+                <a:spcPct val="20000"/>
+              </a:spcBef>
+              <a:spcAft>
+                <a:spcPct val="0"/>
+              </a:spcAft>
+              <a:buChar char="»"/>
+              <a:defRPr>
+                <a:solidFill>
+                  <a:schemeClr val="tx1"/>
+                </a:solidFill>
+                <a:latin typeface="Times New Roman" panose="02020603050405020304" pitchFamily="18" charset="0"/>
+                <a:ea typeface="宋体" panose="02010600030101010101" pitchFamily="2" charset="-122"/>
+                <a:cs typeface="Times New Roman" panose="02020603050405020304" pitchFamily="18" charset="0"/>
+              </a:defRPr>
+            </a:lvl8pPr>
+            <a:lvl9pPr marL="3886200" indent="-228600" eaLnBrk="0" fontAlgn="base" hangingPunct="0">
+              <a:spcBef>
+                <a:spcPct val="20000"/>
+              </a:spcBef>
+              <a:spcAft>
+                <a:spcPct val="0"/>
+              </a:spcAft>
+              <a:buChar char="»"/>
+              <a:defRPr>
+                <a:solidFill>
+                  <a:schemeClr val="tx1"/>
+                </a:solidFill>
+                <a:latin typeface="Times New Roman" panose="02020603050405020304" pitchFamily="18" charset="0"/>
+                <a:ea typeface="宋体" panose="02010600030101010101" pitchFamily="2" charset="-122"/>
+                <a:cs typeface="Times New Roman" panose="02020603050405020304" pitchFamily="18" charset="0"/>
+              </a:defRPr>
+            </a:lvl9pPr>
+          </a:lstStyle>
+          <a:p>
+            <a:pPr>
+              <a:spcBef>
+                <a:spcPct val="0"/>
+              </a:spcBef>
+              <a:buFontTx/>
+              <a:buNone/>
+            </a:pPr>
+            <a:r>
+              <a:rPr lang="en-US" altLang="zh-CN" sz="1600" b="0" dirty="0">
+                <a:latin typeface="Arial" panose="020B0604020202020204" pitchFamily="34" charset="0"/>
+              </a:rPr>
+              <a:t>2021-3-23</a:t>
+            </a:r>
+            <a:endParaRPr lang="zh-CN" altLang="en-US" sz="1600" b="0" dirty="0">
+              <a:latin typeface="Arial" panose="020B0604020202020204" pitchFamily="34" charset="0"/>
+            </a:endParaRPr>
+          </a:p>
+        </p:txBody>
+      </p:sp>
+      <p:grpSp>
+        <p:nvGrpSpPr>
+          <p:cNvPr id="57" name="组合 56"/>
+          <p:cNvGrpSpPr/>
+          <p:nvPr/>
+        </p:nvGrpSpPr>
+        <p:grpSpPr>
+          <a:xfrm>
+            <a:off x="2951480" y="2169160"/>
+            <a:ext cx="3422650" cy="3329940"/>
+            <a:chOff x="4648" y="3416"/>
+            <a:chExt cx="5390" cy="5244"/>
+          </a:xfrm>
+        </p:grpSpPr>
+        <p:grpSp>
+          <p:nvGrpSpPr>
+            <p:cNvPr id="56" name="组合 55"/>
+            <p:cNvGrpSpPr/>
+            <p:nvPr/>
+          </p:nvGrpSpPr>
+          <p:grpSpPr>
+            <a:xfrm>
+              <a:off x="6577" y="5683"/>
+              <a:ext cx="565" cy="710"/>
+              <a:chOff x="6577" y="5683"/>
+              <a:chExt cx="565" cy="710"/>
+            </a:xfrm>
+          </p:grpSpPr>
+          <p:cxnSp>
+            <p:nvCxnSpPr>
+              <p:cNvPr id="43" name="直接连接符 42"/>
+              <p:cNvCxnSpPr/>
+              <p:nvPr/>
+            </p:nvCxnSpPr>
+            <p:spPr bwMode="auto">
+              <a:xfrm rot="16200000">
+                <a:off x="6341" y="6032"/>
+                <a:ext cx="698" cy="0"/>
+              </a:xfrm>
+              <a:prstGeom prst="line">
+                <a:avLst/>
+              </a:prstGeom>
+              <a:ln w="28575">
+                <a:solidFill>
+                  <a:srgbClr val="0000FF"/>
+                </a:solidFill>
+              </a:ln>
+            </p:spPr>
+            <p:style>
+              <a:lnRef idx="1">
+                <a:schemeClr val="accent1"/>
+              </a:lnRef>
+              <a:fillRef idx="0">
+                <a:schemeClr val="accent1"/>
+              </a:fillRef>
+              <a:effectRef idx="0">
+                <a:schemeClr val="accent1"/>
+              </a:effectRef>
+              <a:fontRef idx="minor">
+                <a:schemeClr val="tx1"/>
+              </a:fontRef>
+            </p:style>
+          </p:cxnSp>
+          <p:cxnSp>
+            <p:nvCxnSpPr>
+              <p:cNvPr id="44" name="直接连接符 43"/>
+              <p:cNvCxnSpPr/>
+              <p:nvPr/>
+            </p:nvCxnSpPr>
+            <p:spPr bwMode="auto">
+              <a:xfrm rot="16200000">
+                <a:off x="6681" y="6044"/>
+                <a:ext cx="698" cy="0"/>
+              </a:xfrm>
+              <a:prstGeom prst="line">
+                <a:avLst/>
+              </a:prstGeom>
+              <a:ln w="28575">
+                <a:solidFill>
+                  <a:srgbClr val="0000FF"/>
+                </a:solidFill>
+              </a:ln>
+            </p:spPr>
+            <p:style>
+              <a:lnRef idx="1">
+                <a:schemeClr val="accent1"/>
+              </a:lnRef>
+              <a:fillRef idx="0">
+                <a:schemeClr val="accent1"/>
+              </a:fillRef>
+              <a:effectRef idx="0">
+                <a:schemeClr val="accent1"/>
+              </a:effectRef>
+              <a:fontRef idx="minor">
+                <a:schemeClr val="tx1"/>
+              </a:fontRef>
+            </p:style>
+          </p:cxnSp>
+          <p:cxnSp>
+            <p:nvCxnSpPr>
+              <p:cNvPr id="45" name="直接连接符 44"/>
+              <p:cNvCxnSpPr/>
+              <p:nvPr/>
+            </p:nvCxnSpPr>
+            <p:spPr bwMode="auto">
+              <a:xfrm flipH="1">
+                <a:off x="6577" y="5910"/>
+                <a:ext cx="113" cy="189"/>
+              </a:xfrm>
+              <a:prstGeom prst="line">
+                <a:avLst/>
+              </a:prstGeom>
+              <a:ln w="28575">
+                <a:solidFill>
+                  <a:srgbClr val="0000FF"/>
+                </a:solidFill>
+              </a:ln>
+            </p:spPr>
+            <p:style>
+              <a:lnRef idx="1">
+                <a:schemeClr val="accent1"/>
+              </a:lnRef>
+              <a:fillRef idx="0">
+                <a:schemeClr val="accent1"/>
+              </a:fillRef>
+              <a:effectRef idx="0">
+                <a:schemeClr val="accent1"/>
+              </a:effectRef>
+              <a:fontRef idx="minor">
+                <a:schemeClr val="tx1"/>
+              </a:fontRef>
+            </p:style>
+          </p:cxnSp>
+          <p:cxnSp>
+            <p:nvCxnSpPr>
+              <p:cNvPr id="46" name="直接连接符 45"/>
+              <p:cNvCxnSpPr/>
+              <p:nvPr/>
+            </p:nvCxnSpPr>
+            <p:spPr bwMode="auto">
+              <a:xfrm flipH="1" flipV="1">
+                <a:off x="6690" y="5910"/>
+                <a:ext cx="114" cy="189"/>
+              </a:xfrm>
+              <a:prstGeom prst="line">
+                <a:avLst/>
+              </a:prstGeom>
+              <a:ln w="28575">
+                <a:solidFill>
+                  <a:srgbClr val="0000FF"/>
+                </a:solidFill>
+              </a:ln>
+            </p:spPr>
+            <p:style>
+              <a:lnRef idx="1">
+                <a:schemeClr val="accent1"/>
+              </a:lnRef>
+              <a:fillRef idx="0">
+                <a:schemeClr val="accent1"/>
+              </a:fillRef>
+              <a:effectRef idx="0">
+                <a:schemeClr val="accent1"/>
+              </a:effectRef>
+              <a:fontRef idx="minor">
+                <a:schemeClr val="tx1"/>
+              </a:fontRef>
+            </p:style>
+          </p:cxnSp>
+          <p:cxnSp>
+            <p:nvCxnSpPr>
+              <p:cNvPr id="47" name="直接连接符 46"/>
+              <p:cNvCxnSpPr/>
+              <p:nvPr/>
+            </p:nvCxnSpPr>
+            <p:spPr bwMode="auto">
+              <a:xfrm rot="10800000" flipH="1">
+                <a:off x="7030" y="6080"/>
+                <a:ext cx="113" cy="189"/>
+              </a:xfrm>
+              <a:prstGeom prst="line">
+                <a:avLst/>
+              </a:prstGeom>
+              <a:ln w="28575">
+                <a:solidFill>
+                  <a:srgbClr val="0000FF"/>
+                </a:solidFill>
+              </a:ln>
+            </p:spPr>
+            <p:style>
+              <a:lnRef idx="1">
+                <a:schemeClr val="accent1"/>
+              </a:lnRef>
+              <a:fillRef idx="0">
+                <a:schemeClr val="accent1"/>
+              </a:fillRef>
+              <a:effectRef idx="0">
+                <a:schemeClr val="accent1"/>
+              </a:effectRef>
+              <a:fontRef idx="minor">
+                <a:schemeClr val="tx1"/>
+              </a:fontRef>
+            </p:style>
+          </p:cxnSp>
+          <p:cxnSp>
+            <p:nvCxnSpPr>
+              <p:cNvPr id="48" name="直接连接符 47"/>
+              <p:cNvCxnSpPr/>
+              <p:nvPr/>
+            </p:nvCxnSpPr>
+            <p:spPr bwMode="auto">
+              <a:xfrm rot="10800000" flipH="1" flipV="1">
+                <a:off x="6916" y="6080"/>
+                <a:ext cx="114" cy="189"/>
+              </a:xfrm>
+              <a:prstGeom prst="line">
+                <a:avLst/>
+              </a:prstGeom>
+              <a:ln w="28575">
+                <a:solidFill>
+                  <a:srgbClr val="0000FF"/>
+                </a:solidFill>
+              </a:ln>
+            </p:spPr>
+            <p:style>
+              <a:lnRef idx="1">
+                <a:schemeClr val="accent1"/>
+              </a:lnRef>
+              <a:fillRef idx="0">
+                <a:schemeClr val="accent1"/>
+              </a:fillRef>
+              <a:effectRef idx="0">
+                <a:schemeClr val="accent1"/>
+              </a:effectRef>
+              <a:fontRef idx="minor">
+                <a:schemeClr val="tx1"/>
+              </a:fontRef>
+            </p:style>
+          </p:cxnSp>
+        </p:grpSp>
+        <p:grpSp>
+          <p:nvGrpSpPr>
+            <p:cNvPr id="55" name="组合 54"/>
+            <p:cNvGrpSpPr/>
+            <p:nvPr/>
+          </p:nvGrpSpPr>
+          <p:grpSpPr>
+            <a:xfrm>
+              <a:off x="4648" y="3416"/>
+              <a:ext cx="5390" cy="5244"/>
+              <a:chOff x="4648" y="3416"/>
+              <a:chExt cx="5390" cy="5244"/>
+            </a:xfrm>
+          </p:grpSpPr>
+          <p:grpSp>
+            <p:nvGrpSpPr>
+              <p:cNvPr id="41" name="组合 40"/>
+              <p:cNvGrpSpPr/>
+              <p:nvPr/>
+            </p:nvGrpSpPr>
+            <p:grpSpPr>
+              <a:xfrm>
+                <a:off x="4988" y="3416"/>
+                <a:ext cx="5050" cy="2278"/>
+                <a:chOff x="4687" y="3440"/>
+                <a:chExt cx="5050" cy="2278"/>
+              </a:xfrm>
+            </p:grpSpPr>
+            <p:grpSp>
+              <p:nvGrpSpPr>
+                <p:cNvPr id="24" name="组合 23"/>
+                <p:cNvGrpSpPr/>
+                <p:nvPr/>
+              </p:nvGrpSpPr>
+              <p:grpSpPr>
+                <a:xfrm>
+                  <a:off x="4687" y="3440"/>
+                  <a:ext cx="5051" cy="2278"/>
+                  <a:chOff x="4673" y="3416"/>
+                  <a:chExt cx="5051" cy="2278"/>
+                </a:xfrm>
+              </p:grpSpPr>
+              <p:grpSp>
+                <p:nvGrpSpPr>
+                  <p:cNvPr id="20" name="组合 19"/>
+                  <p:cNvGrpSpPr/>
+                  <p:nvPr/>
+                </p:nvGrpSpPr>
+                <p:grpSpPr>
+                  <a:xfrm>
+                    <a:off x="4673" y="3416"/>
+                    <a:ext cx="5051" cy="2278"/>
+                    <a:chOff x="3613" y="3302"/>
+                    <a:chExt cx="5051" cy="2278"/>
+                  </a:xfrm>
+                </p:grpSpPr>
+                <p:grpSp>
+                  <p:nvGrpSpPr>
+                    <p:cNvPr id="3" name="组合 109"/>
+                    <p:cNvGrpSpPr/>
+                    <p:nvPr/>
+                  </p:nvGrpSpPr>
+                  <p:grpSpPr bwMode="auto">
+                    <a:xfrm>
+                      <a:off x="3613" y="3302"/>
+                      <a:ext cx="3707" cy="2278"/>
+                      <a:chOff x="6010786" y="4364037"/>
+                      <a:chExt cx="2655312" cy="1274763"/>
+                    </a:xfrm>
+                  </p:grpSpPr>
+                  <p:sp>
+                    <p:nvSpPr>
+                      <p:cNvPr id="4" name="TextBox 32"/>
+                      <p:cNvSpPr txBox="1">
+                        <a:spLocks noChangeArrowheads="1"/>
+                      </p:cNvSpPr>
+                      <p:nvPr/>
+                    </p:nvSpPr>
+                    <p:spPr bwMode="auto">
+                      <a:xfrm>
+                        <a:off x="6052675" y="4535274"/>
+                        <a:ext cx="350254" cy="270821"/>
+                      </a:xfrm>
+                      <a:prstGeom prst="rect">
+                        <a:avLst/>
+                      </a:prstGeom>
+                      <a:noFill/>
+                      <a:ln>
+                        <a:noFill/>
+                      </a:ln>
+                      <a:extLst>
+                        <a:ext uri="{909E8E84-426E-40DD-AFC4-6F175D3DCCD1}">
+                          <a14:hiddenFill xmlns:a14="http://schemas.microsoft.com/office/drawing/2010/main">
+                            <a:solidFill>
+                              <a:srgbClr val="FFFFFF"/>
+                            </a:solidFill>
+                          </a14:hiddenFill>
+                        </a:ext>
+                        <a:ext uri="{91240B29-F687-4F45-9708-019B960494DF}">
+                          <a14:hiddenLine xmlns:a14="http://schemas.microsoft.com/office/drawing/2010/main" w="9525">
+                            <a:solidFill>
+                              <a:srgbClr val="000000"/>
+                            </a:solidFill>
+                            <a:miter lim="800000"/>
+                            <a:headEnd/>
+                            <a:tailEnd/>
+                          </a14:hiddenLine>
+                        </a:ext>
+                      </a:extLst>
+                    </p:spPr>
+                    <p:txBody>
+                      <a:bodyPr wrap="none" lIns="0" tIns="0" rIns="0" bIns="0" anchor="ctr" anchorCtr="1">
+                        <a:spAutoFit/>
+                      </a:bodyPr>
+                      <a:lstStyle>
+                        <a:lvl1pPr>
+                          <a:spcBef>
+                            <a:spcPct val="20000"/>
+                          </a:spcBef>
+                          <a:buChar char="•"/>
+                          <a:defRPr sz="2800">
+                            <a:solidFill>
+                              <a:schemeClr val="tx1"/>
+                            </a:solidFill>
+                            <a:latin typeface="Times New Roman" panose="02020603050405020304" pitchFamily="18" charset="0"/>
+                            <a:ea typeface="宋体" panose="02010600030101010101" pitchFamily="2" charset="-122"/>
+                            <a:cs typeface="Times New Roman" panose="02020603050405020304" pitchFamily="18" charset="0"/>
+                          </a:defRPr>
+                        </a:lvl1pPr>
+                        <a:lvl2pPr marL="742950" indent="-285750">
+                          <a:spcBef>
+                            <a:spcPct val="20000"/>
+                          </a:spcBef>
+                          <a:buChar char="–"/>
+                          <a:defRPr sz="2400">
+                            <a:solidFill>
+                              <a:schemeClr val="tx1"/>
+                            </a:solidFill>
+                            <a:latin typeface="Times New Roman" panose="02020603050405020304" pitchFamily="18" charset="0"/>
+                            <a:ea typeface="宋体" panose="02010600030101010101" pitchFamily="2" charset="-122"/>
+                            <a:cs typeface="Times New Roman" panose="02020603050405020304" pitchFamily="18" charset="0"/>
+                          </a:defRPr>
+                        </a:lvl2pPr>
+                        <a:lvl3pPr marL="1143000" indent="-228600">
+                          <a:spcBef>
+                            <a:spcPct val="20000"/>
+                          </a:spcBef>
+                          <a:buChar char="•"/>
+                          <a:defRPr sz="2000">
+                            <a:solidFill>
+                              <a:schemeClr val="tx1"/>
+                            </a:solidFill>
+                            <a:latin typeface="Times New Roman" panose="02020603050405020304" pitchFamily="18" charset="0"/>
+                            <a:ea typeface="宋体" panose="02010600030101010101" pitchFamily="2" charset="-122"/>
+                            <a:cs typeface="Times New Roman" panose="02020603050405020304" pitchFamily="18" charset="0"/>
+                          </a:defRPr>
+                        </a:lvl3pPr>
+                        <a:lvl4pPr marL="1600200" indent="-228600">
+                          <a:spcBef>
+                            <a:spcPct val="20000"/>
+                          </a:spcBef>
+                          <a:buChar char="–"/>
+                          <a:defRPr>
+                            <a:solidFill>
+                              <a:schemeClr val="tx1"/>
+                            </a:solidFill>
+                            <a:latin typeface="Times New Roman" panose="02020603050405020304" pitchFamily="18" charset="0"/>
+                            <a:ea typeface="宋体" panose="02010600030101010101" pitchFamily="2" charset="-122"/>
+                            <a:cs typeface="Times New Roman" panose="02020603050405020304" pitchFamily="18" charset="0"/>
+                          </a:defRPr>
+                        </a:lvl4pPr>
+                        <a:lvl5pPr marL="2057400" indent="-228600">
+                          <a:spcBef>
+                            <a:spcPct val="20000"/>
+                          </a:spcBef>
+                          <a:buChar char="»"/>
+                          <a:defRPr>
+                            <a:solidFill>
+                              <a:schemeClr val="tx1"/>
+                            </a:solidFill>
+                            <a:latin typeface="Times New Roman" panose="02020603050405020304" pitchFamily="18" charset="0"/>
+                            <a:ea typeface="宋体" panose="02010600030101010101" pitchFamily="2" charset="-122"/>
+                            <a:cs typeface="Times New Roman" panose="02020603050405020304" pitchFamily="18" charset="0"/>
+                          </a:defRPr>
+                        </a:lvl5pPr>
+                        <a:lvl6pPr marL="2514600" indent="-228600" eaLnBrk="0" fontAlgn="base" hangingPunct="0">
+                          <a:spcBef>
+                            <a:spcPct val="20000"/>
+                          </a:spcBef>
+                          <a:spcAft>
+                            <a:spcPct val="0"/>
+                          </a:spcAft>
+                          <a:buChar char="»"/>
+                          <a:defRPr>
+                            <a:solidFill>
+                              <a:schemeClr val="tx1"/>
+                            </a:solidFill>
+                            <a:latin typeface="Times New Roman" panose="02020603050405020304" pitchFamily="18" charset="0"/>
+                            <a:ea typeface="宋体" panose="02010600030101010101" pitchFamily="2" charset="-122"/>
+                            <a:cs typeface="Times New Roman" panose="02020603050405020304" pitchFamily="18" charset="0"/>
+                          </a:defRPr>
+                        </a:lvl6pPr>
+                        <a:lvl7pPr marL="2971800" indent="-228600" eaLnBrk="0" fontAlgn="base" hangingPunct="0">
+                          <a:spcBef>
+                            <a:spcPct val="20000"/>
+                          </a:spcBef>
+                          <a:spcAft>
+                            <a:spcPct val="0"/>
+                          </a:spcAft>
+                          <a:buChar char="»"/>
+                          <a:defRPr>
+                            <a:solidFill>
+                              <a:schemeClr val="tx1"/>
+                            </a:solidFill>
+                            <a:latin typeface="Times New Roman" panose="02020603050405020304" pitchFamily="18" charset="0"/>
+                            <a:ea typeface="宋体" panose="02010600030101010101" pitchFamily="2" charset="-122"/>
+                            <a:cs typeface="Times New Roman" panose="02020603050405020304" pitchFamily="18" charset="0"/>
+                          </a:defRPr>
+                        </a:lvl7pPr>
+                        <a:lvl8pPr marL="3429000" indent="-228600" eaLnBrk="0" fontAlgn="base" hangingPunct="0">
+                          <a:spcBef>
+                            <a:spcPct val="20000"/>
+                          </a:spcBef>
+                          <a:spcAft>
+                            <a:spcPct val="0"/>
+                          </a:spcAft>
+                          <a:buChar char="»"/>
+                          <a:defRPr>
+                            <a:solidFill>
+                              <a:schemeClr val="tx1"/>
+                            </a:solidFill>
+                            <a:latin typeface="Times New Roman" panose="02020603050405020304" pitchFamily="18" charset="0"/>
+                            <a:ea typeface="宋体" panose="02010600030101010101" pitchFamily="2" charset="-122"/>
+                            <a:cs typeface="Times New Roman" panose="02020603050405020304" pitchFamily="18" charset="0"/>
+                          </a:defRPr>
+                        </a:lvl8pPr>
+                        <a:lvl9pPr marL="3886200" indent="-228600" eaLnBrk="0" fontAlgn="base" hangingPunct="0">
+                          <a:spcBef>
+                            <a:spcPct val="20000"/>
+                          </a:spcBef>
+                          <a:spcAft>
+                            <a:spcPct val="0"/>
+                          </a:spcAft>
+                          <a:buChar char="»"/>
+                          <a:defRPr>
+                            <a:solidFill>
+                              <a:schemeClr val="tx1"/>
+                            </a:solidFill>
+                            <a:latin typeface="Times New Roman" panose="02020603050405020304" pitchFamily="18" charset="0"/>
+                            <a:ea typeface="宋体" panose="02010600030101010101" pitchFamily="2" charset="-122"/>
+                            <a:cs typeface="Times New Roman" panose="02020603050405020304" pitchFamily="18" charset="0"/>
+                          </a:defRPr>
+                        </a:lvl9pPr>
+                      </a:lstStyle>
+                      <a:p>
+                        <a:pPr eaLnBrk="1" hangingPunct="1">
+                          <a:spcBef>
+                            <a:spcPct val="0"/>
+                          </a:spcBef>
+                          <a:buFontTx/>
+                          <a:buNone/>
+                        </a:pPr>
+                        <a:r>
+                          <a:rPr lang="en-US" altLang="zh-CN" sz="2000">
+                            <a:latin typeface="Arial" panose="020B0604020202020204" pitchFamily="34" charset="0"/>
+                            <a:cs typeface="Arial" panose="020B0604020202020204" pitchFamily="34" charset="0"/>
+                          </a:rPr>
+                          <a:t>clk</a:t>
+                        </a:r>
+                        <a:endParaRPr lang="en-US" altLang="zh-CN" sz="2000">
+                          <a:latin typeface="Arial" panose="020B0604020202020204" pitchFamily="34" charset="0"/>
+                          <a:cs typeface="Arial" panose="020B0604020202020204" pitchFamily="34" charset="0"/>
+                        </a:endParaRPr>
+                      </a:p>
+                    </p:txBody>
+                  </p:sp>
+                  <p:cxnSp>
+                    <p:nvCxnSpPr>
+                      <p:cNvPr id="5" name="直接连接符 4"/>
+                      <p:cNvCxnSpPr/>
+                      <p:nvPr/>
+                    </p:nvCxnSpPr>
+                    <p:spPr bwMode="auto">
+                      <a:xfrm>
+                        <a:off x="6492004" y="4680992"/>
+                        <a:ext cx="500017" cy="0"/>
+                      </a:xfrm>
+                      <a:prstGeom prst="line">
+                        <a:avLst/>
+                      </a:prstGeom>
+                      <a:ln w="28575">
+                        <a:solidFill>
+                          <a:schemeClr val="tx1"/>
+                        </a:solidFill>
+                      </a:ln>
+                    </p:spPr>
+                    <p:style>
+                      <a:lnRef idx="1">
+                        <a:schemeClr val="accent1"/>
+                      </a:lnRef>
+                      <a:fillRef idx="0">
+                        <a:schemeClr val="accent1"/>
+                      </a:fillRef>
+                      <a:effectRef idx="0">
+                        <a:schemeClr val="accent1"/>
+                      </a:effectRef>
+                      <a:fontRef idx="minor">
+                        <a:schemeClr val="tx1"/>
+                      </a:fontRef>
+                    </p:style>
+                  </p:cxnSp>
+                  <p:cxnSp>
+                    <p:nvCxnSpPr>
+                      <p:cNvPr id="6" name="直接连接符 5"/>
+                      <p:cNvCxnSpPr/>
+                      <p:nvPr/>
+                    </p:nvCxnSpPr>
+                    <p:spPr bwMode="auto">
+                      <a:xfrm>
+                        <a:off x="7695975" y="4585740"/>
+                        <a:ext cx="500016" cy="0"/>
+                      </a:xfrm>
+                      <a:prstGeom prst="line">
+                        <a:avLst/>
+                      </a:prstGeom>
+                      <a:ln w="28575">
+                        <a:solidFill>
+                          <a:schemeClr val="tx1"/>
+                        </a:solidFill>
+                      </a:ln>
+                    </p:spPr>
+                    <p:style>
+                      <a:lnRef idx="1">
+                        <a:schemeClr val="accent1"/>
+                      </a:lnRef>
+                      <a:fillRef idx="0">
+                        <a:schemeClr val="accent1"/>
+                      </a:fillRef>
+                      <a:effectRef idx="0">
+                        <a:schemeClr val="accent1"/>
+                      </a:effectRef>
+                      <a:fontRef idx="minor">
+                        <a:schemeClr val="tx1"/>
+                      </a:fontRef>
+                    </p:style>
+                  </p:cxnSp>
+                  <p:sp>
+                    <p:nvSpPr>
+                      <p:cNvPr id="7" name="TextBox 34"/>
+                      <p:cNvSpPr txBox="1">
+                        <a:spLocks noChangeArrowheads="1"/>
+                      </p:cNvSpPr>
+                      <p:nvPr/>
+                    </p:nvSpPr>
+                    <p:spPr bwMode="auto">
+                      <a:xfrm>
+                        <a:off x="8295648" y="4435711"/>
+                        <a:ext cx="370450" cy="324137"/>
+                      </a:xfrm>
+                      <a:prstGeom prst="rect">
+                        <a:avLst/>
+                      </a:prstGeom>
+                      <a:noFill/>
+                      <a:ln>
+                        <a:noFill/>
+                      </a:ln>
+                      <a:extLst>
+                        <a:ext uri="{909E8E84-426E-40DD-AFC4-6F175D3DCCD1}">
+                          <a14:hiddenFill xmlns:a14="http://schemas.microsoft.com/office/drawing/2010/main">
+                            <a:solidFill>
+                              <a:srgbClr val="FFFFFF"/>
+                            </a:solidFill>
+                          </a14:hiddenFill>
+                        </a:ext>
+                        <a:ext uri="{91240B29-F687-4F45-9708-019B960494DF}">
+                          <a14:hiddenLine xmlns:a14="http://schemas.microsoft.com/office/drawing/2010/main" w="9525">
+                            <a:solidFill>
+                              <a:srgbClr val="000000"/>
+                            </a:solidFill>
+                            <a:miter lim="800000"/>
+                            <a:headEnd/>
+                            <a:tailEnd/>
+                          </a14:hiddenLine>
+                        </a:ext>
+                      </a:extLst>
+                    </p:spPr>
+                    <p:txBody>
+                      <a:bodyPr wrap="none" lIns="0" tIns="0" rIns="0" bIns="0" anchor="ctr" anchorCtr="1"/>
+                      <a:lstStyle>
+                        <a:lvl1pPr>
+                          <a:spcBef>
+                            <a:spcPct val="20000"/>
+                          </a:spcBef>
+                          <a:buChar char="•"/>
+                          <a:defRPr sz="2800">
+                            <a:solidFill>
+                              <a:schemeClr val="tx1"/>
+                            </a:solidFill>
+                            <a:latin typeface="Times New Roman" panose="02020603050405020304" pitchFamily="18" charset="0"/>
+                            <a:ea typeface="宋体" panose="02010600030101010101" pitchFamily="2" charset="-122"/>
+                            <a:cs typeface="Times New Roman" panose="02020603050405020304" pitchFamily="18" charset="0"/>
+                          </a:defRPr>
+                        </a:lvl1pPr>
+                        <a:lvl2pPr marL="742950" indent="-285750">
+                          <a:spcBef>
+                            <a:spcPct val="20000"/>
+                          </a:spcBef>
+                          <a:buChar char="–"/>
+                          <a:defRPr sz="2400">
+                            <a:solidFill>
+                              <a:schemeClr val="tx1"/>
+                            </a:solidFill>
+                            <a:latin typeface="Times New Roman" panose="02020603050405020304" pitchFamily="18" charset="0"/>
+                            <a:ea typeface="宋体" panose="02010600030101010101" pitchFamily="2" charset="-122"/>
+                            <a:cs typeface="Times New Roman" panose="02020603050405020304" pitchFamily="18" charset="0"/>
+                          </a:defRPr>
+                        </a:lvl2pPr>
+                        <a:lvl3pPr marL="1143000" indent="-228600">
+                          <a:spcBef>
+                            <a:spcPct val="20000"/>
+                          </a:spcBef>
+                          <a:buChar char="•"/>
+                          <a:defRPr sz="2000">
+                            <a:solidFill>
+                              <a:schemeClr val="tx1"/>
+                            </a:solidFill>
+                            <a:latin typeface="Times New Roman" panose="02020603050405020304" pitchFamily="18" charset="0"/>
+                            <a:ea typeface="宋体" panose="02010600030101010101" pitchFamily="2" charset="-122"/>
+                            <a:cs typeface="Times New Roman" panose="02020603050405020304" pitchFamily="18" charset="0"/>
+                          </a:defRPr>
+                        </a:lvl3pPr>
+                        <a:lvl4pPr marL="1600200" indent="-228600">
+                          <a:spcBef>
+                            <a:spcPct val="20000"/>
+                          </a:spcBef>
+                          <a:buChar char="–"/>
+                          <a:defRPr>
+                            <a:solidFill>
+                              <a:schemeClr val="tx1"/>
+                            </a:solidFill>
+                            <a:latin typeface="Times New Roman" panose="02020603050405020304" pitchFamily="18" charset="0"/>
+                            <a:ea typeface="宋体" panose="02010600030101010101" pitchFamily="2" charset="-122"/>
+                            <a:cs typeface="Times New Roman" panose="02020603050405020304" pitchFamily="18" charset="0"/>
+                          </a:defRPr>
+                        </a:lvl4pPr>
+                        <a:lvl5pPr marL="2057400" indent="-228600">
+                          <a:spcBef>
+                            <a:spcPct val="20000"/>
+                          </a:spcBef>
+                          <a:buChar char="»"/>
+                          <a:defRPr>
+                            <a:solidFill>
+                              <a:schemeClr val="tx1"/>
+                            </a:solidFill>
+                            <a:latin typeface="Times New Roman" panose="02020603050405020304" pitchFamily="18" charset="0"/>
+                            <a:ea typeface="宋体" panose="02010600030101010101" pitchFamily="2" charset="-122"/>
+                            <a:cs typeface="Times New Roman" panose="02020603050405020304" pitchFamily="18" charset="0"/>
+                          </a:defRPr>
+                        </a:lvl5pPr>
+                        <a:lvl6pPr marL="2514600" indent="-228600" eaLnBrk="0" fontAlgn="base" hangingPunct="0">
+                          <a:spcBef>
+                            <a:spcPct val="20000"/>
+                          </a:spcBef>
+                          <a:spcAft>
+                            <a:spcPct val="0"/>
+                          </a:spcAft>
+                          <a:buChar char="»"/>
+                          <a:defRPr>
+                            <a:solidFill>
+                              <a:schemeClr val="tx1"/>
+                            </a:solidFill>
+                            <a:latin typeface="Times New Roman" panose="02020603050405020304" pitchFamily="18" charset="0"/>
+                            <a:ea typeface="宋体" panose="02010600030101010101" pitchFamily="2" charset="-122"/>
+                            <a:cs typeface="Times New Roman" panose="02020603050405020304" pitchFamily="18" charset="0"/>
+                          </a:defRPr>
+                        </a:lvl6pPr>
+                        <a:lvl7pPr marL="2971800" indent="-228600" eaLnBrk="0" fontAlgn="base" hangingPunct="0">
+                          <a:spcBef>
+                            <a:spcPct val="20000"/>
+                          </a:spcBef>
+                          <a:spcAft>
+                            <a:spcPct val="0"/>
+                          </a:spcAft>
+                          <a:buChar char="»"/>
+                          <a:defRPr>
+                            <a:solidFill>
+                              <a:schemeClr val="tx1"/>
+                            </a:solidFill>
+                            <a:latin typeface="Times New Roman" panose="02020603050405020304" pitchFamily="18" charset="0"/>
+                            <a:ea typeface="宋体" panose="02010600030101010101" pitchFamily="2" charset="-122"/>
+                            <a:cs typeface="Times New Roman" panose="02020603050405020304" pitchFamily="18" charset="0"/>
+                          </a:defRPr>
+                        </a:lvl7pPr>
+                        <a:lvl8pPr marL="3429000" indent="-228600" eaLnBrk="0" fontAlgn="base" hangingPunct="0">
+                          <a:spcBef>
+                            <a:spcPct val="20000"/>
+                          </a:spcBef>
+                          <a:spcAft>
+                            <a:spcPct val="0"/>
+                          </a:spcAft>
+                          <a:buChar char="»"/>
+                          <a:defRPr>
+                            <a:solidFill>
+                              <a:schemeClr val="tx1"/>
+                            </a:solidFill>
+                            <a:latin typeface="Times New Roman" panose="02020603050405020304" pitchFamily="18" charset="0"/>
+                            <a:ea typeface="宋体" panose="02010600030101010101" pitchFamily="2" charset="-122"/>
+                            <a:cs typeface="Times New Roman" panose="02020603050405020304" pitchFamily="18" charset="0"/>
+                          </a:defRPr>
+                        </a:lvl8pPr>
+                        <a:lvl9pPr marL="3886200" indent="-228600" eaLnBrk="0" fontAlgn="base" hangingPunct="0">
+                          <a:spcBef>
+                            <a:spcPct val="20000"/>
+                          </a:spcBef>
+                          <a:spcAft>
+                            <a:spcPct val="0"/>
+                          </a:spcAft>
+                          <a:buChar char="»"/>
+                          <a:defRPr>
+                            <a:solidFill>
+                              <a:schemeClr val="tx1"/>
+                            </a:solidFill>
+                            <a:latin typeface="Times New Roman" panose="02020603050405020304" pitchFamily="18" charset="0"/>
+                            <a:ea typeface="宋体" panose="02010600030101010101" pitchFamily="2" charset="-122"/>
+                            <a:cs typeface="Times New Roman" panose="02020603050405020304" pitchFamily="18" charset="0"/>
+                          </a:defRPr>
+                        </a:lvl9pPr>
+                      </a:lstStyle>
+                      <a:p>
+                        <a:pPr eaLnBrk="1" hangingPunct="1">
+                          <a:spcBef>
+                            <a:spcPct val="0"/>
+                          </a:spcBef>
+                          <a:buFontTx/>
+                          <a:buNone/>
+                        </a:pPr>
+                        <a:r>
+                          <a:rPr lang="en-US" altLang="zh-CN" sz="2000">
+                            <a:latin typeface="Arial" panose="020B0604020202020204" pitchFamily="34" charset="0"/>
+                            <a:cs typeface="Arial" panose="020B0604020202020204" pitchFamily="34" charset="0"/>
+                          </a:rPr>
+                          <a:t>led</a:t>
+                        </a:r>
+                        <a:endParaRPr lang="en-US" altLang="zh-CN" sz="2000">
+                          <a:latin typeface="Arial" panose="020B0604020202020204" pitchFamily="34" charset="0"/>
+                          <a:cs typeface="Arial" panose="020B0604020202020204" pitchFamily="34" charset="0"/>
+                        </a:endParaRPr>
+                      </a:p>
+                    </p:txBody>
+                  </p:sp>
+                  <p:sp>
+                    <p:nvSpPr>
+                      <p:cNvPr id="9" name="TextBox 34"/>
+                      <p:cNvSpPr txBox="1">
+                        <a:spLocks noChangeArrowheads="1"/>
+                      </p:cNvSpPr>
+                      <p:nvPr/>
+                    </p:nvSpPr>
+                    <p:spPr bwMode="auto">
+                      <a:xfrm>
+                        <a:off x="6059455" y="5111829"/>
+                        <a:ext cx="370450" cy="324137"/>
+                      </a:xfrm>
+                      <a:prstGeom prst="rect">
+                        <a:avLst/>
+                      </a:prstGeom>
+                      <a:noFill/>
+                      <a:ln>
+                        <a:noFill/>
+                      </a:ln>
+                      <a:extLst>
+                        <a:ext uri="{909E8E84-426E-40DD-AFC4-6F175D3DCCD1}">
+                          <a14:hiddenFill xmlns:a14="http://schemas.microsoft.com/office/drawing/2010/main">
+                            <a:solidFill>
+                              <a:srgbClr val="FFFFFF"/>
+                            </a:solidFill>
+                          </a14:hiddenFill>
+                        </a:ext>
+                        <a:ext uri="{91240B29-F687-4F45-9708-019B960494DF}">
+                          <a14:hiddenLine xmlns:a14="http://schemas.microsoft.com/office/drawing/2010/main" w="9525">
+                            <a:solidFill>
+                              <a:srgbClr val="000000"/>
+                            </a:solidFill>
+                            <a:miter lim="800000"/>
+                            <a:headEnd/>
+                            <a:tailEnd/>
+                          </a14:hiddenLine>
+                        </a:ext>
+                      </a:extLst>
+                    </p:spPr>
+                    <p:txBody>
+                      <a:bodyPr wrap="none" lIns="0" tIns="0" rIns="0" bIns="0" anchor="ctr" anchorCtr="1"/>
+                      <a:lstStyle>
+                        <a:lvl1pPr>
+                          <a:spcBef>
+                            <a:spcPct val="20000"/>
+                          </a:spcBef>
+                          <a:buChar char="•"/>
+                          <a:defRPr sz="2800">
+                            <a:solidFill>
+                              <a:schemeClr val="tx1"/>
+                            </a:solidFill>
+                            <a:latin typeface="Times New Roman" panose="02020603050405020304" pitchFamily="18" charset="0"/>
+                            <a:ea typeface="宋体" panose="02010600030101010101" pitchFamily="2" charset="-122"/>
+                            <a:cs typeface="Times New Roman" panose="02020603050405020304" pitchFamily="18" charset="0"/>
+                          </a:defRPr>
+                        </a:lvl1pPr>
+                        <a:lvl2pPr marL="742950" indent="-285750">
+                          <a:spcBef>
+                            <a:spcPct val="20000"/>
+                          </a:spcBef>
+                          <a:buChar char="–"/>
+                          <a:defRPr sz="2400">
+                            <a:solidFill>
+                              <a:schemeClr val="tx1"/>
+                            </a:solidFill>
+                            <a:latin typeface="Times New Roman" panose="02020603050405020304" pitchFamily="18" charset="0"/>
+                            <a:ea typeface="宋体" panose="02010600030101010101" pitchFamily="2" charset="-122"/>
+                            <a:cs typeface="Times New Roman" panose="02020603050405020304" pitchFamily="18" charset="0"/>
+                          </a:defRPr>
+                        </a:lvl2pPr>
+                        <a:lvl3pPr marL="1143000" indent="-228600">
+                          <a:spcBef>
+                            <a:spcPct val="20000"/>
+                          </a:spcBef>
+                          <a:buChar char="•"/>
+                          <a:defRPr sz="2000">
+                            <a:solidFill>
+                              <a:schemeClr val="tx1"/>
+                            </a:solidFill>
+                            <a:latin typeface="Times New Roman" panose="02020603050405020304" pitchFamily="18" charset="0"/>
+                            <a:ea typeface="宋体" panose="02010600030101010101" pitchFamily="2" charset="-122"/>
+                            <a:cs typeface="Times New Roman" panose="02020603050405020304" pitchFamily="18" charset="0"/>
+                          </a:defRPr>
+                        </a:lvl3pPr>
+                        <a:lvl4pPr marL="1600200" indent="-228600">
+                          <a:spcBef>
+                            <a:spcPct val="20000"/>
+                          </a:spcBef>
+                          <a:buChar char="–"/>
+                          <a:defRPr>
+                            <a:solidFill>
+                              <a:schemeClr val="tx1"/>
+                            </a:solidFill>
+                            <a:latin typeface="Times New Roman" panose="02020603050405020304" pitchFamily="18" charset="0"/>
+                            <a:ea typeface="宋体" panose="02010600030101010101" pitchFamily="2" charset="-122"/>
+                            <a:cs typeface="Times New Roman" panose="02020603050405020304" pitchFamily="18" charset="0"/>
+                          </a:defRPr>
+                        </a:lvl4pPr>
+                        <a:lvl5pPr marL="2057400" indent="-228600">
+                          <a:spcBef>
+                            <a:spcPct val="20000"/>
+                          </a:spcBef>
+                          <a:buChar char="»"/>
+                          <a:defRPr>
+                            <a:solidFill>
+                              <a:schemeClr val="tx1"/>
+                            </a:solidFill>
+                            <a:latin typeface="Times New Roman" panose="02020603050405020304" pitchFamily="18" charset="0"/>
+                            <a:ea typeface="宋体" panose="02010600030101010101" pitchFamily="2" charset="-122"/>
+                            <a:cs typeface="Times New Roman" panose="02020603050405020304" pitchFamily="18" charset="0"/>
+                          </a:defRPr>
+                        </a:lvl5pPr>
+                        <a:lvl6pPr marL="2514600" indent="-228600" eaLnBrk="0" fontAlgn="base" hangingPunct="0">
+                          <a:spcBef>
+                            <a:spcPct val="20000"/>
+                          </a:spcBef>
+                          <a:spcAft>
+                            <a:spcPct val="0"/>
+                          </a:spcAft>
+                          <a:buChar char="»"/>
+                          <a:defRPr>
+                            <a:solidFill>
+                              <a:schemeClr val="tx1"/>
+                            </a:solidFill>
+                            <a:latin typeface="Times New Roman" panose="02020603050405020304" pitchFamily="18" charset="0"/>
+                            <a:ea typeface="宋体" panose="02010600030101010101" pitchFamily="2" charset="-122"/>
+                            <a:cs typeface="Times New Roman" panose="02020603050405020304" pitchFamily="18" charset="0"/>
+                          </a:defRPr>
+                        </a:lvl6pPr>
+                        <a:lvl7pPr marL="2971800" indent="-228600" eaLnBrk="0" fontAlgn="base" hangingPunct="0">
+                          <a:spcBef>
+                            <a:spcPct val="20000"/>
+                          </a:spcBef>
+                          <a:spcAft>
+                            <a:spcPct val="0"/>
+                          </a:spcAft>
+                          <a:buChar char="»"/>
+                          <a:defRPr>
+                            <a:solidFill>
+                              <a:schemeClr val="tx1"/>
+                            </a:solidFill>
+                            <a:latin typeface="Times New Roman" panose="02020603050405020304" pitchFamily="18" charset="0"/>
+                            <a:ea typeface="宋体" panose="02010600030101010101" pitchFamily="2" charset="-122"/>
+                            <a:cs typeface="Times New Roman" panose="02020603050405020304" pitchFamily="18" charset="0"/>
+                          </a:defRPr>
+                        </a:lvl7pPr>
+                        <a:lvl8pPr marL="3429000" indent="-228600" eaLnBrk="0" fontAlgn="base" hangingPunct="0">
+                          <a:spcBef>
+                            <a:spcPct val="20000"/>
+                          </a:spcBef>
+                          <a:spcAft>
+                            <a:spcPct val="0"/>
+                          </a:spcAft>
+                          <a:buChar char="»"/>
+                          <a:defRPr>
+                            <a:solidFill>
+                              <a:schemeClr val="tx1"/>
+                            </a:solidFill>
+                            <a:latin typeface="Times New Roman" panose="02020603050405020304" pitchFamily="18" charset="0"/>
+                            <a:ea typeface="宋体" panose="02010600030101010101" pitchFamily="2" charset="-122"/>
+                            <a:cs typeface="Times New Roman" panose="02020603050405020304" pitchFamily="18" charset="0"/>
+                          </a:defRPr>
+                        </a:lvl8pPr>
+                        <a:lvl9pPr marL="3886200" indent="-228600" eaLnBrk="0" fontAlgn="base" hangingPunct="0">
+                          <a:spcBef>
+                            <a:spcPct val="20000"/>
+                          </a:spcBef>
+                          <a:spcAft>
+                            <a:spcPct val="0"/>
+                          </a:spcAft>
+                          <a:buChar char="»"/>
+                          <a:defRPr>
+                            <a:solidFill>
+                              <a:schemeClr val="tx1"/>
+                            </a:solidFill>
+                            <a:latin typeface="Times New Roman" panose="02020603050405020304" pitchFamily="18" charset="0"/>
+                            <a:ea typeface="宋体" panose="02010600030101010101" pitchFamily="2" charset="-122"/>
+                            <a:cs typeface="Times New Roman" panose="02020603050405020304" pitchFamily="18" charset="0"/>
+                          </a:defRPr>
+                        </a:lvl9pPr>
+                      </a:lstStyle>
+                      <a:p>
+                        <a:pPr algn="r" eaLnBrk="1" hangingPunct="1">
+                          <a:spcBef>
+                            <a:spcPct val="0"/>
+                          </a:spcBef>
+                          <a:buFontTx/>
+                          <a:buNone/>
+                        </a:pPr>
+                        <a:r>
+                          <a:rPr lang="en-US" altLang="zh-CN" sz="2000" dirty="0">
+                            <a:latin typeface="Arial" panose="020B0604020202020204" pitchFamily="34" charset="0"/>
+                            <a:cs typeface="Arial" panose="020B0604020202020204" pitchFamily="34" charset="0"/>
+                          </a:rPr>
+                          <a:t>sw</a:t>
+                        </a:r>
+                        <a:endParaRPr lang="en-US" altLang="zh-CN" sz="2000" dirty="0">
+                          <a:latin typeface="Arial" panose="020B0604020202020204" pitchFamily="34" charset="0"/>
+                          <a:cs typeface="Arial" panose="020B0604020202020204" pitchFamily="34" charset="0"/>
+                        </a:endParaRPr>
+                      </a:p>
+                    </p:txBody>
+                  </p:sp>
+                  <p:sp>
+                    <p:nvSpPr>
+                      <p:cNvPr id="12" name="矩形 1"/>
+                      <p:cNvSpPr>
+                        <a:spLocks noChangeArrowheads="1"/>
+                      </p:cNvSpPr>
+                      <p:nvPr/>
+                    </p:nvSpPr>
+                    <p:spPr bwMode="auto">
+                      <a:xfrm>
+                        <a:off x="6996530" y="4364037"/>
+                        <a:ext cx="694629" cy="1274763"/>
+                      </a:xfrm>
+                      <a:prstGeom prst="rect">
+                        <a:avLst/>
+                      </a:prstGeom>
+                      <a:noFill/>
+                      <a:ln w="28575" algn="ctr">
+                        <a:solidFill>
+                          <a:schemeClr val="tx1"/>
+                        </a:solidFill>
+                        <a:round/>
+                      </a:ln>
+                      <a:extLst>
+                        <a:ext uri="{909E8E84-426E-40DD-AFC4-6F175D3DCCD1}">
+                          <a14:hiddenFill xmlns:a14="http://schemas.microsoft.com/office/drawing/2010/main">
+                            <a:solidFill>
+                              <a:srgbClr val="FFFFFF"/>
+                            </a:solidFill>
+                          </a14:hiddenFill>
+                        </a:ext>
+                      </a:extLst>
+                    </p:spPr>
+                    <p:txBody>
+                      <a:bodyPr/>
+                      <a:lstStyle>
+                        <a:lvl1pPr>
+                          <a:spcBef>
+                            <a:spcPct val="20000"/>
+                          </a:spcBef>
+                          <a:buChar char="•"/>
+                          <a:defRPr sz="2800">
+                            <a:solidFill>
+                              <a:schemeClr val="tx1"/>
+                            </a:solidFill>
+                            <a:latin typeface="Times New Roman" panose="02020603050405020304" pitchFamily="18" charset="0"/>
+                            <a:ea typeface="宋体" panose="02010600030101010101" pitchFamily="2" charset="-122"/>
+                            <a:cs typeface="Times New Roman" panose="02020603050405020304" pitchFamily="18" charset="0"/>
+                          </a:defRPr>
+                        </a:lvl1pPr>
+                        <a:lvl2pPr marL="742950" indent="-285750">
+                          <a:spcBef>
+                            <a:spcPct val="20000"/>
+                          </a:spcBef>
+                          <a:buChar char="–"/>
+                          <a:defRPr sz="2400">
+                            <a:solidFill>
+                              <a:schemeClr val="tx1"/>
+                            </a:solidFill>
+                            <a:latin typeface="Times New Roman" panose="02020603050405020304" pitchFamily="18" charset="0"/>
+                            <a:ea typeface="宋体" panose="02010600030101010101" pitchFamily="2" charset="-122"/>
+                            <a:cs typeface="Times New Roman" panose="02020603050405020304" pitchFamily="18" charset="0"/>
+                          </a:defRPr>
+                        </a:lvl2pPr>
+                        <a:lvl3pPr marL="1143000" indent="-228600">
+                          <a:spcBef>
+                            <a:spcPct val="20000"/>
+                          </a:spcBef>
+                          <a:buChar char="•"/>
+                          <a:defRPr sz="2000">
+                            <a:solidFill>
+                              <a:schemeClr val="tx1"/>
+                            </a:solidFill>
+                            <a:latin typeface="Times New Roman" panose="02020603050405020304" pitchFamily="18" charset="0"/>
+                            <a:ea typeface="宋体" panose="02010600030101010101" pitchFamily="2" charset="-122"/>
+                            <a:cs typeface="Times New Roman" panose="02020603050405020304" pitchFamily="18" charset="0"/>
+                          </a:defRPr>
+                        </a:lvl3pPr>
+                        <a:lvl4pPr marL="1600200" indent="-228600">
+                          <a:spcBef>
+                            <a:spcPct val="20000"/>
+                          </a:spcBef>
+                          <a:buChar char="–"/>
+                          <a:defRPr>
+                            <a:solidFill>
+                              <a:schemeClr val="tx1"/>
+                            </a:solidFill>
+                            <a:latin typeface="Times New Roman" panose="02020603050405020304" pitchFamily="18" charset="0"/>
+                            <a:ea typeface="宋体" panose="02010600030101010101" pitchFamily="2" charset="-122"/>
+                            <a:cs typeface="Times New Roman" panose="02020603050405020304" pitchFamily="18" charset="0"/>
+                          </a:defRPr>
+                        </a:lvl4pPr>
+                        <a:lvl5pPr marL="2057400" indent="-228600">
+                          <a:spcBef>
+                            <a:spcPct val="20000"/>
+                          </a:spcBef>
+                          <a:buChar char="»"/>
+                          <a:defRPr>
+                            <a:solidFill>
+                              <a:schemeClr val="tx1"/>
+                            </a:solidFill>
+                            <a:latin typeface="Times New Roman" panose="02020603050405020304" pitchFamily="18" charset="0"/>
+                            <a:ea typeface="宋体" panose="02010600030101010101" pitchFamily="2" charset="-122"/>
+                            <a:cs typeface="Times New Roman" panose="02020603050405020304" pitchFamily="18" charset="0"/>
+                          </a:defRPr>
+                        </a:lvl5pPr>
+                        <a:lvl6pPr marL="2514600" indent="-228600" eaLnBrk="0" fontAlgn="base" hangingPunct="0">
+                          <a:spcBef>
+                            <a:spcPct val="20000"/>
+                          </a:spcBef>
+                          <a:spcAft>
+                            <a:spcPct val="0"/>
+                          </a:spcAft>
+                          <a:buChar char="»"/>
+                          <a:defRPr>
+                            <a:solidFill>
+                              <a:schemeClr val="tx1"/>
+                            </a:solidFill>
+                            <a:latin typeface="Times New Roman" panose="02020603050405020304" pitchFamily="18" charset="0"/>
+                            <a:ea typeface="宋体" panose="02010600030101010101" pitchFamily="2" charset="-122"/>
+                            <a:cs typeface="Times New Roman" panose="02020603050405020304" pitchFamily="18" charset="0"/>
+                          </a:defRPr>
+                        </a:lvl6pPr>
+                        <a:lvl7pPr marL="2971800" indent="-228600" eaLnBrk="0" fontAlgn="base" hangingPunct="0">
+                          <a:spcBef>
+                            <a:spcPct val="20000"/>
+                          </a:spcBef>
+                          <a:spcAft>
+                            <a:spcPct val="0"/>
+                          </a:spcAft>
+                          <a:buChar char="»"/>
+                          <a:defRPr>
+                            <a:solidFill>
+                              <a:schemeClr val="tx1"/>
+                            </a:solidFill>
+                            <a:latin typeface="Times New Roman" panose="02020603050405020304" pitchFamily="18" charset="0"/>
+                            <a:ea typeface="宋体" panose="02010600030101010101" pitchFamily="2" charset="-122"/>
+                            <a:cs typeface="Times New Roman" panose="02020603050405020304" pitchFamily="18" charset="0"/>
+                          </a:defRPr>
+                        </a:lvl7pPr>
+                        <a:lvl8pPr marL="3429000" indent="-228600" eaLnBrk="0" fontAlgn="base" hangingPunct="0">
+                          <a:spcBef>
+                            <a:spcPct val="20000"/>
+                          </a:spcBef>
+                          <a:spcAft>
+                            <a:spcPct val="0"/>
+                          </a:spcAft>
+                          <a:buChar char="»"/>
+                          <a:defRPr>
+                            <a:solidFill>
+                              <a:schemeClr val="tx1"/>
+                            </a:solidFill>
+                            <a:latin typeface="Times New Roman" panose="02020603050405020304" pitchFamily="18" charset="0"/>
+                            <a:ea typeface="宋体" panose="02010600030101010101" pitchFamily="2" charset="-122"/>
+                            <a:cs typeface="Times New Roman" panose="02020603050405020304" pitchFamily="18" charset="0"/>
+                          </a:defRPr>
+                        </a:lvl8pPr>
+                        <a:lvl9pPr marL="3886200" indent="-228600" eaLnBrk="0" fontAlgn="base" hangingPunct="0">
+                          <a:spcBef>
+                            <a:spcPct val="20000"/>
+                          </a:spcBef>
+                          <a:spcAft>
+                            <a:spcPct val="0"/>
+                          </a:spcAft>
+                          <a:buChar char="»"/>
+                          <a:defRPr>
+                            <a:solidFill>
+                              <a:schemeClr val="tx1"/>
+                            </a:solidFill>
+                            <a:latin typeface="Times New Roman" panose="02020603050405020304" pitchFamily="18" charset="0"/>
+                            <a:ea typeface="宋体" panose="02010600030101010101" pitchFamily="2" charset="-122"/>
+                            <a:cs typeface="Times New Roman" panose="02020603050405020304" pitchFamily="18" charset="0"/>
+                          </a:defRPr>
+                        </a:lvl9pPr>
+                      </a:lstStyle>
+                      <a:p>
+                        <a:pPr>
+                          <a:spcBef>
+                            <a:spcPct val="0"/>
+                          </a:spcBef>
+                          <a:buFontTx/>
+                          <a:buNone/>
+                        </a:pPr>
+                        <a:endParaRPr lang="zh-CN" altLang="en-US" sz="2000">
+                          <a:latin typeface="Arial" panose="020B0604020202020204" pitchFamily="34" charset="0"/>
+                        </a:endParaRPr>
+                      </a:p>
+                    </p:txBody>
+                  </p:sp>
+                  <p:sp>
+                    <p:nvSpPr>
+                      <p:cNvPr id="13" name="文本框 12"/>
+                      <p:cNvSpPr txBox="1"/>
+                      <p:nvPr/>
+                    </p:nvSpPr>
+                    <p:spPr bwMode="auto">
+                      <a:xfrm rot="5400000">
+                        <a:off x="7139551" y="4727785"/>
+                        <a:ext cx="405112" cy="561552"/>
+                      </a:xfrm>
+                      <a:prstGeom prst="rect">
+                        <a:avLst/>
+                      </a:prstGeom>
+                      <a:noFill/>
+                    </p:spPr>
+                    <p:txBody>
+                      <a:bodyPr vert="vert270" wrap="none">
+                        <a:spAutoFit/>
+                      </a:bodyPr>
+                      <a:lstStyle/>
+                      <a:p>
+                        <a:pPr eaLnBrk="1" hangingPunct="1">
+                          <a:defRPr/>
+                        </a:pPr>
+                        <a:r>
+                          <a:rPr lang="en-US" altLang="zh-CN" dirty="0"/>
+                          <a:t>IOU</a:t>
+                        </a:r>
+                        <a:endParaRPr lang="en-US" altLang="zh-CN" dirty="0"/>
+                      </a:p>
+                    </p:txBody>
+                  </p:sp>
+                  <p:sp>
+                    <p:nvSpPr>
+                      <p:cNvPr id="15" name="TextBox 34"/>
+                      <p:cNvSpPr txBox="1">
+                        <a:spLocks noChangeArrowheads="1"/>
+                      </p:cNvSpPr>
+                      <p:nvPr/>
+                    </p:nvSpPr>
+                    <p:spPr bwMode="auto">
+                      <a:xfrm>
+                        <a:off x="6010786" y="4805647"/>
+                        <a:ext cx="370450" cy="324137"/>
+                      </a:xfrm>
+                      <a:prstGeom prst="rect">
+                        <a:avLst/>
+                      </a:prstGeom>
+                      <a:noFill/>
+                      <a:ln>
+                        <a:noFill/>
+                      </a:ln>
+                      <a:extLst>
+                        <a:ext uri="{909E8E84-426E-40DD-AFC4-6F175D3DCCD1}">
+                          <a14:hiddenFill xmlns:a14="http://schemas.microsoft.com/office/drawing/2010/main">
+                            <a:solidFill>
+                              <a:srgbClr val="FFFFFF"/>
+                            </a:solidFill>
+                          </a14:hiddenFill>
+                        </a:ext>
+                        <a:ext uri="{91240B29-F687-4F45-9708-019B960494DF}">
+                          <a14:hiddenLine xmlns:a14="http://schemas.microsoft.com/office/drawing/2010/main" w="9525">
+                            <a:solidFill>
+                              <a:srgbClr val="000000"/>
+                            </a:solidFill>
+                            <a:miter lim="800000"/>
+                            <a:headEnd/>
+                            <a:tailEnd/>
+                          </a14:hiddenLine>
+                        </a:ext>
+                      </a:extLst>
+                    </p:spPr>
+                    <p:txBody>
+                      <a:bodyPr wrap="none" lIns="0" tIns="0" rIns="0" bIns="0" anchor="ctr" anchorCtr="1"/>
+                      <a:lstStyle>
+                        <a:lvl1pPr>
+                          <a:spcBef>
+                            <a:spcPct val="20000"/>
+                          </a:spcBef>
+                          <a:buChar char="•"/>
+                          <a:defRPr sz="2800">
+                            <a:solidFill>
+                              <a:schemeClr val="tx1"/>
+                            </a:solidFill>
+                            <a:latin typeface="Times New Roman" panose="02020603050405020304" pitchFamily="18" charset="0"/>
+                            <a:ea typeface="宋体" panose="02010600030101010101" pitchFamily="2" charset="-122"/>
+                            <a:cs typeface="Times New Roman" panose="02020603050405020304" pitchFamily="18" charset="0"/>
+                          </a:defRPr>
+                        </a:lvl1pPr>
+                        <a:lvl2pPr marL="742950" indent="-285750">
+                          <a:spcBef>
+                            <a:spcPct val="20000"/>
+                          </a:spcBef>
+                          <a:buChar char="–"/>
+                          <a:defRPr sz="2400">
+                            <a:solidFill>
+                              <a:schemeClr val="tx1"/>
+                            </a:solidFill>
+                            <a:latin typeface="Times New Roman" panose="02020603050405020304" pitchFamily="18" charset="0"/>
+                            <a:ea typeface="宋体" panose="02010600030101010101" pitchFamily="2" charset="-122"/>
+                            <a:cs typeface="Times New Roman" panose="02020603050405020304" pitchFamily="18" charset="0"/>
+                          </a:defRPr>
+                        </a:lvl2pPr>
+                        <a:lvl3pPr marL="1143000" indent="-228600">
+                          <a:spcBef>
+                            <a:spcPct val="20000"/>
+                          </a:spcBef>
+                          <a:buChar char="•"/>
+                          <a:defRPr sz="2000">
+                            <a:solidFill>
+                              <a:schemeClr val="tx1"/>
+                            </a:solidFill>
+                            <a:latin typeface="Times New Roman" panose="02020603050405020304" pitchFamily="18" charset="0"/>
+                            <a:ea typeface="宋体" panose="02010600030101010101" pitchFamily="2" charset="-122"/>
+                            <a:cs typeface="Times New Roman" panose="02020603050405020304" pitchFamily="18" charset="0"/>
+                          </a:defRPr>
+                        </a:lvl3pPr>
+                        <a:lvl4pPr marL="1600200" indent="-228600">
+                          <a:spcBef>
+                            <a:spcPct val="20000"/>
+                          </a:spcBef>
+                          <a:buChar char="–"/>
+                          <a:defRPr>
+                            <a:solidFill>
+                              <a:schemeClr val="tx1"/>
+                            </a:solidFill>
+                            <a:latin typeface="Times New Roman" panose="02020603050405020304" pitchFamily="18" charset="0"/>
+                            <a:ea typeface="宋体" panose="02010600030101010101" pitchFamily="2" charset="-122"/>
+                            <a:cs typeface="Times New Roman" panose="02020603050405020304" pitchFamily="18" charset="0"/>
+                          </a:defRPr>
+                        </a:lvl4pPr>
+                        <a:lvl5pPr marL="2057400" indent="-228600">
+                          <a:spcBef>
+                            <a:spcPct val="20000"/>
+                          </a:spcBef>
+                          <a:buChar char="»"/>
+                          <a:defRPr>
+                            <a:solidFill>
+                              <a:schemeClr val="tx1"/>
+                            </a:solidFill>
+                            <a:latin typeface="Times New Roman" panose="02020603050405020304" pitchFamily="18" charset="0"/>
+                            <a:ea typeface="宋体" panose="02010600030101010101" pitchFamily="2" charset="-122"/>
+                            <a:cs typeface="Times New Roman" panose="02020603050405020304" pitchFamily="18" charset="0"/>
+                          </a:defRPr>
+                        </a:lvl5pPr>
+                        <a:lvl6pPr marL="2514600" indent="-228600" eaLnBrk="0" fontAlgn="base" hangingPunct="0">
+                          <a:spcBef>
+                            <a:spcPct val="20000"/>
+                          </a:spcBef>
+                          <a:spcAft>
+                            <a:spcPct val="0"/>
+                          </a:spcAft>
+                          <a:buChar char="»"/>
+                          <a:defRPr>
+                            <a:solidFill>
+                              <a:schemeClr val="tx1"/>
+                            </a:solidFill>
+                            <a:latin typeface="Times New Roman" panose="02020603050405020304" pitchFamily="18" charset="0"/>
+                            <a:ea typeface="宋体" panose="02010600030101010101" pitchFamily="2" charset="-122"/>
+                            <a:cs typeface="Times New Roman" panose="02020603050405020304" pitchFamily="18" charset="0"/>
+                          </a:defRPr>
+                        </a:lvl6pPr>
+                        <a:lvl7pPr marL="2971800" indent="-228600" eaLnBrk="0" fontAlgn="base" hangingPunct="0">
+                          <a:spcBef>
+                            <a:spcPct val="20000"/>
+                          </a:spcBef>
+                          <a:spcAft>
+                            <a:spcPct val="0"/>
+                          </a:spcAft>
+                          <a:buChar char="»"/>
+                          <a:defRPr>
+                            <a:solidFill>
+                              <a:schemeClr val="tx1"/>
+                            </a:solidFill>
+                            <a:latin typeface="Times New Roman" panose="02020603050405020304" pitchFamily="18" charset="0"/>
+                            <a:ea typeface="宋体" panose="02010600030101010101" pitchFamily="2" charset="-122"/>
+                            <a:cs typeface="Times New Roman" panose="02020603050405020304" pitchFamily="18" charset="0"/>
+                          </a:defRPr>
+                        </a:lvl7pPr>
+                        <a:lvl8pPr marL="3429000" indent="-228600" eaLnBrk="0" fontAlgn="base" hangingPunct="0">
+                          <a:spcBef>
+                            <a:spcPct val="20000"/>
+                          </a:spcBef>
+                          <a:spcAft>
+                            <a:spcPct val="0"/>
+                          </a:spcAft>
+                          <a:buChar char="»"/>
+                          <a:defRPr>
+                            <a:solidFill>
+                              <a:schemeClr val="tx1"/>
+                            </a:solidFill>
+                            <a:latin typeface="Times New Roman" panose="02020603050405020304" pitchFamily="18" charset="0"/>
+                            <a:ea typeface="宋体" panose="02010600030101010101" pitchFamily="2" charset="-122"/>
+                            <a:cs typeface="Times New Roman" panose="02020603050405020304" pitchFamily="18" charset="0"/>
+                          </a:defRPr>
+                        </a:lvl8pPr>
+                        <a:lvl9pPr marL="3886200" indent="-228600" eaLnBrk="0" fontAlgn="base" hangingPunct="0">
+                          <a:spcBef>
+                            <a:spcPct val="20000"/>
+                          </a:spcBef>
+                          <a:spcAft>
+                            <a:spcPct val="0"/>
+                          </a:spcAft>
+                          <a:buChar char="»"/>
+                          <a:defRPr>
+                            <a:solidFill>
+                              <a:schemeClr val="tx1"/>
+                            </a:solidFill>
+                            <a:latin typeface="Times New Roman" panose="02020603050405020304" pitchFamily="18" charset="0"/>
+                            <a:ea typeface="宋体" panose="02010600030101010101" pitchFamily="2" charset="-122"/>
+                            <a:cs typeface="Times New Roman" panose="02020603050405020304" pitchFamily="18" charset="0"/>
+                          </a:defRPr>
+                        </a:lvl9pPr>
+                      </a:lstStyle>
+                      <a:p>
+                        <a:pPr eaLnBrk="1" hangingPunct="1">
+                          <a:spcBef>
+                            <a:spcPct val="0"/>
+                          </a:spcBef>
+                          <a:buFontTx/>
+                          <a:buNone/>
+                        </a:pPr>
+                        <a:r>
+                          <a:rPr lang="en-US" altLang="zh-CN" sz="2000">
+                            <a:latin typeface="Arial" panose="020B0604020202020204" pitchFamily="34" charset="0"/>
+                            <a:cs typeface="Arial" panose="020B0604020202020204" pitchFamily="34" charset="0"/>
+                          </a:rPr>
+                          <a:t>rstn</a:t>
+                        </a:r>
+                        <a:endParaRPr lang="en-US" altLang="zh-CN" sz="2000">
+                          <a:latin typeface="Arial" panose="020B0604020202020204" pitchFamily="34" charset="0"/>
+                          <a:cs typeface="Arial" panose="020B0604020202020204" pitchFamily="34" charset="0"/>
+                        </a:endParaRPr>
+                      </a:p>
+                    </p:txBody>
+                  </p:sp>
+                </p:grpSp>
+                <p:cxnSp>
+                  <p:nvCxnSpPr>
+                    <p:cNvPr id="16" name="直接连接符 15"/>
+                    <p:cNvCxnSpPr/>
+                    <p:nvPr/>
+                  </p:nvCxnSpPr>
+                  <p:spPr bwMode="auto">
+                    <a:xfrm>
+                      <a:off x="5953" y="4436"/>
+                      <a:ext cx="698" cy="0"/>
+                    </a:xfrm>
+                    <a:prstGeom prst="line">
+                      <a:avLst/>
+                    </a:prstGeom>
+                    <a:ln w="28575">
+                      <a:solidFill>
+                        <a:schemeClr val="tx1"/>
+                      </a:solidFill>
+                    </a:ln>
+                  </p:spPr>
+                  <p:style>
+                    <a:lnRef idx="1">
+                      <a:schemeClr val="accent1"/>
+                    </a:lnRef>
+                    <a:fillRef idx="0">
+                      <a:schemeClr val="accent1"/>
+                    </a:fillRef>
+                    <a:effectRef idx="0">
+                      <a:schemeClr val="accent1"/>
+                    </a:effectRef>
+                    <a:fontRef idx="minor">
+                      <a:schemeClr val="tx1"/>
+                    </a:fontRef>
+                  </p:style>
+                </p:cxnSp>
+                <p:sp>
+                  <p:nvSpPr>
+                    <p:cNvPr id="17" name="TextBox 34"/>
+                    <p:cNvSpPr txBox="1">
+                      <a:spLocks noChangeArrowheads="1"/>
+                    </p:cNvSpPr>
+                    <p:nvPr/>
+                  </p:nvSpPr>
+                  <p:spPr bwMode="auto">
+                    <a:xfrm>
+                      <a:off x="6664" y="4132"/>
+                      <a:ext cx="1567" cy="579"/>
+                    </a:xfrm>
+                    <a:prstGeom prst="rect">
+                      <a:avLst/>
+                    </a:prstGeom>
+                    <a:noFill/>
+                    <a:ln>
+                      <a:noFill/>
+                    </a:ln>
+                    <a:extLst>
+                      <a:ext uri="{909E8E84-426E-40DD-AFC4-6F175D3DCCD1}">
+                        <a14:hiddenFill xmlns:a14="http://schemas.microsoft.com/office/drawing/2010/main">
+                          <a:solidFill>
+                            <a:srgbClr val="FFFFFF"/>
+                          </a:solidFill>
+                        </a14:hiddenFill>
+                      </a:ext>
+                      <a:ext uri="{91240B29-F687-4F45-9708-019B960494DF}">
+                        <a14:hiddenLine xmlns:a14="http://schemas.microsoft.com/office/drawing/2010/main" w="9525">
+                          <a:solidFill>
+                            <a:srgbClr val="000000"/>
+                          </a:solidFill>
+                          <a:miter lim="800000"/>
+                          <a:headEnd/>
+                          <a:tailEnd/>
+                        </a14:hiddenLine>
+                      </a:ext>
+                    </a:extLst>
+                  </p:spPr>
+                  <p:txBody>
+                    <a:bodyPr wrap="none" lIns="0" tIns="0" rIns="0" bIns="0" anchor="ctr" anchorCtr="1"/>
+                    <a:lstStyle>
+                      <a:lvl1pPr>
+                        <a:spcBef>
+                          <a:spcPct val="20000"/>
+                        </a:spcBef>
+                        <a:buChar char="•"/>
+                        <a:defRPr sz="2800">
+                          <a:solidFill>
+                            <a:schemeClr val="tx1"/>
+                          </a:solidFill>
+                          <a:latin typeface="Times New Roman" panose="02020603050405020304" pitchFamily="18" charset="0"/>
+                          <a:ea typeface="宋体" panose="02010600030101010101" pitchFamily="2" charset="-122"/>
+                          <a:cs typeface="Times New Roman" panose="02020603050405020304" pitchFamily="18" charset="0"/>
+                        </a:defRPr>
+                      </a:lvl1pPr>
+                      <a:lvl2pPr marL="742950" indent="-285750">
+                        <a:spcBef>
+                          <a:spcPct val="20000"/>
+                        </a:spcBef>
+                        <a:buChar char="–"/>
+                        <a:defRPr sz="2400">
+                          <a:solidFill>
+                            <a:schemeClr val="tx1"/>
+                          </a:solidFill>
+                          <a:latin typeface="Times New Roman" panose="02020603050405020304" pitchFamily="18" charset="0"/>
+                          <a:ea typeface="宋体" panose="02010600030101010101" pitchFamily="2" charset="-122"/>
+                          <a:cs typeface="Times New Roman" panose="02020603050405020304" pitchFamily="18" charset="0"/>
+                        </a:defRPr>
+                      </a:lvl2pPr>
+                      <a:lvl3pPr marL="1143000" indent="-228600">
+                        <a:spcBef>
+                          <a:spcPct val="20000"/>
+                        </a:spcBef>
+                        <a:buChar char="•"/>
+                        <a:defRPr sz="2000">
+                          <a:solidFill>
+                            <a:schemeClr val="tx1"/>
+                          </a:solidFill>
+                          <a:latin typeface="Times New Roman" panose="02020603050405020304" pitchFamily="18" charset="0"/>
+                          <a:ea typeface="宋体" panose="02010600030101010101" pitchFamily="2" charset="-122"/>
+                          <a:cs typeface="Times New Roman" panose="02020603050405020304" pitchFamily="18" charset="0"/>
+                        </a:defRPr>
+                      </a:lvl3pPr>
+                      <a:lvl4pPr marL="1600200" indent="-228600">
+                        <a:spcBef>
+                          <a:spcPct val="20000"/>
+                        </a:spcBef>
+                        <a:buChar char="–"/>
+                        <a:defRPr>
+                          <a:solidFill>
+                            <a:schemeClr val="tx1"/>
+                          </a:solidFill>
+                          <a:latin typeface="Times New Roman" panose="02020603050405020304" pitchFamily="18" charset="0"/>
+                          <a:ea typeface="宋体" panose="02010600030101010101" pitchFamily="2" charset="-122"/>
+                          <a:cs typeface="Times New Roman" panose="02020603050405020304" pitchFamily="18" charset="0"/>
+                        </a:defRPr>
+                      </a:lvl4pPr>
+                      <a:lvl5pPr marL="2057400" indent="-228600">
+                        <a:spcBef>
+                          <a:spcPct val="20000"/>
+                        </a:spcBef>
+                        <a:buChar char="»"/>
+                        <a:defRPr>
+                          <a:solidFill>
+                            <a:schemeClr val="tx1"/>
+                          </a:solidFill>
+                          <a:latin typeface="Times New Roman" panose="02020603050405020304" pitchFamily="18" charset="0"/>
+                          <a:ea typeface="宋体" panose="02010600030101010101" pitchFamily="2" charset="-122"/>
+                          <a:cs typeface="Times New Roman" panose="02020603050405020304" pitchFamily="18" charset="0"/>
+                        </a:defRPr>
+                      </a:lvl5pPr>
+                      <a:lvl6pPr marL="2514600" indent="-228600" eaLnBrk="0" fontAlgn="base" hangingPunct="0">
+                        <a:spcBef>
+                          <a:spcPct val="20000"/>
+                        </a:spcBef>
+                        <a:spcAft>
+                          <a:spcPct val="0"/>
+                        </a:spcAft>
+                        <a:buChar char="»"/>
+                        <a:defRPr>
+                          <a:solidFill>
+                            <a:schemeClr val="tx1"/>
+                          </a:solidFill>
+                          <a:latin typeface="Times New Roman" panose="02020603050405020304" pitchFamily="18" charset="0"/>
+                          <a:ea typeface="宋体" panose="02010600030101010101" pitchFamily="2" charset="-122"/>
+                          <a:cs typeface="Times New Roman" panose="02020603050405020304" pitchFamily="18" charset="0"/>
+                        </a:defRPr>
+                      </a:lvl6pPr>
+                      <a:lvl7pPr marL="2971800" indent="-228600" eaLnBrk="0" fontAlgn="base" hangingPunct="0">
+                        <a:spcBef>
+                          <a:spcPct val="20000"/>
+                        </a:spcBef>
+                        <a:spcAft>
+                          <a:spcPct val="0"/>
+                        </a:spcAft>
+                        <a:buChar char="»"/>
+                        <a:defRPr>
+                          <a:solidFill>
+                            <a:schemeClr val="tx1"/>
+                          </a:solidFill>
+                          <a:latin typeface="Times New Roman" panose="02020603050405020304" pitchFamily="18" charset="0"/>
+                          <a:ea typeface="宋体" panose="02010600030101010101" pitchFamily="2" charset="-122"/>
+                          <a:cs typeface="Times New Roman" panose="02020603050405020304" pitchFamily="18" charset="0"/>
+                        </a:defRPr>
+                      </a:lvl7pPr>
+                      <a:lvl8pPr marL="3429000" indent="-228600" eaLnBrk="0" fontAlgn="base" hangingPunct="0">
+                        <a:spcBef>
+                          <a:spcPct val="20000"/>
+                        </a:spcBef>
+                        <a:spcAft>
+                          <a:spcPct val="0"/>
+                        </a:spcAft>
+                        <a:buChar char="»"/>
+                        <a:defRPr>
+                          <a:solidFill>
+                            <a:schemeClr val="tx1"/>
+                          </a:solidFill>
+                          <a:latin typeface="Times New Roman" panose="02020603050405020304" pitchFamily="18" charset="0"/>
+                          <a:ea typeface="宋体" panose="02010600030101010101" pitchFamily="2" charset="-122"/>
+                          <a:cs typeface="Times New Roman" panose="02020603050405020304" pitchFamily="18" charset="0"/>
+                        </a:defRPr>
+                      </a:lvl8pPr>
+                      <a:lvl9pPr marL="3886200" indent="-228600" eaLnBrk="0" fontAlgn="base" hangingPunct="0">
+                        <a:spcBef>
+                          <a:spcPct val="20000"/>
+                        </a:spcBef>
+                        <a:spcAft>
+                          <a:spcPct val="0"/>
+                        </a:spcAft>
+                        <a:buChar char="»"/>
+                        <a:defRPr>
+                          <a:solidFill>
+                            <a:schemeClr val="tx1"/>
+                          </a:solidFill>
+                          <a:latin typeface="Times New Roman" panose="02020603050405020304" pitchFamily="18" charset="0"/>
+                          <a:ea typeface="宋体" panose="02010600030101010101" pitchFamily="2" charset="-122"/>
+                          <a:cs typeface="Times New Roman" panose="02020603050405020304" pitchFamily="18" charset="0"/>
+                        </a:defRPr>
+                      </a:lvl9pPr>
+                    </a:lstStyle>
+                    <a:p>
+                      <a:pPr eaLnBrk="1" hangingPunct="1">
+                        <a:spcBef>
+                          <a:spcPct val="0"/>
+                        </a:spcBef>
+                        <a:buFontTx/>
+                        <a:buNone/>
+                      </a:pPr>
+                      <a:r>
+                        <a:rPr lang="en-US" altLang="zh-CN" sz="2000">
+                          <a:latin typeface="Arial" panose="020B0604020202020204" pitchFamily="34" charset="0"/>
+                          <a:cs typeface="Arial" panose="020B0604020202020204" pitchFamily="34" charset="0"/>
+                        </a:rPr>
+                        <a:t>seg_an</a:t>
+                      </a:r>
+                      <a:endParaRPr lang="en-US" altLang="zh-CN" sz="2000">
+                        <a:latin typeface="Arial" panose="020B0604020202020204" pitchFamily="34" charset="0"/>
+                        <a:cs typeface="Arial" panose="020B0604020202020204" pitchFamily="34" charset="0"/>
+                      </a:endParaRPr>
+                    </a:p>
+                  </p:txBody>
+                </p:sp>
+                <p:cxnSp>
+                  <p:nvCxnSpPr>
+                    <p:cNvPr id="18" name="直接连接符 17"/>
+                    <p:cNvCxnSpPr/>
+                    <p:nvPr/>
+                  </p:nvCxnSpPr>
+                  <p:spPr bwMode="auto">
+                    <a:xfrm>
+                      <a:off x="5960" y="5173"/>
+                      <a:ext cx="698" cy="0"/>
+                    </a:xfrm>
+                    <a:prstGeom prst="line">
+                      <a:avLst/>
+                    </a:prstGeom>
+                    <a:ln w="28575">
+                      <a:solidFill>
+                        <a:schemeClr val="tx1"/>
+                      </a:solidFill>
+                    </a:ln>
+                  </p:spPr>
+                  <p:style>
+                    <a:lnRef idx="1">
+                      <a:schemeClr val="accent1"/>
+                    </a:lnRef>
+                    <a:fillRef idx="0">
+                      <a:schemeClr val="accent1"/>
+                    </a:fillRef>
+                    <a:effectRef idx="0">
+                      <a:schemeClr val="accent1"/>
+                    </a:effectRef>
+                    <a:fontRef idx="minor">
+                      <a:schemeClr val="tx1"/>
+                    </a:fontRef>
+                  </p:style>
+                </p:cxnSp>
+                <p:sp>
+                  <p:nvSpPr>
+                    <p:cNvPr id="19" name="TextBox 34"/>
+                    <p:cNvSpPr txBox="1">
+                      <a:spLocks noChangeArrowheads="1"/>
+                    </p:cNvSpPr>
+                    <p:nvPr/>
+                  </p:nvSpPr>
+                  <p:spPr bwMode="auto">
+                    <a:xfrm>
+                      <a:off x="6577" y="4833"/>
+                      <a:ext cx="2087" cy="579"/>
+                    </a:xfrm>
+                    <a:prstGeom prst="rect">
+                      <a:avLst/>
+                    </a:prstGeom>
+                    <a:noFill/>
+                    <a:ln>
+                      <a:noFill/>
+                    </a:ln>
+                    <a:extLst>
+                      <a:ext uri="{909E8E84-426E-40DD-AFC4-6F175D3DCCD1}">
+                        <a14:hiddenFill xmlns:a14="http://schemas.microsoft.com/office/drawing/2010/main">
+                          <a:solidFill>
+                            <a:srgbClr val="FFFFFF"/>
+                          </a:solidFill>
+                        </a14:hiddenFill>
+                      </a:ext>
+                      <a:ext uri="{91240B29-F687-4F45-9708-019B960494DF}">
+                        <a14:hiddenLine xmlns:a14="http://schemas.microsoft.com/office/drawing/2010/main" w="9525">
+                          <a:solidFill>
+                            <a:srgbClr val="000000"/>
+                          </a:solidFill>
+                          <a:miter lim="800000"/>
+                          <a:headEnd/>
+                          <a:tailEnd/>
+                        </a14:hiddenLine>
+                      </a:ext>
+                    </a:extLst>
+                  </p:spPr>
+                  <p:txBody>
+                    <a:bodyPr wrap="none" lIns="0" tIns="0" rIns="0" bIns="0" anchor="ctr" anchorCtr="1"/>
+                    <a:lstStyle>
+                      <a:lvl1pPr>
+                        <a:spcBef>
+                          <a:spcPct val="20000"/>
+                        </a:spcBef>
+                        <a:buChar char="•"/>
+                        <a:defRPr sz="2800">
+                          <a:solidFill>
+                            <a:schemeClr val="tx1"/>
+                          </a:solidFill>
+                          <a:latin typeface="Times New Roman" panose="02020603050405020304" pitchFamily="18" charset="0"/>
+                          <a:ea typeface="宋体" panose="02010600030101010101" pitchFamily="2" charset="-122"/>
+                          <a:cs typeface="Times New Roman" panose="02020603050405020304" pitchFamily="18" charset="0"/>
+                        </a:defRPr>
+                      </a:lvl1pPr>
+                      <a:lvl2pPr marL="742950" indent="-285750">
+                        <a:spcBef>
+                          <a:spcPct val="20000"/>
+                        </a:spcBef>
+                        <a:buChar char="–"/>
+                        <a:defRPr sz="2400">
+                          <a:solidFill>
+                            <a:schemeClr val="tx1"/>
+                          </a:solidFill>
+                          <a:latin typeface="Times New Roman" panose="02020603050405020304" pitchFamily="18" charset="0"/>
+                          <a:ea typeface="宋体" panose="02010600030101010101" pitchFamily="2" charset="-122"/>
+                          <a:cs typeface="Times New Roman" panose="02020603050405020304" pitchFamily="18" charset="0"/>
+                        </a:defRPr>
+                      </a:lvl2pPr>
+                      <a:lvl3pPr marL="1143000" indent="-228600">
+                        <a:spcBef>
+                          <a:spcPct val="20000"/>
+                        </a:spcBef>
+                        <a:buChar char="•"/>
+                        <a:defRPr sz="2000">
+                          <a:solidFill>
+                            <a:schemeClr val="tx1"/>
+                          </a:solidFill>
+                          <a:latin typeface="Times New Roman" panose="02020603050405020304" pitchFamily="18" charset="0"/>
+                          <a:ea typeface="宋体" panose="02010600030101010101" pitchFamily="2" charset="-122"/>
+                          <a:cs typeface="Times New Roman" panose="02020603050405020304" pitchFamily="18" charset="0"/>
+                        </a:defRPr>
+                      </a:lvl3pPr>
+                      <a:lvl4pPr marL="1600200" indent="-228600">
+                        <a:spcBef>
+                          <a:spcPct val="20000"/>
+                        </a:spcBef>
+                        <a:buChar char="–"/>
+                        <a:defRPr>
+                          <a:solidFill>
+                            <a:schemeClr val="tx1"/>
+                          </a:solidFill>
+                          <a:latin typeface="Times New Roman" panose="02020603050405020304" pitchFamily="18" charset="0"/>
+                          <a:ea typeface="宋体" panose="02010600030101010101" pitchFamily="2" charset="-122"/>
+                          <a:cs typeface="Times New Roman" panose="02020603050405020304" pitchFamily="18" charset="0"/>
+                        </a:defRPr>
+                      </a:lvl4pPr>
+                      <a:lvl5pPr marL="2057400" indent="-228600">
+                        <a:spcBef>
+                          <a:spcPct val="20000"/>
+                        </a:spcBef>
+                        <a:buChar char="»"/>
+                        <a:defRPr>
+                          <a:solidFill>
+                            <a:schemeClr val="tx1"/>
+                          </a:solidFill>
+                          <a:latin typeface="Times New Roman" panose="02020603050405020304" pitchFamily="18" charset="0"/>
+                          <a:ea typeface="宋体" panose="02010600030101010101" pitchFamily="2" charset="-122"/>
+                          <a:cs typeface="Times New Roman" panose="02020603050405020304" pitchFamily="18" charset="0"/>
+                        </a:defRPr>
+                      </a:lvl5pPr>
+                      <a:lvl6pPr marL="2514600" indent="-228600" eaLnBrk="0" fontAlgn="base" hangingPunct="0">
+                        <a:spcBef>
+                          <a:spcPct val="20000"/>
+                        </a:spcBef>
+                        <a:spcAft>
+                          <a:spcPct val="0"/>
+                        </a:spcAft>
+                        <a:buChar char="»"/>
+                        <a:defRPr>
+                          <a:solidFill>
+                            <a:schemeClr val="tx1"/>
+                          </a:solidFill>
+                          <a:latin typeface="Times New Roman" panose="02020603050405020304" pitchFamily="18" charset="0"/>
+                          <a:ea typeface="宋体" panose="02010600030101010101" pitchFamily="2" charset="-122"/>
+                          <a:cs typeface="Times New Roman" panose="02020603050405020304" pitchFamily="18" charset="0"/>
+                        </a:defRPr>
+                      </a:lvl6pPr>
+                      <a:lvl7pPr marL="2971800" indent="-228600" eaLnBrk="0" fontAlgn="base" hangingPunct="0">
+                        <a:spcBef>
+                          <a:spcPct val="20000"/>
+                        </a:spcBef>
+                        <a:spcAft>
+                          <a:spcPct val="0"/>
+                        </a:spcAft>
+                        <a:buChar char="»"/>
+                        <a:defRPr>
+                          <a:solidFill>
+                            <a:schemeClr val="tx1"/>
+                          </a:solidFill>
+                          <a:latin typeface="Times New Roman" panose="02020603050405020304" pitchFamily="18" charset="0"/>
+                          <a:ea typeface="宋体" panose="02010600030101010101" pitchFamily="2" charset="-122"/>
+                          <a:cs typeface="Times New Roman" panose="02020603050405020304" pitchFamily="18" charset="0"/>
+                        </a:defRPr>
+                      </a:lvl7pPr>
+                      <a:lvl8pPr marL="3429000" indent="-228600" eaLnBrk="0" fontAlgn="base" hangingPunct="0">
+                        <a:spcBef>
+                          <a:spcPct val="20000"/>
+                        </a:spcBef>
+                        <a:spcAft>
+                          <a:spcPct val="0"/>
+                        </a:spcAft>
+                        <a:buChar char="»"/>
+                        <a:defRPr>
+                          <a:solidFill>
+                            <a:schemeClr val="tx1"/>
+                          </a:solidFill>
+                          <a:latin typeface="Times New Roman" panose="02020603050405020304" pitchFamily="18" charset="0"/>
+                          <a:ea typeface="宋体" panose="02010600030101010101" pitchFamily="2" charset="-122"/>
+                          <a:cs typeface="Times New Roman" panose="02020603050405020304" pitchFamily="18" charset="0"/>
+                        </a:defRPr>
+                      </a:lvl8pPr>
+                      <a:lvl9pPr marL="3886200" indent="-228600" eaLnBrk="0" fontAlgn="base" hangingPunct="0">
+                        <a:spcBef>
+                          <a:spcPct val="20000"/>
+                        </a:spcBef>
+                        <a:spcAft>
+                          <a:spcPct val="0"/>
+                        </a:spcAft>
+                        <a:buChar char="»"/>
+                        <a:defRPr>
+                          <a:solidFill>
+                            <a:schemeClr val="tx1"/>
+                          </a:solidFill>
+                          <a:latin typeface="Times New Roman" panose="02020603050405020304" pitchFamily="18" charset="0"/>
+                          <a:ea typeface="宋体" panose="02010600030101010101" pitchFamily="2" charset="-122"/>
+                          <a:cs typeface="Times New Roman" panose="02020603050405020304" pitchFamily="18" charset="0"/>
+                        </a:defRPr>
+                      </a:lvl9pPr>
+                    </a:lstStyle>
+                    <a:p>
+                      <a:pPr eaLnBrk="1" hangingPunct="1">
+                        <a:spcBef>
+                          <a:spcPct val="0"/>
+                        </a:spcBef>
+                        <a:buFontTx/>
+                        <a:buNone/>
+                      </a:pPr>
+                      <a:r>
+                        <a:rPr lang="en-US" altLang="zh-CN" sz="2000">
+                          <a:latin typeface="Arial" panose="020B0604020202020204" pitchFamily="34" charset="0"/>
+                          <a:cs typeface="Arial" panose="020B0604020202020204" pitchFamily="34" charset="0"/>
+                        </a:rPr>
+                        <a:t>seg_data</a:t>
+                      </a:r>
+                      <a:endParaRPr lang="en-US" altLang="zh-CN" sz="2000">
+                        <a:latin typeface="Arial" panose="020B0604020202020204" pitchFamily="34" charset="0"/>
+                        <a:cs typeface="Arial" panose="020B0604020202020204" pitchFamily="34" charset="0"/>
+                      </a:endParaRPr>
+                    </a:p>
+                  </p:txBody>
+                </p:sp>
+              </p:grpSp>
+              <p:cxnSp>
+                <p:nvCxnSpPr>
+                  <p:cNvPr id="21" name="直接连接符 20"/>
+                  <p:cNvCxnSpPr/>
+                  <p:nvPr/>
+                </p:nvCxnSpPr>
+                <p:spPr bwMode="auto">
+                  <a:xfrm>
+                    <a:off x="5331" y="4526"/>
+                    <a:ext cx="698" cy="0"/>
+                  </a:xfrm>
+                  <a:prstGeom prst="line">
+                    <a:avLst/>
+                  </a:prstGeom>
+                  <a:ln w="28575">
+                    <a:solidFill>
+                      <a:schemeClr val="tx1"/>
+                    </a:solidFill>
+                  </a:ln>
+                </p:spPr>
+                <p:style>
+                  <a:lnRef idx="1">
+                    <a:schemeClr val="accent1"/>
+                  </a:lnRef>
+                  <a:fillRef idx="0">
+                    <a:schemeClr val="accent1"/>
+                  </a:fillRef>
+                  <a:effectRef idx="0">
+                    <a:schemeClr val="accent1"/>
+                  </a:effectRef>
+                  <a:fontRef idx="minor">
+                    <a:schemeClr val="tx1"/>
+                  </a:fontRef>
+                </p:style>
+              </p:cxnSp>
+              <p:cxnSp>
+                <p:nvCxnSpPr>
+                  <p:cNvPr id="23" name="直接连接符 22"/>
+                  <p:cNvCxnSpPr/>
+                  <p:nvPr/>
+                </p:nvCxnSpPr>
+                <p:spPr bwMode="auto">
+                  <a:xfrm>
+                    <a:off x="5335" y="5069"/>
+                    <a:ext cx="698" cy="0"/>
+                  </a:xfrm>
+                  <a:prstGeom prst="line">
+                    <a:avLst/>
+                  </a:prstGeom>
+                  <a:ln w="28575">
+                    <a:solidFill>
+                      <a:schemeClr val="tx1"/>
+                    </a:solidFill>
+                  </a:ln>
+                </p:spPr>
+                <p:style>
+                  <a:lnRef idx="1">
+                    <a:schemeClr val="accent1"/>
+                  </a:lnRef>
+                  <a:fillRef idx="0">
+                    <a:schemeClr val="accent1"/>
+                  </a:fillRef>
+                  <a:effectRef idx="0">
+                    <a:schemeClr val="accent1"/>
+                  </a:effectRef>
+                  <a:fontRef idx="minor">
+                    <a:schemeClr val="tx1"/>
+                  </a:fontRef>
+                </p:style>
+              </p:cxnSp>
+            </p:grpSp>
+            <p:cxnSp>
+              <p:nvCxnSpPr>
+                <p:cNvPr id="25" name="直接连接符 24"/>
+                <p:cNvCxnSpPr/>
+                <p:nvPr/>
+              </p:nvCxnSpPr>
+              <p:spPr bwMode="auto">
+                <a:xfrm>
+                  <a:off x="5896" y="3869"/>
+                  <a:ext cx="153" cy="138"/>
+                </a:xfrm>
+                <a:prstGeom prst="line">
+                  <a:avLst/>
+                </a:prstGeom>
+                <a:ln w="28575">
+                  <a:solidFill>
+                    <a:schemeClr val="tx1"/>
+                  </a:solidFill>
+                </a:ln>
+              </p:spPr>
+              <p:style>
+                <a:lnRef idx="1">
+                  <a:schemeClr val="accent1"/>
+                </a:lnRef>
+                <a:fillRef idx="0">
+                  <a:schemeClr val="accent1"/>
+                </a:fillRef>
+                <a:effectRef idx="0">
+                  <a:schemeClr val="accent1"/>
+                </a:effectRef>
+                <a:fontRef idx="minor">
+                  <a:schemeClr val="tx1"/>
+                </a:fontRef>
+              </p:style>
+            </p:cxnSp>
+            <p:cxnSp>
+              <p:nvCxnSpPr>
+                <p:cNvPr id="26" name="直接连接符 25"/>
+                <p:cNvCxnSpPr/>
+                <p:nvPr/>
+              </p:nvCxnSpPr>
+              <p:spPr bwMode="auto">
+                <a:xfrm flipH="1">
+                  <a:off x="5896" y="4002"/>
+                  <a:ext cx="166" cy="151"/>
+                </a:xfrm>
+                <a:prstGeom prst="line">
+                  <a:avLst/>
+                </a:prstGeom>
+                <a:ln w="28575">
+                  <a:solidFill>
+                    <a:schemeClr val="tx1"/>
+                  </a:solidFill>
+                </a:ln>
+              </p:spPr>
+              <p:style>
+                <a:lnRef idx="1">
+                  <a:schemeClr val="accent1"/>
+                </a:lnRef>
+                <a:fillRef idx="0">
+                  <a:schemeClr val="accent1"/>
+                </a:fillRef>
+                <a:effectRef idx="0">
+                  <a:schemeClr val="accent1"/>
+                </a:effectRef>
+                <a:fontRef idx="minor">
+                  <a:schemeClr val="tx1"/>
+                </a:fontRef>
+              </p:style>
+            </p:cxnSp>
+            <p:cxnSp>
+              <p:nvCxnSpPr>
+                <p:cNvPr id="28" name="直接连接符 27"/>
+                <p:cNvCxnSpPr/>
+                <p:nvPr/>
+              </p:nvCxnSpPr>
+              <p:spPr bwMode="auto">
+                <a:xfrm>
+                  <a:off x="5898" y="4412"/>
+                  <a:ext cx="153" cy="138"/>
+                </a:xfrm>
+                <a:prstGeom prst="line">
+                  <a:avLst/>
+                </a:prstGeom>
+                <a:ln w="28575">
+                  <a:solidFill>
+                    <a:schemeClr val="tx1"/>
+                  </a:solidFill>
+                </a:ln>
+              </p:spPr>
+              <p:style>
+                <a:lnRef idx="1">
+                  <a:schemeClr val="accent1"/>
+                </a:lnRef>
+                <a:fillRef idx="0">
+                  <a:schemeClr val="accent1"/>
+                </a:fillRef>
+                <a:effectRef idx="0">
+                  <a:schemeClr val="accent1"/>
+                </a:effectRef>
+                <a:fontRef idx="minor">
+                  <a:schemeClr val="tx1"/>
+                </a:fontRef>
+              </p:style>
+            </p:cxnSp>
+            <p:cxnSp>
+              <p:nvCxnSpPr>
+                <p:cNvPr id="29" name="直接连接符 28"/>
+                <p:cNvCxnSpPr/>
+                <p:nvPr/>
+              </p:nvCxnSpPr>
+              <p:spPr bwMode="auto">
+                <a:xfrm flipH="1">
+                  <a:off x="5898" y="4545"/>
+                  <a:ext cx="166" cy="151"/>
+                </a:xfrm>
+                <a:prstGeom prst="line">
+                  <a:avLst/>
+                </a:prstGeom>
+                <a:ln w="28575">
+                  <a:solidFill>
+                    <a:schemeClr val="tx1"/>
+                  </a:solidFill>
+                </a:ln>
+              </p:spPr>
+              <p:style>
+                <a:lnRef idx="1">
+                  <a:schemeClr val="accent1"/>
+                </a:lnRef>
+                <a:fillRef idx="0">
+                  <a:schemeClr val="accent1"/>
+                </a:fillRef>
+                <a:effectRef idx="0">
+                  <a:schemeClr val="accent1"/>
+                </a:effectRef>
+                <a:fontRef idx="minor">
+                  <a:schemeClr val="tx1"/>
+                </a:fontRef>
+              </p:style>
+            </p:cxnSp>
+            <p:cxnSp>
+              <p:nvCxnSpPr>
+                <p:cNvPr id="30" name="直接连接符 29"/>
+                <p:cNvCxnSpPr/>
+                <p:nvPr/>
+              </p:nvCxnSpPr>
+              <p:spPr bwMode="auto">
+                <a:xfrm>
+                  <a:off x="5904" y="4946"/>
+                  <a:ext cx="153" cy="138"/>
+                </a:xfrm>
+                <a:prstGeom prst="line">
+                  <a:avLst/>
+                </a:prstGeom>
+                <a:ln w="28575">
+                  <a:solidFill>
+                    <a:schemeClr val="tx1"/>
+                  </a:solidFill>
+                </a:ln>
+              </p:spPr>
+              <p:style>
+                <a:lnRef idx="1">
+                  <a:schemeClr val="accent1"/>
+                </a:lnRef>
+                <a:fillRef idx="0">
+                  <a:schemeClr val="accent1"/>
+                </a:fillRef>
+                <a:effectRef idx="0">
+                  <a:schemeClr val="accent1"/>
+                </a:effectRef>
+                <a:fontRef idx="minor">
+                  <a:schemeClr val="tx1"/>
+                </a:fontRef>
+              </p:style>
+            </p:cxnSp>
+            <p:cxnSp>
+              <p:nvCxnSpPr>
+                <p:cNvPr id="31" name="直接连接符 30"/>
+                <p:cNvCxnSpPr/>
+                <p:nvPr/>
+              </p:nvCxnSpPr>
+              <p:spPr bwMode="auto">
+                <a:xfrm flipH="1">
+                  <a:off x="5904" y="5079"/>
+                  <a:ext cx="166" cy="151"/>
+                </a:xfrm>
+                <a:prstGeom prst="line">
+                  <a:avLst/>
+                </a:prstGeom>
+                <a:ln w="28575">
+                  <a:solidFill>
+                    <a:schemeClr val="tx1"/>
+                  </a:solidFill>
+                </a:ln>
+              </p:spPr>
+              <p:style>
+                <a:lnRef idx="1">
+                  <a:schemeClr val="accent1"/>
+                </a:lnRef>
+                <a:fillRef idx="0">
+                  <a:schemeClr val="accent1"/>
+                </a:fillRef>
+                <a:effectRef idx="0">
+                  <a:schemeClr val="accent1"/>
+                </a:effectRef>
+                <a:fontRef idx="minor">
+                  <a:schemeClr val="tx1"/>
+                </a:fontRef>
+              </p:style>
+            </p:cxnSp>
+            <p:cxnSp>
+              <p:nvCxnSpPr>
+                <p:cNvPr id="34" name="直接连接符 33"/>
+                <p:cNvCxnSpPr/>
+                <p:nvPr/>
+              </p:nvCxnSpPr>
+              <p:spPr bwMode="auto">
+                <a:xfrm>
+                  <a:off x="7483" y="3703"/>
+                  <a:ext cx="153" cy="138"/>
+                </a:xfrm>
+                <a:prstGeom prst="line">
+                  <a:avLst/>
+                </a:prstGeom>
+                <a:ln w="28575">
+                  <a:solidFill>
+                    <a:schemeClr val="tx1"/>
+                  </a:solidFill>
+                </a:ln>
+              </p:spPr>
+              <p:style>
+                <a:lnRef idx="1">
+                  <a:schemeClr val="accent1"/>
+                </a:lnRef>
+                <a:fillRef idx="0">
+                  <a:schemeClr val="accent1"/>
+                </a:fillRef>
+                <a:effectRef idx="0">
+                  <a:schemeClr val="accent1"/>
+                </a:effectRef>
+                <a:fontRef idx="minor">
+                  <a:schemeClr val="tx1"/>
+                </a:fontRef>
+              </p:style>
+            </p:cxnSp>
+            <p:cxnSp>
+              <p:nvCxnSpPr>
+                <p:cNvPr id="35" name="直接连接符 34"/>
+                <p:cNvCxnSpPr/>
+                <p:nvPr/>
+              </p:nvCxnSpPr>
+              <p:spPr bwMode="auto">
+                <a:xfrm flipH="1">
+                  <a:off x="7483" y="3836"/>
+                  <a:ext cx="166" cy="151"/>
+                </a:xfrm>
+                <a:prstGeom prst="line">
+                  <a:avLst/>
+                </a:prstGeom>
+                <a:ln w="28575">
+                  <a:solidFill>
+                    <a:schemeClr val="tx1"/>
+                  </a:solidFill>
+                </a:ln>
+              </p:spPr>
+              <p:style>
+                <a:lnRef idx="1">
+                  <a:schemeClr val="accent1"/>
+                </a:lnRef>
+                <a:fillRef idx="0">
+                  <a:schemeClr val="accent1"/>
+                </a:fillRef>
+                <a:effectRef idx="0">
+                  <a:schemeClr val="accent1"/>
+                </a:effectRef>
+                <a:fontRef idx="minor">
+                  <a:schemeClr val="tx1"/>
+                </a:fontRef>
+              </p:style>
+            </p:cxnSp>
+            <p:cxnSp>
+              <p:nvCxnSpPr>
+                <p:cNvPr id="37" name="直接连接符 36"/>
+                <p:cNvCxnSpPr/>
+                <p:nvPr/>
+              </p:nvCxnSpPr>
+              <p:spPr bwMode="auto">
+                <a:xfrm>
+                  <a:off x="7484" y="4436"/>
+                  <a:ext cx="153" cy="138"/>
+                </a:xfrm>
+                <a:prstGeom prst="line">
+                  <a:avLst/>
+                </a:prstGeom>
+                <a:ln w="28575">
+                  <a:solidFill>
+                    <a:schemeClr val="tx1"/>
+                  </a:solidFill>
+                </a:ln>
+              </p:spPr>
+              <p:style>
+                <a:lnRef idx="1">
+                  <a:schemeClr val="accent1"/>
+                </a:lnRef>
+                <a:fillRef idx="0">
+                  <a:schemeClr val="accent1"/>
+                </a:fillRef>
+                <a:effectRef idx="0">
+                  <a:schemeClr val="accent1"/>
+                </a:effectRef>
+                <a:fontRef idx="minor">
+                  <a:schemeClr val="tx1"/>
+                </a:fontRef>
+              </p:style>
+            </p:cxnSp>
+            <p:cxnSp>
+              <p:nvCxnSpPr>
+                <p:cNvPr id="38" name="直接连接符 37"/>
+                <p:cNvCxnSpPr/>
+                <p:nvPr/>
+              </p:nvCxnSpPr>
+              <p:spPr bwMode="auto">
+                <a:xfrm flipH="1">
+                  <a:off x="7484" y="4569"/>
+                  <a:ext cx="166" cy="151"/>
+                </a:xfrm>
+                <a:prstGeom prst="line">
+                  <a:avLst/>
+                </a:prstGeom>
+                <a:ln w="28575">
+                  <a:solidFill>
+                    <a:schemeClr val="tx1"/>
+                  </a:solidFill>
+                </a:ln>
+              </p:spPr>
+              <p:style>
+                <a:lnRef idx="1">
+                  <a:schemeClr val="accent1"/>
+                </a:lnRef>
+                <a:fillRef idx="0">
+                  <a:schemeClr val="accent1"/>
+                </a:fillRef>
+                <a:effectRef idx="0">
+                  <a:schemeClr val="accent1"/>
+                </a:effectRef>
+                <a:fontRef idx="minor">
+                  <a:schemeClr val="tx1"/>
+                </a:fontRef>
+              </p:style>
+            </p:cxnSp>
+            <p:cxnSp>
+              <p:nvCxnSpPr>
+                <p:cNvPr id="39" name="直接连接符 38"/>
+                <p:cNvCxnSpPr/>
+                <p:nvPr/>
+              </p:nvCxnSpPr>
+              <p:spPr bwMode="auto">
+                <a:xfrm>
+                  <a:off x="7483" y="5173"/>
+                  <a:ext cx="153" cy="138"/>
+                </a:xfrm>
+                <a:prstGeom prst="line">
+                  <a:avLst/>
+                </a:prstGeom>
+                <a:ln w="28575">
+                  <a:solidFill>
+                    <a:schemeClr val="tx1"/>
+                  </a:solidFill>
+                </a:ln>
+              </p:spPr>
+              <p:style>
+                <a:lnRef idx="1">
+                  <a:schemeClr val="accent1"/>
+                </a:lnRef>
+                <a:fillRef idx="0">
+                  <a:schemeClr val="accent1"/>
+                </a:fillRef>
+                <a:effectRef idx="0">
+                  <a:schemeClr val="accent1"/>
+                </a:effectRef>
+                <a:fontRef idx="minor">
+                  <a:schemeClr val="tx1"/>
+                </a:fontRef>
+              </p:style>
+            </p:cxnSp>
+            <p:cxnSp>
+              <p:nvCxnSpPr>
+                <p:cNvPr id="40" name="直接连接符 39"/>
+                <p:cNvCxnSpPr/>
+                <p:nvPr/>
+              </p:nvCxnSpPr>
+              <p:spPr bwMode="auto">
+                <a:xfrm flipH="1">
+                  <a:off x="7483" y="5306"/>
+                  <a:ext cx="166" cy="151"/>
+                </a:xfrm>
+                <a:prstGeom prst="line">
+                  <a:avLst/>
+                </a:prstGeom>
+                <a:ln w="28575">
+                  <a:solidFill>
+                    <a:schemeClr val="tx1"/>
+                  </a:solidFill>
+                </a:ln>
+              </p:spPr>
+              <p:style>
+                <a:lnRef idx="1">
+                  <a:schemeClr val="accent1"/>
+                </a:lnRef>
+                <a:fillRef idx="0">
+                  <a:schemeClr val="accent1"/>
+                </a:fillRef>
+                <a:effectRef idx="0">
+                  <a:schemeClr val="accent1"/>
+                </a:effectRef>
+                <a:fontRef idx="minor">
+                  <a:schemeClr val="tx1"/>
+                </a:fontRef>
+              </p:style>
+            </p:cxnSp>
+          </p:grpSp>
+          <p:sp>
+            <p:nvSpPr>
+              <p:cNvPr id="49" name="TextBox 34"/>
+              <p:cNvSpPr txBox="1">
+                <a:spLocks noChangeArrowheads="1"/>
+              </p:cNvSpPr>
+              <p:nvPr/>
+            </p:nvSpPr>
+            <p:spPr bwMode="auto">
+              <a:xfrm>
+                <a:off x="7030" y="5742"/>
+                <a:ext cx="2087" cy="579"/>
+              </a:xfrm>
+              <a:prstGeom prst="rect">
+                <a:avLst/>
+              </a:prstGeom>
+              <a:noFill/>
+              <a:ln>
+                <a:noFill/>
+              </a:ln>
+              <a:extLst>
+                <a:ext uri="{909E8E84-426E-40DD-AFC4-6F175D3DCCD1}">
+                  <a14:hiddenFill xmlns:a14="http://schemas.microsoft.com/office/drawing/2010/main">
+                    <a:solidFill>
+                      <a:srgbClr val="FFFFFF"/>
+                    </a:solidFill>
+                  </a14:hiddenFill>
+                </a:ext>
+                <a:ext uri="{91240B29-F687-4F45-9708-019B960494DF}">
+                  <a14:hiddenLine xmlns:a14="http://schemas.microsoft.com/office/drawing/2010/main" w="9525">
+                    <a:solidFill>
+                      <a:srgbClr val="000000"/>
+                    </a:solidFill>
+                    <a:miter lim="800000"/>
+                    <a:headEnd/>
+                    <a:tailEnd/>
+                  </a14:hiddenLine>
+                </a:ext>
+              </a:extLst>
+            </p:spPr>
+            <p:txBody>
+              <a:bodyPr wrap="none" lIns="0" tIns="0" rIns="0" bIns="0" anchor="ctr" anchorCtr="1"/>
+              <a:lstStyle>
+                <a:lvl1pPr>
+                  <a:spcBef>
+                    <a:spcPct val="20000"/>
+                  </a:spcBef>
+                  <a:buChar char="•"/>
+                  <a:defRPr sz="2800">
+                    <a:solidFill>
+                      <a:schemeClr val="tx1"/>
+                    </a:solidFill>
+                    <a:latin typeface="Times New Roman" panose="02020603050405020304" pitchFamily="18" charset="0"/>
+                    <a:ea typeface="宋体" panose="02010600030101010101" pitchFamily="2" charset="-122"/>
+                    <a:cs typeface="Times New Roman" panose="02020603050405020304" pitchFamily="18" charset="0"/>
+                  </a:defRPr>
+                </a:lvl1pPr>
+                <a:lvl2pPr marL="742950" indent="-285750">
+                  <a:spcBef>
+                    <a:spcPct val="20000"/>
+                  </a:spcBef>
+                  <a:buChar char="–"/>
+                  <a:defRPr sz="2400">
+                    <a:solidFill>
+                      <a:schemeClr val="tx1"/>
+                    </a:solidFill>
+                    <a:latin typeface="Times New Roman" panose="02020603050405020304" pitchFamily="18" charset="0"/>
+                    <a:ea typeface="宋体" panose="02010600030101010101" pitchFamily="2" charset="-122"/>
+                    <a:cs typeface="Times New Roman" panose="02020603050405020304" pitchFamily="18" charset="0"/>
+                  </a:defRPr>
+                </a:lvl2pPr>
+                <a:lvl3pPr marL="1143000" indent="-228600">
+                  <a:spcBef>
+                    <a:spcPct val="20000"/>
+                  </a:spcBef>
+                  <a:buChar char="•"/>
+                  <a:defRPr sz="2000">
+                    <a:solidFill>
+                      <a:schemeClr val="tx1"/>
+                    </a:solidFill>
+                    <a:latin typeface="Times New Roman" panose="02020603050405020304" pitchFamily="18" charset="0"/>
+                    <a:ea typeface="宋体" panose="02010600030101010101" pitchFamily="2" charset="-122"/>
+                    <a:cs typeface="Times New Roman" panose="02020603050405020304" pitchFamily="18" charset="0"/>
+                  </a:defRPr>
+                </a:lvl3pPr>
+                <a:lvl4pPr marL="1600200" indent="-228600">
+                  <a:spcBef>
+                    <a:spcPct val="20000"/>
+                  </a:spcBef>
+                  <a:buChar char="–"/>
+                  <a:defRPr>
+                    <a:solidFill>
+                      <a:schemeClr val="tx1"/>
+                    </a:solidFill>
+                    <a:latin typeface="Times New Roman" panose="02020603050405020304" pitchFamily="18" charset="0"/>
+                    <a:ea typeface="宋体" panose="02010600030101010101" pitchFamily="2" charset="-122"/>
+                    <a:cs typeface="Times New Roman" panose="02020603050405020304" pitchFamily="18" charset="0"/>
+                  </a:defRPr>
+                </a:lvl4pPr>
+                <a:lvl5pPr marL="2057400" indent="-228600">
+                  <a:spcBef>
+                    <a:spcPct val="20000"/>
+                  </a:spcBef>
+                  <a:buChar char="»"/>
+                  <a:defRPr>
+                    <a:solidFill>
+                      <a:schemeClr val="tx1"/>
+                    </a:solidFill>
+                    <a:latin typeface="Times New Roman" panose="02020603050405020304" pitchFamily="18" charset="0"/>
+                    <a:ea typeface="宋体" panose="02010600030101010101" pitchFamily="2" charset="-122"/>
+                    <a:cs typeface="Times New Roman" panose="02020603050405020304" pitchFamily="18" charset="0"/>
+                  </a:defRPr>
+                </a:lvl5pPr>
+                <a:lvl6pPr marL="2514600" indent="-228600" eaLnBrk="0" fontAlgn="base" hangingPunct="0">
+                  <a:spcBef>
+                    <a:spcPct val="20000"/>
+                  </a:spcBef>
+                  <a:spcAft>
+                    <a:spcPct val="0"/>
+                  </a:spcAft>
+                  <a:buChar char="»"/>
+                  <a:defRPr>
+                    <a:solidFill>
+                      <a:schemeClr val="tx1"/>
+                    </a:solidFill>
+                    <a:latin typeface="Times New Roman" panose="02020603050405020304" pitchFamily="18" charset="0"/>
+                    <a:ea typeface="宋体" panose="02010600030101010101" pitchFamily="2" charset="-122"/>
+                    <a:cs typeface="Times New Roman" panose="02020603050405020304" pitchFamily="18" charset="0"/>
+                  </a:defRPr>
+                </a:lvl6pPr>
+                <a:lvl7pPr marL="2971800" indent="-228600" eaLnBrk="0" fontAlgn="base" hangingPunct="0">
+                  <a:spcBef>
+                    <a:spcPct val="20000"/>
+                  </a:spcBef>
+                  <a:spcAft>
+                    <a:spcPct val="0"/>
+                  </a:spcAft>
+                  <a:buChar char="»"/>
+                  <a:defRPr>
+                    <a:solidFill>
+                      <a:schemeClr val="tx1"/>
+                    </a:solidFill>
+                    <a:latin typeface="Times New Roman" panose="02020603050405020304" pitchFamily="18" charset="0"/>
+                    <a:ea typeface="宋体" panose="02010600030101010101" pitchFamily="2" charset="-122"/>
+                    <a:cs typeface="Times New Roman" panose="02020603050405020304" pitchFamily="18" charset="0"/>
+                  </a:defRPr>
+                </a:lvl7pPr>
+                <a:lvl8pPr marL="3429000" indent="-228600" eaLnBrk="0" fontAlgn="base" hangingPunct="0">
+                  <a:spcBef>
+                    <a:spcPct val="20000"/>
+                  </a:spcBef>
+                  <a:spcAft>
+                    <a:spcPct val="0"/>
+                  </a:spcAft>
+                  <a:buChar char="»"/>
+                  <a:defRPr>
+                    <a:solidFill>
+                      <a:schemeClr val="tx1"/>
+                    </a:solidFill>
+                    <a:latin typeface="Times New Roman" panose="02020603050405020304" pitchFamily="18" charset="0"/>
+                    <a:ea typeface="宋体" panose="02010600030101010101" pitchFamily="2" charset="-122"/>
+                    <a:cs typeface="Times New Roman" panose="02020603050405020304" pitchFamily="18" charset="0"/>
+                  </a:defRPr>
+                </a:lvl8pPr>
+                <a:lvl9pPr marL="3886200" indent="-228600" eaLnBrk="0" fontAlgn="base" hangingPunct="0">
+                  <a:spcBef>
+                    <a:spcPct val="20000"/>
+                  </a:spcBef>
+                  <a:spcAft>
+                    <a:spcPct val="0"/>
+                  </a:spcAft>
+                  <a:buChar char="»"/>
+                  <a:defRPr>
+                    <a:solidFill>
+                      <a:schemeClr val="tx1"/>
+                    </a:solidFill>
+                    <a:latin typeface="Times New Roman" panose="02020603050405020304" pitchFamily="18" charset="0"/>
+                    <a:ea typeface="宋体" panose="02010600030101010101" pitchFamily="2" charset="-122"/>
+                    <a:cs typeface="Times New Roman" panose="02020603050405020304" pitchFamily="18" charset="0"/>
+                  </a:defRPr>
+                </a:lvl9pPr>
+              </a:lstStyle>
+              <a:p>
+                <a:pPr eaLnBrk="1" hangingPunct="1">
+                  <a:spcBef>
+                    <a:spcPct val="0"/>
+                  </a:spcBef>
+                  <a:buFontTx/>
+                  <a:buNone/>
+                </a:pPr>
+                <a:r>
+                  <a:rPr lang="en-US" altLang="zh-CN" sz="2000">
+                    <a:solidFill>
+                      <a:srgbClr val="0000FF"/>
+                    </a:solidFill>
+                    <a:latin typeface="Arial" panose="020B0604020202020204" pitchFamily="34" charset="0"/>
+                    <a:cs typeface="Arial" panose="020B0604020202020204" pitchFamily="34" charset="0"/>
+                  </a:rPr>
+                  <a:t>sw_data</a:t>
+                </a:r>
+                <a:endParaRPr lang="en-US" altLang="zh-CN" sz="2000">
+                  <a:solidFill>
+                    <a:srgbClr val="0000FF"/>
+                  </a:solidFill>
+                  <a:latin typeface="Arial" panose="020B0604020202020204" pitchFamily="34" charset="0"/>
+                  <a:cs typeface="Arial" panose="020B0604020202020204" pitchFamily="34" charset="0"/>
+                </a:endParaRPr>
+              </a:p>
+            </p:txBody>
+          </p:sp>
+          <p:sp>
+            <p:nvSpPr>
+              <p:cNvPr id="50" name="TextBox 34"/>
+              <p:cNvSpPr txBox="1">
+                <a:spLocks noChangeArrowheads="1"/>
+              </p:cNvSpPr>
+              <p:nvPr/>
+            </p:nvSpPr>
+            <p:spPr bwMode="auto">
+              <a:xfrm>
+                <a:off x="4648" y="5754"/>
+                <a:ext cx="1932" cy="579"/>
+              </a:xfrm>
+              <a:prstGeom prst="rect">
+                <a:avLst/>
+              </a:prstGeom>
+              <a:noFill/>
+              <a:ln>
+                <a:noFill/>
+              </a:ln>
+              <a:extLst>
+                <a:ext uri="{909E8E84-426E-40DD-AFC4-6F175D3DCCD1}">
+                  <a14:hiddenFill xmlns:a14="http://schemas.microsoft.com/office/drawing/2010/main">
+                    <a:solidFill>
+                      <a:srgbClr val="FFFFFF"/>
+                    </a:solidFill>
+                  </a14:hiddenFill>
+                </a:ext>
+                <a:ext uri="{91240B29-F687-4F45-9708-019B960494DF}">
+                  <a14:hiddenLine xmlns:a14="http://schemas.microsoft.com/office/drawing/2010/main" w="9525">
+                    <a:solidFill>
+                      <a:srgbClr val="000000"/>
+                    </a:solidFill>
+                    <a:miter lim="800000"/>
+                    <a:headEnd/>
+                    <a:tailEnd/>
+                  </a14:hiddenLine>
+                </a:ext>
+              </a:extLst>
+            </p:spPr>
+            <p:txBody>
+              <a:bodyPr wrap="none" lIns="0" tIns="0" rIns="0" bIns="0" anchor="ctr" anchorCtr="1"/>
+              <a:lstStyle>
+                <a:lvl1pPr>
+                  <a:spcBef>
+                    <a:spcPct val="20000"/>
+                  </a:spcBef>
+                  <a:buChar char="•"/>
+                  <a:defRPr sz="2800">
+                    <a:solidFill>
+                      <a:schemeClr val="tx1"/>
+                    </a:solidFill>
+                    <a:latin typeface="Times New Roman" panose="02020603050405020304" pitchFamily="18" charset="0"/>
+                    <a:ea typeface="宋体" panose="02010600030101010101" pitchFamily="2" charset="-122"/>
+                    <a:cs typeface="Times New Roman" panose="02020603050405020304" pitchFamily="18" charset="0"/>
+                  </a:defRPr>
+                </a:lvl1pPr>
+                <a:lvl2pPr marL="742950" indent="-285750">
+                  <a:spcBef>
+                    <a:spcPct val="20000"/>
+                  </a:spcBef>
+                  <a:buChar char="–"/>
+                  <a:defRPr sz="2400">
+                    <a:solidFill>
+                      <a:schemeClr val="tx1"/>
+                    </a:solidFill>
+                    <a:latin typeface="Times New Roman" panose="02020603050405020304" pitchFamily="18" charset="0"/>
+                    <a:ea typeface="宋体" panose="02010600030101010101" pitchFamily="2" charset="-122"/>
+                    <a:cs typeface="Times New Roman" panose="02020603050405020304" pitchFamily="18" charset="0"/>
+                  </a:defRPr>
+                </a:lvl2pPr>
+                <a:lvl3pPr marL="1143000" indent="-228600">
+                  <a:spcBef>
+                    <a:spcPct val="20000"/>
+                  </a:spcBef>
+                  <a:buChar char="•"/>
+                  <a:defRPr sz="2000">
+                    <a:solidFill>
+                      <a:schemeClr val="tx1"/>
+                    </a:solidFill>
+                    <a:latin typeface="Times New Roman" panose="02020603050405020304" pitchFamily="18" charset="0"/>
+                    <a:ea typeface="宋体" panose="02010600030101010101" pitchFamily="2" charset="-122"/>
+                    <a:cs typeface="Times New Roman" panose="02020603050405020304" pitchFamily="18" charset="0"/>
+                  </a:defRPr>
+                </a:lvl3pPr>
+                <a:lvl4pPr marL="1600200" indent="-228600">
+                  <a:spcBef>
+                    <a:spcPct val="20000"/>
+                  </a:spcBef>
+                  <a:buChar char="–"/>
+                  <a:defRPr>
+                    <a:solidFill>
+                      <a:schemeClr val="tx1"/>
+                    </a:solidFill>
+                    <a:latin typeface="Times New Roman" panose="02020603050405020304" pitchFamily="18" charset="0"/>
+                    <a:ea typeface="宋体" panose="02010600030101010101" pitchFamily="2" charset="-122"/>
+                    <a:cs typeface="Times New Roman" panose="02020603050405020304" pitchFamily="18" charset="0"/>
+                  </a:defRPr>
+                </a:lvl4pPr>
+                <a:lvl5pPr marL="2057400" indent="-228600">
+                  <a:spcBef>
+                    <a:spcPct val="20000"/>
+                  </a:spcBef>
+                  <a:buChar char="»"/>
+                  <a:defRPr>
+                    <a:solidFill>
+                      <a:schemeClr val="tx1"/>
+                    </a:solidFill>
+                    <a:latin typeface="Times New Roman" panose="02020603050405020304" pitchFamily="18" charset="0"/>
+                    <a:ea typeface="宋体" panose="02010600030101010101" pitchFamily="2" charset="-122"/>
+                    <a:cs typeface="Times New Roman" panose="02020603050405020304" pitchFamily="18" charset="0"/>
+                  </a:defRPr>
+                </a:lvl5pPr>
+                <a:lvl6pPr marL="2514600" indent="-228600" eaLnBrk="0" fontAlgn="base" hangingPunct="0">
+                  <a:spcBef>
+                    <a:spcPct val="20000"/>
+                  </a:spcBef>
+                  <a:spcAft>
+                    <a:spcPct val="0"/>
+                  </a:spcAft>
+                  <a:buChar char="»"/>
+                  <a:defRPr>
+                    <a:solidFill>
+                      <a:schemeClr val="tx1"/>
+                    </a:solidFill>
+                    <a:latin typeface="Times New Roman" panose="02020603050405020304" pitchFamily="18" charset="0"/>
+                    <a:ea typeface="宋体" panose="02010600030101010101" pitchFamily="2" charset="-122"/>
+                    <a:cs typeface="Times New Roman" panose="02020603050405020304" pitchFamily="18" charset="0"/>
+                  </a:defRPr>
+                </a:lvl6pPr>
+                <a:lvl7pPr marL="2971800" indent="-228600" eaLnBrk="0" fontAlgn="base" hangingPunct="0">
+                  <a:spcBef>
+                    <a:spcPct val="20000"/>
+                  </a:spcBef>
+                  <a:spcAft>
+                    <a:spcPct val="0"/>
+                  </a:spcAft>
+                  <a:buChar char="»"/>
+                  <a:defRPr>
+                    <a:solidFill>
+                      <a:schemeClr val="tx1"/>
+                    </a:solidFill>
+                    <a:latin typeface="Times New Roman" panose="02020603050405020304" pitchFamily="18" charset="0"/>
+                    <a:ea typeface="宋体" panose="02010600030101010101" pitchFamily="2" charset="-122"/>
+                    <a:cs typeface="Times New Roman" panose="02020603050405020304" pitchFamily="18" charset="0"/>
+                  </a:defRPr>
+                </a:lvl7pPr>
+                <a:lvl8pPr marL="3429000" indent="-228600" eaLnBrk="0" fontAlgn="base" hangingPunct="0">
+                  <a:spcBef>
+                    <a:spcPct val="20000"/>
+                  </a:spcBef>
+                  <a:spcAft>
+                    <a:spcPct val="0"/>
+                  </a:spcAft>
+                  <a:buChar char="»"/>
+                  <a:defRPr>
+                    <a:solidFill>
+                      <a:schemeClr val="tx1"/>
+                    </a:solidFill>
+                    <a:latin typeface="Times New Roman" panose="02020603050405020304" pitchFamily="18" charset="0"/>
+                    <a:ea typeface="宋体" panose="02010600030101010101" pitchFamily="2" charset="-122"/>
+                    <a:cs typeface="Times New Roman" panose="02020603050405020304" pitchFamily="18" charset="0"/>
+                  </a:defRPr>
+                </a:lvl8pPr>
+                <a:lvl9pPr marL="3886200" indent="-228600" eaLnBrk="0" fontAlgn="base" hangingPunct="0">
+                  <a:spcBef>
+                    <a:spcPct val="20000"/>
+                  </a:spcBef>
+                  <a:spcAft>
+                    <a:spcPct val="0"/>
+                  </a:spcAft>
+                  <a:buChar char="»"/>
+                  <a:defRPr>
+                    <a:solidFill>
+                      <a:schemeClr val="tx1"/>
+                    </a:solidFill>
+                    <a:latin typeface="Times New Roman" panose="02020603050405020304" pitchFamily="18" charset="0"/>
+                    <a:ea typeface="宋体" panose="02010600030101010101" pitchFamily="2" charset="-122"/>
+                    <a:cs typeface="Times New Roman" panose="02020603050405020304" pitchFamily="18" charset="0"/>
+                  </a:defRPr>
+                </a:lvl9pPr>
+              </a:lstStyle>
+              <a:p>
+                <a:pPr eaLnBrk="1" hangingPunct="1">
+                  <a:spcBef>
+                    <a:spcPct val="0"/>
+                  </a:spcBef>
+                  <a:buFontTx/>
+                  <a:buNone/>
+                </a:pPr>
+                <a:r>
+                  <a:rPr lang="en-US" altLang="zh-CN" sz="2000">
+                    <a:solidFill>
+                      <a:srgbClr val="0000FF"/>
+                    </a:solidFill>
+                    <a:latin typeface="Arial" panose="020B0604020202020204" pitchFamily="34" charset="0"/>
+                    <a:cs typeface="Arial" panose="020B0604020202020204" pitchFamily="34" charset="0"/>
+                  </a:rPr>
+                  <a:t>usr_data</a:t>
+                </a:r>
+                <a:endParaRPr lang="en-US" altLang="zh-CN" sz="2000">
+                  <a:solidFill>
+                    <a:srgbClr val="0000FF"/>
+                  </a:solidFill>
+                  <a:latin typeface="Arial" panose="020B0604020202020204" pitchFamily="34" charset="0"/>
+                  <a:cs typeface="Arial" panose="020B0604020202020204" pitchFamily="34" charset="0"/>
+                </a:endParaRPr>
+              </a:p>
+            </p:txBody>
+          </p:sp>
+          <p:sp>
+            <p:nvSpPr>
+              <p:cNvPr id="51" name="矩形 1"/>
+              <p:cNvSpPr>
+                <a:spLocks noChangeArrowheads="1"/>
+              </p:cNvSpPr>
+              <p:nvPr/>
+            </p:nvSpPr>
+            <p:spPr bwMode="auto">
+              <a:xfrm>
+                <a:off x="6371" y="6381"/>
+                <a:ext cx="970" cy="2278"/>
+              </a:xfrm>
+              <a:prstGeom prst="rect">
+                <a:avLst/>
+              </a:prstGeom>
+              <a:noFill/>
+              <a:ln w="28575" algn="ctr">
+                <a:solidFill>
+                  <a:schemeClr val="tx1"/>
+                </a:solidFill>
+                <a:round/>
+              </a:ln>
+              <a:extLst>
+                <a:ext uri="{909E8E84-426E-40DD-AFC4-6F175D3DCCD1}">
+                  <a14:hiddenFill xmlns:a14="http://schemas.microsoft.com/office/drawing/2010/main">
+                    <a:solidFill>
+                      <a:srgbClr val="FFFFFF"/>
+                    </a:solidFill>
+                  </a14:hiddenFill>
+                </a:ext>
+              </a:extLst>
+            </p:spPr>
+            <p:txBody>
+              <a:bodyPr/>
+              <a:lstStyle>
+                <a:lvl1pPr>
+                  <a:spcBef>
+                    <a:spcPct val="20000"/>
+                  </a:spcBef>
+                  <a:buChar char="•"/>
+                  <a:defRPr sz="2800">
+                    <a:solidFill>
+                      <a:schemeClr val="tx1"/>
+                    </a:solidFill>
+                    <a:latin typeface="Times New Roman" panose="02020603050405020304" pitchFamily="18" charset="0"/>
+                    <a:ea typeface="宋体" panose="02010600030101010101" pitchFamily="2" charset="-122"/>
+                    <a:cs typeface="Times New Roman" panose="02020603050405020304" pitchFamily="18" charset="0"/>
+                  </a:defRPr>
+                </a:lvl1pPr>
+                <a:lvl2pPr marL="742950" indent="-285750">
+                  <a:spcBef>
+                    <a:spcPct val="20000"/>
+                  </a:spcBef>
+                  <a:buChar char="–"/>
+                  <a:defRPr sz="2400">
+                    <a:solidFill>
+                      <a:schemeClr val="tx1"/>
+                    </a:solidFill>
+                    <a:latin typeface="Times New Roman" panose="02020603050405020304" pitchFamily="18" charset="0"/>
+                    <a:ea typeface="宋体" panose="02010600030101010101" pitchFamily="2" charset="-122"/>
+                    <a:cs typeface="Times New Roman" panose="02020603050405020304" pitchFamily="18" charset="0"/>
+                  </a:defRPr>
+                </a:lvl2pPr>
+                <a:lvl3pPr marL="1143000" indent="-228600">
+                  <a:spcBef>
+                    <a:spcPct val="20000"/>
+                  </a:spcBef>
+                  <a:buChar char="•"/>
+                  <a:defRPr sz="2000">
+                    <a:solidFill>
+                      <a:schemeClr val="tx1"/>
+                    </a:solidFill>
+                    <a:latin typeface="Times New Roman" panose="02020603050405020304" pitchFamily="18" charset="0"/>
+                    <a:ea typeface="宋体" panose="02010600030101010101" pitchFamily="2" charset="-122"/>
+                    <a:cs typeface="Times New Roman" panose="02020603050405020304" pitchFamily="18" charset="0"/>
+                  </a:defRPr>
+                </a:lvl3pPr>
+                <a:lvl4pPr marL="1600200" indent="-228600">
+                  <a:spcBef>
+                    <a:spcPct val="20000"/>
+                  </a:spcBef>
+                  <a:buChar char="–"/>
+                  <a:defRPr>
+                    <a:solidFill>
+                      <a:schemeClr val="tx1"/>
+                    </a:solidFill>
+                    <a:latin typeface="Times New Roman" panose="02020603050405020304" pitchFamily="18" charset="0"/>
+                    <a:ea typeface="宋体" panose="02010600030101010101" pitchFamily="2" charset="-122"/>
+                    <a:cs typeface="Times New Roman" panose="02020603050405020304" pitchFamily="18" charset="0"/>
+                  </a:defRPr>
+                </a:lvl4pPr>
+                <a:lvl5pPr marL="2057400" indent="-228600">
+                  <a:spcBef>
+                    <a:spcPct val="20000"/>
+                  </a:spcBef>
+                  <a:buChar char="»"/>
+                  <a:defRPr>
+                    <a:solidFill>
+                      <a:schemeClr val="tx1"/>
+                    </a:solidFill>
+                    <a:latin typeface="Times New Roman" panose="02020603050405020304" pitchFamily="18" charset="0"/>
+                    <a:ea typeface="宋体" panose="02010600030101010101" pitchFamily="2" charset="-122"/>
+                    <a:cs typeface="Times New Roman" panose="02020603050405020304" pitchFamily="18" charset="0"/>
+                  </a:defRPr>
+                </a:lvl5pPr>
+                <a:lvl6pPr marL="2514600" indent="-228600" eaLnBrk="0" fontAlgn="base" hangingPunct="0">
+                  <a:spcBef>
+                    <a:spcPct val="20000"/>
+                  </a:spcBef>
+                  <a:spcAft>
+                    <a:spcPct val="0"/>
+                  </a:spcAft>
+                  <a:buChar char="»"/>
+                  <a:defRPr>
+                    <a:solidFill>
+                      <a:schemeClr val="tx1"/>
+                    </a:solidFill>
+                    <a:latin typeface="Times New Roman" panose="02020603050405020304" pitchFamily="18" charset="0"/>
+                    <a:ea typeface="宋体" panose="02010600030101010101" pitchFamily="2" charset="-122"/>
+                    <a:cs typeface="Times New Roman" panose="02020603050405020304" pitchFamily="18" charset="0"/>
+                  </a:defRPr>
+                </a:lvl6pPr>
+                <a:lvl7pPr marL="2971800" indent="-228600" eaLnBrk="0" fontAlgn="base" hangingPunct="0">
+                  <a:spcBef>
+                    <a:spcPct val="20000"/>
+                  </a:spcBef>
+                  <a:spcAft>
+                    <a:spcPct val="0"/>
+                  </a:spcAft>
+                  <a:buChar char="»"/>
+                  <a:defRPr>
+                    <a:solidFill>
+                      <a:schemeClr val="tx1"/>
+                    </a:solidFill>
+                    <a:latin typeface="Times New Roman" panose="02020603050405020304" pitchFamily="18" charset="0"/>
+                    <a:ea typeface="宋体" panose="02010600030101010101" pitchFamily="2" charset="-122"/>
+                    <a:cs typeface="Times New Roman" panose="02020603050405020304" pitchFamily="18" charset="0"/>
+                  </a:defRPr>
+                </a:lvl7pPr>
+                <a:lvl8pPr marL="3429000" indent="-228600" eaLnBrk="0" fontAlgn="base" hangingPunct="0">
+                  <a:spcBef>
+                    <a:spcPct val="20000"/>
+                  </a:spcBef>
+                  <a:spcAft>
+                    <a:spcPct val="0"/>
+                  </a:spcAft>
+                  <a:buChar char="»"/>
+                  <a:defRPr>
+                    <a:solidFill>
+                      <a:schemeClr val="tx1"/>
+                    </a:solidFill>
+                    <a:latin typeface="Times New Roman" panose="02020603050405020304" pitchFamily="18" charset="0"/>
+                    <a:ea typeface="宋体" panose="02010600030101010101" pitchFamily="2" charset="-122"/>
+                    <a:cs typeface="Times New Roman" panose="02020603050405020304" pitchFamily="18" charset="0"/>
+                  </a:defRPr>
+                </a:lvl8pPr>
+                <a:lvl9pPr marL="3886200" indent="-228600" eaLnBrk="0" fontAlgn="base" hangingPunct="0">
+                  <a:spcBef>
+                    <a:spcPct val="20000"/>
+                  </a:spcBef>
+                  <a:spcAft>
+                    <a:spcPct val="0"/>
+                  </a:spcAft>
+                  <a:buChar char="»"/>
+                  <a:defRPr>
+                    <a:solidFill>
+                      <a:schemeClr val="tx1"/>
+                    </a:solidFill>
+                    <a:latin typeface="Times New Roman" panose="02020603050405020304" pitchFamily="18" charset="0"/>
+                    <a:ea typeface="宋体" panose="02010600030101010101" pitchFamily="2" charset="-122"/>
+                    <a:cs typeface="Times New Roman" panose="02020603050405020304" pitchFamily="18" charset="0"/>
+                  </a:defRPr>
+                </a:lvl9pPr>
+              </a:lstStyle>
+              <a:p>
+                <a:pPr>
+                  <a:spcBef>
+                    <a:spcPct val="0"/>
+                  </a:spcBef>
+                  <a:buFontTx/>
+                  <a:buNone/>
+                </a:pPr>
+                <a:endParaRPr lang="zh-CN" altLang="en-US" sz="2000">
+                  <a:latin typeface="Arial" panose="020B0604020202020204" pitchFamily="34" charset="0"/>
+                </a:endParaRPr>
+              </a:p>
+            </p:txBody>
+          </p:sp>
+          <p:sp>
+            <p:nvSpPr>
+              <p:cNvPr id="54" name="文本框 53"/>
+              <p:cNvSpPr txBox="1"/>
+              <p:nvPr/>
+            </p:nvSpPr>
+            <p:spPr bwMode="auto">
+              <a:xfrm rot="5400000">
+                <a:off x="6517" y="7057"/>
+                <a:ext cx="724" cy="924"/>
+              </a:xfrm>
+              <a:prstGeom prst="rect">
+                <a:avLst/>
+              </a:prstGeom>
+              <a:noFill/>
+            </p:spPr>
+            <p:txBody>
+              <a:bodyPr vert="vert270" wrap="none">
+                <a:spAutoFit/>
+              </a:bodyPr>
+              <a:p>
+                <a:pPr eaLnBrk="1" hangingPunct="1">
+                  <a:defRPr/>
+                </a:pPr>
+                <a:r>
+                  <a:rPr lang="en-US" altLang="zh-CN" dirty="0"/>
+                  <a:t>PRO</a:t>
+                </a:r>
+                <a:endParaRPr lang="en-US" altLang="zh-CN" dirty="0"/>
+              </a:p>
+            </p:txBody>
+          </p:sp>
+        </p:grpSp>
+      </p:grpSp>
+    </p:spTree>
+  </p:cSld>
+  <p:clrMapOvr>
+    <a:masterClrMapping/>
+  </p:clrMapOvr>
+  <p:timing>
+    <p:tnLst>
+      <p:par>
+        <p:cTn id="1" dur="indefinite" restart="never" nodeType="tmRoot"/>
+      </p:par>
+    </p:tnLst>
+  </p:timing>
+</p:sld>
+</file>
+
+<file path=ppt/slides/slide11.xml><?xml version="1.0" encoding="utf-8"?>
+<p:sld xmlns:a="http://schemas.openxmlformats.org/drawingml/2006/main" xmlns:r="http://schemas.openxmlformats.org/officeDocument/2006/relationships" xmlns:p="http://schemas.openxmlformats.org/presentationml/2006/main">
+  <p:cSld>
+    <p:spTree>
+      <p:nvGrpSpPr>
+        <p:cNvPr id="1" name=""/>
+        <p:cNvGrpSpPr/>
+        <p:nvPr/>
+      </p:nvGrpSpPr>
+      <p:grpSpPr>
+        <a:xfrm>
+          <a:off x="0" y="0"/>
+          <a:ext cx="0" cy="0"/>
+          <a:chOff x="0" y="0"/>
+          <a:chExt cx="0" cy="0"/>
+        </a:xfrm>
+      </p:grpSpPr>
+      <p:sp>
+        <p:nvSpPr>
           <p:cNvPr id="11266" name="标题 1"/>
           <p:cNvSpPr>
             <a:spLocks noGrp="1" noChangeArrowheads="1"/>
@@ -8189,7 +13607,7 @@
 </p:sld>
 </file>
 
-<file path=ppt/slides/slide11.xml><?xml version="1.0" encoding="utf-8"?>
+<file path=ppt/slides/slide12.xml><?xml version="1.0" encoding="utf-8"?>
 <p:sld xmlns:a="http://schemas.openxmlformats.org/drawingml/2006/main" xmlns:r="http://schemas.openxmlformats.org/officeDocument/2006/relationships" xmlns:p="http://schemas.openxmlformats.org/presentationml/2006/main">
   <p:cSld>
     <p:spTree>
@@ -9038,7 +14456,7 @@
 </p:sld>
 </file>
 
-<file path=ppt/slides/slide12.xml><?xml version="1.0" encoding="utf-8"?>
+<file path=ppt/slides/slide13.xml><?xml version="1.0" encoding="utf-8"?>
 <p:sld xmlns:a="http://schemas.openxmlformats.org/drawingml/2006/main" xmlns:r="http://schemas.openxmlformats.org/officeDocument/2006/relationships" xmlns:p="http://schemas.openxmlformats.org/presentationml/2006/main">
   <p:cSld>
     <p:spTree>
@@ -43145,7 +48563,7 @@
 <file path=ppt/tags/tag1.xml><?xml version="1.0" encoding="utf-8"?>
 <p:tagLst xmlns:p="http://schemas.openxmlformats.org/presentationml/2006/main">
   <p:tag name="KSO_WPP_MARK_KEY" val="6ff6c91f-b622-47e7-bebc-f37462e786f9"/>
-  <p:tag name="COMMONDATA" val="eyJoZGlkIjoiMGQxOGEwMjk2MmJmMjQ5YjgxN2I0OTUwZGMwOGZiMTIifQ=="/>
+  <p:tag name="COMMONDATA" val="eyJoZGlkIjoiZjVhNGJiMWVmZTg4ZjFhYWZhYWFiMzBkODkwYWRkZmUifQ=="/>
 </p:tagLst>
 </file>
 
